--- a/UKTAG 20210528 MQTT.pptx
+++ b/UKTAG 20210528 MQTT.pptx
@@ -8,21 +8,22 @@
     <p:sldId id="261" r:id="rId2"/>
     <p:sldId id="262" r:id="rId3"/>
     <p:sldId id="278" r:id="rId4"/>
-    <p:sldId id="265" r:id="rId5"/>
-    <p:sldId id="266" r:id="rId6"/>
-    <p:sldId id="269" r:id="rId7"/>
-    <p:sldId id="270" r:id="rId8"/>
-    <p:sldId id="267" r:id="rId9"/>
-    <p:sldId id="275" r:id="rId10"/>
-    <p:sldId id="276" r:id="rId11"/>
-    <p:sldId id="277" r:id="rId12"/>
-    <p:sldId id="268" r:id="rId13"/>
-    <p:sldId id="279" r:id="rId14"/>
-    <p:sldId id="274" r:id="rId15"/>
-    <p:sldId id="272" r:id="rId16"/>
-    <p:sldId id="273" r:id="rId17"/>
-    <p:sldId id="271" r:id="rId18"/>
-    <p:sldId id="263" r:id="rId19"/>
+    <p:sldId id="280" r:id="rId5"/>
+    <p:sldId id="265" r:id="rId6"/>
+    <p:sldId id="266" r:id="rId7"/>
+    <p:sldId id="269" r:id="rId8"/>
+    <p:sldId id="270" r:id="rId9"/>
+    <p:sldId id="267" r:id="rId10"/>
+    <p:sldId id="275" r:id="rId11"/>
+    <p:sldId id="276" r:id="rId12"/>
+    <p:sldId id="277" r:id="rId13"/>
+    <p:sldId id="268" r:id="rId14"/>
+    <p:sldId id="279" r:id="rId15"/>
+    <p:sldId id="274" r:id="rId16"/>
+    <p:sldId id="272" r:id="rId17"/>
+    <p:sldId id="273" r:id="rId18"/>
+    <p:sldId id="271" r:id="rId19"/>
+    <p:sldId id="263" r:id="rId20"/>
   </p:sldIdLst>
   <p:sldSz cx="12192000" cy="6858000"/>
   <p:notesSz cx="6858000" cy="9144000"/>
@@ -129,6 +130,7 @@
             <p14:sldId id="261"/>
             <p14:sldId id="262"/>
             <p14:sldId id="278"/>
+            <p14:sldId id="280"/>
           </p14:sldIdLst>
         </p14:section>
         <p14:section name="Overview of MQTT" id="{EBD0E3AE-37D1-5F4D-8AD8-716C54E083BC}">
@@ -913,7 +915,7 @@
             <a:fld id="{B61BEF0D-F0BB-DE4B-95CE-6DB70DBA9567}" type="datetimeFigureOut">
               <a:rPr lang="en-US" smtClean="0"/>
               <a:pPr/>
-              <a:t>5/24/21</a:t>
+              <a:t>5/27/2021</a:t>
             </a:fld>
             <a:endParaRPr lang="en-US" dirty="0"/>
           </a:p>
@@ -956,7 +958,7 @@
             <a:fld id="{D57F1E4F-1CFF-5643-939E-217C01CDF565}" type="slidenum">
               <a:rPr lang="en-US" smtClean="0"/>
               <a:pPr/>
-              <a:t>‹n°›</a:t>
+              <a:t>‹#›</a:t>
             </a:fld>
             <a:endParaRPr lang="en-US" dirty="0"/>
           </a:p>
@@ -1171,7 +1173,7 @@
             <a:fld id="{B61BEF0D-F0BB-DE4B-95CE-6DB70DBA9567}" type="datetimeFigureOut">
               <a:rPr lang="en-US" smtClean="0"/>
               <a:pPr/>
-              <a:t>5/24/21</a:t>
+              <a:t>5/27/2021</a:t>
             </a:fld>
             <a:endParaRPr lang="en-US" dirty="0"/>
           </a:p>
@@ -1214,7 +1216,7 @@
             <a:fld id="{D57F1E4F-1CFF-5643-939E-217C01CDF565}" type="slidenum">
               <a:rPr lang="en-US" smtClean="0"/>
               <a:pPr/>
-              <a:t>‹n°›</a:t>
+              <a:t>‹#›</a:t>
             </a:fld>
             <a:endParaRPr lang="en-US" dirty="0"/>
           </a:p>
@@ -1497,7 +1499,7 @@
             <a:fld id="{B61BEF0D-F0BB-DE4B-95CE-6DB70DBA9567}" type="datetimeFigureOut">
               <a:rPr lang="en-US" smtClean="0"/>
               <a:pPr/>
-              <a:t>5/24/21</a:t>
+              <a:t>5/27/2021</a:t>
             </a:fld>
             <a:endParaRPr lang="en-US" dirty="0"/>
           </a:p>
@@ -1540,7 +1542,7 @@
             <a:fld id="{D57F1E4F-1CFF-5643-939E-217C01CDF565}" type="slidenum">
               <a:rPr lang="en-US" smtClean="0"/>
               <a:pPr/>
-              <a:t>‹n°›</a:t>
+              <a:t>‹#›</a:t>
             </a:fld>
             <a:endParaRPr lang="en-US" dirty="0"/>
           </a:p>
@@ -1837,7 +1839,7 @@
             <a:fld id="{B61BEF0D-F0BB-DE4B-95CE-6DB70DBA9567}" type="datetimeFigureOut">
               <a:rPr lang="en-US" smtClean="0"/>
               <a:pPr/>
-              <a:t>5/24/21</a:t>
+              <a:t>5/27/2021</a:t>
             </a:fld>
             <a:endParaRPr lang="en-US" dirty="0"/>
           </a:p>
@@ -1880,7 +1882,7 @@
             <a:fld id="{D57F1E4F-1CFF-5643-939E-217C01CDF565}" type="slidenum">
               <a:rPr lang="en-US" smtClean="0"/>
               <a:pPr/>
-              <a:t>‹n°›</a:t>
+              <a:t>‹#›</a:t>
             </a:fld>
             <a:endParaRPr lang="en-US" dirty="0"/>
           </a:p>
@@ -2163,7 +2165,7 @@
             <a:fld id="{B61BEF0D-F0BB-DE4B-95CE-6DB70DBA9567}" type="datetimeFigureOut">
               <a:rPr lang="en-US" smtClean="0"/>
               <a:pPr/>
-              <a:t>5/24/21</a:t>
+              <a:t>5/27/2021</a:t>
             </a:fld>
             <a:endParaRPr lang="en-US" dirty="0"/>
           </a:p>
@@ -2206,7 +2208,7 @@
             <a:fld id="{D57F1E4F-1CFF-5643-939E-217C01CDF565}" type="slidenum">
               <a:rPr lang="en-US" smtClean="0"/>
               <a:pPr/>
-              <a:t>‹n°›</a:t>
+              <a:t>‹#›</a:t>
             </a:fld>
             <a:endParaRPr lang="en-US" dirty="0"/>
           </a:p>
@@ -2568,7 +2570,7 @@
             <a:fld id="{B61BEF0D-F0BB-DE4B-95CE-6DB70DBA9567}" type="datetimeFigureOut">
               <a:rPr lang="en-US" smtClean="0"/>
               <a:pPr/>
-              <a:t>5/24/21</a:t>
+              <a:t>5/27/2021</a:t>
             </a:fld>
             <a:endParaRPr lang="en-US" dirty="0"/>
           </a:p>
@@ -2611,7 +2613,7 @@
             <a:fld id="{D57F1E4F-1CFF-5643-939E-217C01CDF565}" type="slidenum">
               <a:rPr lang="en-US" smtClean="0"/>
               <a:pPr/>
-              <a:t>‹n°›</a:t>
+              <a:t>‹#›</a:t>
             </a:fld>
             <a:endParaRPr lang="en-US" dirty="0"/>
           </a:p>
@@ -2715,7 +2717,7 @@
           <a:p>
             <a:fld id="{55C6B4A9-1611-4792-9094-5F34BCA07E0B}" type="datetimeFigureOut">
               <a:rPr lang="en-US" smtClean="0"/>
-              <a:t>5/24/21</a:t>
+              <a:t>5/27/2021</a:t>
             </a:fld>
             <a:endParaRPr lang="en-US" dirty="0"/>
           </a:p>
@@ -2757,7 +2759,7 @@
           <a:p>
             <a:fld id="{89333C77-0158-454C-844F-B7AB9BD7DAD4}" type="slidenum">
               <a:rPr lang="en-US" smtClean="0"/>
-              <a:t>‹n°›</a:t>
+              <a:t>‹#›</a:t>
             </a:fld>
             <a:endParaRPr lang="en-US" dirty="0"/>
           </a:p>
@@ -2872,7 +2874,7 @@
             <a:fld id="{B61BEF0D-F0BB-DE4B-95CE-6DB70DBA9567}" type="datetimeFigureOut">
               <a:rPr lang="en-US" smtClean="0"/>
               <a:pPr/>
-              <a:t>5/24/21</a:t>
+              <a:t>5/27/2021</a:t>
             </a:fld>
             <a:endParaRPr lang="en-US" dirty="0"/>
           </a:p>
@@ -2915,7 +2917,7 @@
             <a:fld id="{D57F1E4F-1CFF-5643-939E-217C01CDF565}" type="slidenum">
               <a:rPr lang="en-US" smtClean="0"/>
               <a:pPr/>
-              <a:t>‹n°›</a:t>
+              <a:t>‹#›</a:t>
             </a:fld>
             <a:endParaRPr lang="en-US" dirty="0"/>
           </a:p>
@@ -3020,7 +3022,7 @@
             <a:fld id="{B61BEF0D-F0BB-DE4B-95CE-6DB70DBA9567}" type="datetimeFigureOut">
               <a:rPr lang="en-US" smtClean="0"/>
               <a:pPr/>
-              <a:t>5/24/21</a:t>
+              <a:t>5/27/2021</a:t>
             </a:fld>
             <a:endParaRPr lang="en-US" dirty="0"/>
           </a:p>
@@ -3063,7 +3065,7 @@
             <a:fld id="{D57F1E4F-1CFF-5643-939E-217C01CDF565}" type="slidenum">
               <a:rPr lang="en-US" smtClean="0"/>
               <a:pPr/>
-              <a:t>‹n°›</a:t>
+              <a:t>‹#›</a:t>
             </a:fld>
             <a:endParaRPr lang="en-US" dirty="0"/>
           </a:p>
@@ -3274,7 +3276,7 @@
             <a:fld id="{B61BEF0D-F0BB-DE4B-95CE-6DB70DBA9567}" type="datetimeFigureOut">
               <a:rPr lang="en-US" smtClean="0"/>
               <a:pPr/>
-              <a:t>5/24/21</a:t>
+              <a:t>5/27/2021</a:t>
             </a:fld>
             <a:endParaRPr lang="en-US" dirty="0"/>
           </a:p>
@@ -3317,7 +3319,7 @@
             <a:fld id="{D57F1E4F-1CFF-5643-939E-217C01CDF565}" type="slidenum">
               <a:rPr lang="en-US" smtClean="0"/>
               <a:pPr/>
-              <a:t>‹n°›</a:t>
+              <a:t>‹#›</a:t>
             </a:fld>
             <a:endParaRPr lang="en-US" dirty="0"/>
           </a:p>
@@ -3459,7 +3461,7 @@
           <a:p>
             <a:fld id="{EB712588-04B1-427B-82EE-E8DB90309F08}" type="datetimeFigureOut">
               <a:rPr lang="en-US" smtClean="0"/>
-              <a:t>5/24/21</a:t>
+              <a:t>5/27/2021</a:t>
             </a:fld>
             <a:endParaRPr lang="en-US" dirty="0"/>
           </a:p>
@@ -3501,7 +3503,7 @@
           <a:p>
             <a:fld id="{6FF9F0C5-380F-41C2-899A-BAC0F0927E16}" type="slidenum">
               <a:rPr lang="en-US" smtClean="0"/>
-              <a:t>‹n°›</a:t>
+              <a:t>‹#›</a:t>
             </a:fld>
             <a:endParaRPr lang="en-US" dirty="0"/>
           </a:p>
@@ -3796,7 +3798,7 @@
             <a:fld id="{B61BEF0D-F0BB-DE4B-95CE-6DB70DBA9567}" type="datetimeFigureOut">
               <a:rPr lang="en-US" smtClean="0"/>
               <a:pPr/>
-              <a:t>5/24/21</a:t>
+              <a:t>5/27/2021</a:t>
             </a:fld>
             <a:endParaRPr lang="en-US" dirty="0"/>
           </a:p>
@@ -3839,7 +3841,7 @@
             <a:fld id="{D57F1E4F-1CFF-5643-939E-217C01CDF565}" type="slidenum">
               <a:rPr lang="en-US" smtClean="0"/>
               <a:pPr/>
-              <a:t>‹n°›</a:t>
+              <a:t>‹#›</a:t>
             </a:fld>
             <a:endParaRPr lang="en-US" dirty="0"/>
           </a:p>
@@ -3921,7 +3923,7 @@
             <a:fld id="{B61BEF0D-F0BB-DE4B-95CE-6DB70DBA9567}" type="datetimeFigureOut">
               <a:rPr lang="en-US" smtClean="0"/>
               <a:pPr/>
-              <a:t>5/24/21</a:t>
+              <a:t>5/27/2021</a:t>
             </a:fld>
             <a:endParaRPr lang="en-US" dirty="0"/>
           </a:p>
@@ -3964,7 +3966,7 @@
             <a:fld id="{D57F1E4F-1CFF-5643-939E-217C01CDF565}" type="slidenum">
               <a:rPr lang="en-US" smtClean="0"/>
               <a:pPr/>
-              <a:t>‹n°›</a:t>
+              <a:t>‹#›</a:t>
             </a:fld>
             <a:endParaRPr lang="en-US" dirty="0"/>
           </a:p>
@@ -4018,7 +4020,7 @@
             <a:fld id="{B61BEF0D-F0BB-DE4B-95CE-6DB70DBA9567}" type="datetimeFigureOut">
               <a:rPr lang="en-US" smtClean="0"/>
               <a:pPr/>
-              <a:t>5/24/21</a:t>
+              <a:t>5/27/2021</a:t>
             </a:fld>
             <a:endParaRPr lang="en-US" dirty="0"/>
           </a:p>
@@ -4061,7 +4063,7 @@
             <a:fld id="{D57F1E4F-1CFF-5643-939E-217C01CDF565}" type="slidenum">
               <a:rPr lang="en-US" smtClean="0"/>
               <a:pPr/>
-              <a:t>‹n°›</a:t>
+              <a:t>‹#›</a:t>
             </a:fld>
             <a:endParaRPr lang="en-US" dirty="0"/>
           </a:p>
@@ -4255,7 +4257,7 @@
           <a:p>
             <a:fld id="{42A54C80-263E-416B-A8E0-580EDEADCBDC}" type="datetimeFigureOut">
               <a:rPr lang="en-US" smtClean="0"/>
-              <a:t>5/24/21</a:t>
+              <a:t>5/27/2021</a:t>
             </a:fld>
             <a:endParaRPr lang="en-US" dirty="0"/>
           </a:p>
@@ -4297,7 +4299,7 @@
           <a:p>
             <a:fld id="{519954A3-9DFD-4C44-94BA-B95130A3BA1C}" type="slidenum">
               <a:rPr lang="en-US" smtClean="0"/>
-              <a:t>‹n°›</a:t>
+              <a:t>‹#›</a:t>
             </a:fld>
             <a:endParaRPr lang="en-US" dirty="0"/>
           </a:p>
@@ -4543,7 +4545,7 @@
             <a:fld id="{D57F1E4F-1CFF-5643-939E-217C01CDF565}" type="slidenum">
               <a:rPr lang="en-US" smtClean="0"/>
               <a:pPr/>
-              <a:t>‹n°›</a:t>
+              <a:t>‹#›</a:t>
             </a:fld>
             <a:endParaRPr lang="en-US" dirty="0"/>
           </a:p>
@@ -4567,7 +4569,7 @@
             <a:fld id="{B61BEF0D-F0BB-DE4B-95CE-6DB70DBA9567}" type="datetimeFigureOut">
               <a:rPr lang="en-US" smtClean="0"/>
               <a:pPr/>
-              <a:t>5/24/21</a:t>
+              <a:t>5/27/2021</a:t>
             </a:fld>
             <a:endParaRPr lang="en-US" dirty="0"/>
           </a:p>
@@ -5246,7 +5248,7 @@
             <a:fld id="{B61BEF0D-F0BB-DE4B-95CE-6DB70DBA9567}" type="datetimeFigureOut">
               <a:rPr lang="en-US" smtClean="0"/>
               <a:pPr/>
-              <a:t>5/24/21</a:t>
+              <a:t>5/27/2021</a:t>
             </a:fld>
             <a:endParaRPr lang="en-US" dirty="0"/>
           </a:p>
@@ -5323,7 +5325,7 @@
             <a:fld id="{D57F1E4F-1CFF-5643-939E-217C01CDF565}" type="slidenum">
               <a:rPr lang="en-US" smtClean="0"/>
               <a:pPr/>
-              <a:t>‹n°›</a:t>
+              <a:t>‹#›</a:t>
             </a:fld>
             <a:endParaRPr lang="en-US" dirty="0"/>
           </a:p>
@@ -5784,7 +5786,7 @@
           <p:cNvPr id="2" name="Titre 1">
             <a:extLst>
               <a:ext uri="{FF2B5EF4-FFF2-40B4-BE49-F238E27FC236}">
-                <a16:creationId xmlns:a16="http://schemas.microsoft.com/office/drawing/2014/main" id="{F0F5FB5B-F05B-1F47-B07D-D6A34D391503}"/>
+                <a16:creationId xmlns:a16="http://schemas.microsoft.com/office/drawing/2014/main" xmlns="" id="{F0F5FB5B-F05B-1F47-B07D-D6A34D391503}"/>
               </a:ext>
             </a:extLst>
           </p:cNvPr>
@@ -5831,7 +5833,7 @@
           <p:cNvPr id="9" name="Rectangle 8">
             <a:extLst>
               <a:ext uri="{FF2B5EF4-FFF2-40B4-BE49-F238E27FC236}">
-                <a16:creationId xmlns:a16="http://schemas.microsoft.com/office/drawing/2014/main" id="{3E7B2FBD-9ABE-A549-AE2B-4EAB090825B9}"/>
+                <a16:creationId xmlns:a16="http://schemas.microsoft.com/office/drawing/2014/main" xmlns="" id="{3E7B2FBD-9ABE-A549-AE2B-4EAB090825B9}"/>
               </a:ext>
             </a:extLst>
           </p:cNvPr>
@@ -5885,7 +5887,7 @@
           <p:cNvPr id="10" name="Image 9">
             <a:extLst>
               <a:ext uri="{FF2B5EF4-FFF2-40B4-BE49-F238E27FC236}">
-                <a16:creationId xmlns:a16="http://schemas.microsoft.com/office/drawing/2014/main" id="{F688BCC2-7A8F-5145-B37C-317ED206BEEE}"/>
+                <a16:creationId xmlns:a16="http://schemas.microsoft.com/office/drawing/2014/main" xmlns="" id="{F688BCC2-7A8F-5145-B37C-317ED206BEEE}"/>
               </a:ext>
             </a:extLst>
           </p:cNvPr>
@@ -5915,7 +5917,7 @@
           <p:cNvPr id="11" name="Rectangle 10">
             <a:extLst>
               <a:ext uri="{FF2B5EF4-FFF2-40B4-BE49-F238E27FC236}">
-                <a16:creationId xmlns:a16="http://schemas.microsoft.com/office/drawing/2014/main" id="{94284844-C40D-324D-A972-44021BB613F7}"/>
+                <a16:creationId xmlns:a16="http://schemas.microsoft.com/office/drawing/2014/main" xmlns="" id="{94284844-C40D-324D-A972-44021BB613F7}"/>
               </a:ext>
             </a:extLst>
           </p:cNvPr>
@@ -5984,7 +5986,7 @@
           <p:cNvPr id="4" name="Image 3">
             <a:extLst>
               <a:ext uri="{FF2B5EF4-FFF2-40B4-BE49-F238E27FC236}">
-                <a16:creationId xmlns:a16="http://schemas.microsoft.com/office/drawing/2014/main" id="{84BAFDC8-8B2F-A646-AA37-37111420B4BB}"/>
+                <a16:creationId xmlns:a16="http://schemas.microsoft.com/office/drawing/2014/main" xmlns="" id="{84BAFDC8-8B2F-A646-AA37-37111420B4BB}"/>
               </a:ext>
             </a:extLst>
           </p:cNvPr>
@@ -6014,7 +6016,7 @@
           <p:cNvPr id="7" name="Image 6">
             <a:extLst>
               <a:ext uri="{FF2B5EF4-FFF2-40B4-BE49-F238E27FC236}">
-                <a16:creationId xmlns:a16="http://schemas.microsoft.com/office/drawing/2014/main" id="{D9E8373E-6C6D-0A4F-BCD2-B3CF54D77577}"/>
+                <a16:creationId xmlns:a16="http://schemas.microsoft.com/office/drawing/2014/main" xmlns="" id="{D9E8373E-6C6D-0A4F-BCD2-B3CF54D77577}"/>
               </a:ext>
             </a:extLst>
           </p:cNvPr>
@@ -6044,7 +6046,7 @@
           <p:cNvPr id="8" name="Image 7">
             <a:extLst>
               <a:ext uri="{FF2B5EF4-FFF2-40B4-BE49-F238E27FC236}">
-                <a16:creationId xmlns:a16="http://schemas.microsoft.com/office/drawing/2014/main" id="{05AF6B16-3A7F-494E-9721-9A47689EA023}"/>
+                <a16:creationId xmlns:a16="http://schemas.microsoft.com/office/drawing/2014/main" xmlns="" id="{05AF6B16-3A7F-494E-9721-9A47689EA023}"/>
               </a:ext>
             </a:extLst>
           </p:cNvPr>
@@ -6074,7 +6076,7 @@
           <p:cNvPr id="13" name="Image 12">
             <a:extLst>
               <a:ext uri="{FF2B5EF4-FFF2-40B4-BE49-F238E27FC236}">
-                <a16:creationId xmlns:a16="http://schemas.microsoft.com/office/drawing/2014/main" id="{0C717371-42BF-B64C-8F2A-997126CDEC3A}"/>
+                <a16:creationId xmlns:a16="http://schemas.microsoft.com/office/drawing/2014/main" xmlns="" id="{0C717371-42BF-B64C-8F2A-997126CDEC3A}"/>
               </a:ext>
             </a:extLst>
           </p:cNvPr>
@@ -6104,7 +6106,7 @@
           <p:cNvPr id="17" name="Rectangle 16">
             <a:extLst>
               <a:ext uri="{FF2B5EF4-FFF2-40B4-BE49-F238E27FC236}">
-                <a16:creationId xmlns:a16="http://schemas.microsoft.com/office/drawing/2014/main" id="{F58A4A3F-AA7F-D84F-AA08-7967BA455751}"/>
+                <a16:creationId xmlns:a16="http://schemas.microsoft.com/office/drawing/2014/main" xmlns="" id="{F58A4A3F-AA7F-D84F-AA08-7967BA455751}"/>
               </a:ext>
             </a:extLst>
           </p:cNvPr>
@@ -6177,7 +6179,7 @@
           <p:cNvPr id="2" name="Titre 1">
             <a:extLst>
               <a:ext uri="{FF2B5EF4-FFF2-40B4-BE49-F238E27FC236}">
-                <a16:creationId xmlns:a16="http://schemas.microsoft.com/office/drawing/2014/main" id="{F0F5FB5B-F05B-1F47-B07D-D6A34D391503}"/>
+                <a16:creationId xmlns:a16="http://schemas.microsoft.com/office/drawing/2014/main" xmlns="" id="{F0F5FB5B-F05B-1F47-B07D-D6A34D391503}"/>
               </a:ext>
             </a:extLst>
           </p:cNvPr>
@@ -6207,7 +6209,7 @@
             </a:pPr>
             <a:r>
               <a:rPr lang="en-CA" sz="4800" dirty="0"/>
-              <a:t>Closing a requirement</a:t>
+              <a:t>Test-Driven approach</a:t>
             </a:r>
             <a:endParaRPr lang="en-CA" sz="4800" dirty="0">
               <a:solidFill>
@@ -6224,7 +6226,241 @@
           <p:cNvPr id="17" name="Rectangle 16">
             <a:extLst>
               <a:ext uri="{FF2B5EF4-FFF2-40B4-BE49-F238E27FC236}">
-                <a16:creationId xmlns:a16="http://schemas.microsoft.com/office/drawing/2014/main" id="{F58A4A3F-AA7F-D84F-AA08-7967BA455751}"/>
+                <a16:creationId xmlns:a16="http://schemas.microsoft.com/office/drawing/2014/main" xmlns="" id="{F58A4A3F-AA7F-D84F-AA08-7967BA455751}"/>
+              </a:ext>
+            </a:extLst>
+          </p:cNvPr>
+          <p:cNvSpPr/>
+          <p:nvPr/>
+        </p:nvSpPr>
+        <p:spPr>
+          <a:xfrm>
+            <a:off x="938084" y="1587516"/>
+            <a:ext cx="5157916" cy="3365473"/>
+          </a:xfrm>
+          <a:prstGeom prst="rect">
+            <a:avLst/>
+          </a:prstGeom>
+        </p:spPr>
+        <p:txBody>
+          <a:bodyPr wrap="square">
+            <a:spAutoFit/>
+          </a:bodyPr>
+          <a:lstStyle/>
+          <a:p>
+            <a:pPr>
+              <a:lnSpc>
+                <a:spcPct val="150000"/>
+              </a:lnSpc>
+            </a:pPr>
+            <a:r>
+              <a:rPr lang="en-CA" dirty="0">
+                <a:solidFill>
+                  <a:schemeClr val="tx1">
+                    <a:lumMod val="50000"/>
+                    <a:lumOff val="50000"/>
+                  </a:schemeClr>
+                </a:solidFill>
+              </a:rPr>
+              <a:t>The OASIS MQTT 3.1.1 Specification has 141 normative requirements</a:t>
+            </a:r>
+          </a:p>
+          <a:p>
+            <a:pPr>
+              <a:lnSpc>
+                <a:spcPct val="150000"/>
+              </a:lnSpc>
+            </a:pPr>
+            <a:endParaRPr lang="en-CA" dirty="0">
+              <a:solidFill>
+                <a:schemeClr val="tx1">
+                  <a:lumMod val="50000"/>
+                  <a:lumOff val="50000"/>
+                </a:schemeClr>
+              </a:solidFill>
+            </a:endParaRPr>
+          </a:p>
+          <a:p>
+            <a:pPr>
+              <a:lnSpc>
+                <a:spcPct val="150000"/>
+              </a:lnSpc>
+            </a:pPr>
+            <a:r>
+              <a:rPr lang="en-CA" dirty="0">
+                <a:solidFill>
+                  <a:schemeClr val="tx1">
+                    <a:lumMod val="50000"/>
+                    <a:lumOff val="50000"/>
+                  </a:schemeClr>
+                </a:solidFill>
+              </a:rPr>
+              <a:t>LV-MQTT’s Unit Tests are covering 68 of these requirements, but implementation currently really covers: </a:t>
+            </a:r>
+          </a:p>
+          <a:p>
+            <a:pPr marL="285750" indent="-285750">
+              <a:lnSpc>
+                <a:spcPct val="150000"/>
+              </a:lnSpc>
+              <a:buFont typeface="Arial" panose="020B0604020202020204" pitchFamily="34" charset="0"/>
+              <a:buChar char="•"/>
+            </a:pPr>
+            <a:r>
+              <a:rPr lang="en-CA" dirty="0">
+                <a:solidFill>
+                  <a:schemeClr val="tx1">
+                    <a:lumMod val="50000"/>
+                    <a:lumOff val="50000"/>
+                  </a:schemeClr>
+                </a:solidFill>
+              </a:rPr>
+              <a:t>100% of Client requirements </a:t>
+            </a:r>
+          </a:p>
+          <a:p>
+            <a:pPr marL="285750" indent="-285750">
+              <a:lnSpc>
+                <a:spcPct val="150000"/>
+              </a:lnSpc>
+              <a:buFont typeface="Arial" panose="020B0604020202020204" pitchFamily="34" charset="0"/>
+              <a:buChar char="•"/>
+            </a:pPr>
+            <a:r>
+              <a:rPr lang="en-CA" dirty="0">
+                <a:solidFill>
+                  <a:schemeClr val="tx1">
+                    <a:lumMod val="50000"/>
+                    <a:lumOff val="50000"/>
+                  </a:schemeClr>
+                </a:solidFill>
+              </a:rPr>
+              <a:t>~90% of Server requirements</a:t>
+            </a:r>
+          </a:p>
+        </p:txBody>
+      </p:sp>
+      <p:pic>
+        <p:nvPicPr>
+          <p:cNvPr id="4" name="Image 3">
+            <a:extLst>
+              <a:ext uri="{FF2B5EF4-FFF2-40B4-BE49-F238E27FC236}">
+                <a16:creationId xmlns:a16="http://schemas.microsoft.com/office/drawing/2014/main" xmlns="" id="{F81F3AE4-60F1-C04E-94BC-7142C50F96D1}"/>
+              </a:ext>
+            </a:extLst>
+          </p:cNvPr>
+          <p:cNvPicPr>
+            <a:picLocks noChangeAspect="1"/>
+          </p:cNvPicPr>
+          <p:nvPr/>
+        </p:nvPicPr>
+        <p:blipFill>
+          <a:blip r:embed="rId2"/>
+          <a:stretch>
+            <a:fillRect/>
+          </a:stretch>
+        </p:blipFill>
+        <p:spPr>
+          <a:xfrm>
+            <a:off x="6371771" y="1230889"/>
+            <a:ext cx="5499339" cy="5372011"/>
+          </a:xfrm>
+          <a:prstGeom prst="rect">
+            <a:avLst/>
+          </a:prstGeom>
+        </p:spPr>
+      </p:pic>
+    </p:spTree>
+    <p:extLst>
+      <p:ext uri="{BB962C8B-B14F-4D97-AF65-F5344CB8AC3E}">
+        <p14:creationId xmlns:p14="http://schemas.microsoft.com/office/powerpoint/2010/main" val="2028010127"/>
+      </p:ext>
+    </p:extLst>
+  </p:cSld>
+  <p:clrMapOvr>
+    <a:masterClrMapping/>
+  </p:clrMapOvr>
+</p:sld>
+</file>
+
+<file path=ppt/slides/slide11.xml><?xml version="1.0" encoding="utf-8"?>
+<p:sld xmlns:a="http://schemas.openxmlformats.org/drawingml/2006/main" xmlns:r="http://schemas.openxmlformats.org/officeDocument/2006/relationships" xmlns:p="http://schemas.openxmlformats.org/presentationml/2006/main">
+  <p:cSld>
+    <p:bg>
+      <p:bgPr>
+        <a:solidFill>
+          <a:schemeClr val="bg1"/>
+        </a:solidFill>
+        <a:effectLst/>
+      </p:bgPr>
+    </p:bg>
+    <p:spTree>
+      <p:nvGrpSpPr>
+        <p:cNvPr id="1" name=""/>
+        <p:cNvGrpSpPr/>
+        <p:nvPr/>
+      </p:nvGrpSpPr>
+      <p:grpSpPr>
+        <a:xfrm>
+          <a:off x="0" y="0"/>
+          <a:ext cx="0" cy="0"/>
+          <a:chOff x="0" y="0"/>
+          <a:chExt cx="0" cy="0"/>
+        </a:xfrm>
+      </p:grpSpPr>
+      <p:sp>
+        <p:nvSpPr>
+          <p:cNvPr id="2" name="Titre 1">
+            <a:extLst>
+              <a:ext uri="{FF2B5EF4-FFF2-40B4-BE49-F238E27FC236}">
+                <a16:creationId xmlns:a16="http://schemas.microsoft.com/office/drawing/2014/main" xmlns="" id="{F0F5FB5B-F05B-1F47-B07D-D6A34D391503}"/>
+              </a:ext>
+            </a:extLst>
+          </p:cNvPr>
+          <p:cNvSpPr>
+            <a:spLocks noGrp="1"/>
+          </p:cNvSpPr>
+          <p:nvPr>
+            <p:ph type="ctrTitle"/>
+          </p:nvPr>
+        </p:nvSpPr>
+        <p:spPr>
+          <a:xfrm>
+            <a:off x="1142480" y="255100"/>
+            <a:ext cx="7452174" cy="959225"/>
+          </a:xfrm>
+        </p:spPr>
+        <p:txBody>
+          <a:bodyPr>
+            <a:noAutofit/>
+          </a:bodyPr>
+          <a:lstStyle/>
+          <a:p>
+            <a:pPr algn="l">
+              <a:lnSpc>
+                <a:spcPct val="90000"/>
+              </a:lnSpc>
+            </a:pPr>
+            <a:r>
+              <a:rPr lang="en-CA" sz="4800" dirty="0"/>
+              <a:t>Closing a requirement</a:t>
+            </a:r>
+            <a:endParaRPr lang="en-CA" sz="4800" dirty="0">
+              <a:solidFill>
+                <a:schemeClr val="tx1"/>
+              </a:solidFill>
+              <a:latin typeface="Arial" panose="020B0604020202020204" pitchFamily="34" charset="0"/>
+              <a:cs typeface="Arial" panose="020B0604020202020204" pitchFamily="34" charset="0"/>
+            </a:endParaRPr>
+          </a:p>
+        </p:txBody>
+      </p:sp>
+      <p:sp>
+        <p:nvSpPr>
+          <p:cNvPr id="17" name="Rectangle 16">
+            <a:extLst>
+              <a:ext uri="{FF2B5EF4-FFF2-40B4-BE49-F238E27FC236}">
+                <a16:creationId xmlns:a16="http://schemas.microsoft.com/office/drawing/2014/main" xmlns="" id="{F58A4A3F-AA7F-D84F-AA08-7967BA455751}"/>
               </a:ext>
             </a:extLst>
           </p:cNvPr>
@@ -6330,7 +6566,7 @@
           <p:cNvPr id="5" name="Image 4">
             <a:extLst>
               <a:ext uri="{FF2B5EF4-FFF2-40B4-BE49-F238E27FC236}">
-                <a16:creationId xmlns:a16="http://schemas.microsoft.com/office/drawing/2014/main" id="{480109B1-922D-DF43-A783-916743921178}"/>
+                <a16:creationId xmlns:a16="http://schemas.microsoft.com/office/drawing/2014/main" xmlns="" id="{480109B1-922D-DF43-A783-916743921178}"/>
               </a:ext>
             </a:extLst>
           </p:cNvPr>
@@ -6382,300 +6618,6 @@
 </p:sld>
 </file>
 
-<file path=ppt/slides/slide11.xml><?xml version="1.0" encoding="utf-8"?>
-<p:sld xmlns:a="http://schemas.openxmlformats.org/drawingml/2006/main" xmlns:r="http://schemas.openxmlformats.org/officeDocument/2006/relationships" xmlns:p="http://schemas.openxmlformats.org/presentationml/2006/main">
-  <p:cSld>
-    <p:bg>
-      <p:bgPr>
-        <a:solidFill>
-          <a:schemeClr val="bg1"/>
-        </a:solidFill>
-        <a:effectLst/>
-      </p:bgPr>
-    </p:bg>
-    <p:spTree>
-      <p:nvGrpSpPr>
-        <p:cNvPr id="1" name=""/>
-        <p:cNvGrpSpPr/>
-        <p:nvPr/>
-      </p:nvGrpSpPr>
-      <p:grpSpPr>
-        <a:xfrm>
-          <a:off x="0" y="0"/>
-          <a:ext cx="0" cy="0"/>
-          <a:chOff x="0" y="0"/>
-          <a:chExt cx="0" cy="0"/>
-        </a:xfrm>
-      </p:grpSpPr>
-      <p:sp>
-        <p:nvSpPr>
-          <p:cNvPr id="2" name="Titre 1">
-            <a:extLst>
-              <a:ext uri="{FF2B5EF4-FFF2-40B4-BE49-F238E27FC236}">
-                <a16:creationId xmlns:a16="http://schemas.microsoft.com/office/drawing/2014/main" id="{F0F5FB5B-F05B-1F47-B07D-D6A34D391503}"/>
-              </a:ext>
-            </a:extLst>
-          </p:cNvPr>
-          <p:cNvSpPr>
-            <a:spLocks noGrp="1"/>
-          </p:cNvSpPr>
-          <p:nvPr>
-            <p:ph type="ctrTitle"/>
-          </p:nvPr>
-        </p:nvSpPr>
-        <p:spPr>
-          <a:xfrm>
-            <a:off x="1142480" y="255100"/>
-            <a:ext cx="7452174" cy="959225"/>
-          </a:xfrm>
-        </p:spPr>
-        <p:txBody>
-          <a:bodyPr>
-            <a:noAutofit/>
-          </a:bodyPr>
-          <a:lstStyle/>
-          <a:p>
-            <a:pPr algn="l">
-              <a:lnSpc>
-                <a:spcPct val="90000"/>
-              </a:lnSpc>
-            </a:pPr>
-            <a:r>
-              <a:rPr lang="en-CA" sz="4800" dirty="0"/>
-              <a:t>MQTT Server Compliance</a:t>
-            </a:r>
-            <a:endParaRPr lang="en-CA" sz="4800" dirty="0">
-              <a:solidFill>
-                <a:schemeClr val="tx1"/>
-              </a:solidFill>
-              <a:latin typeface="Arial" panose="020B0604020202020204" pitchFamily="34" charset="0"/>
-              <a:cs typeface="Arial" panose="020B0604020202020204" pitchFamily="34" charset="0"/>
-            </a:endParaRPr>
-          </a:p>
-        </p:txBody>
-      </p:sp>
-      <p:sp>
-        <p:nvSpPr>
-          <p:cNvPr id="17" name="Rectangle 16">
-            <a:extLst>
-              <a:ext uri="{FF2B5EF4-FFF2-40B4-BE49-F238E27FC236}">
-                <a16:creationId xmlns:a16="http://schemas.microsoft.com/office/drawing/2014/main" id="{F58A4A3F-AA7F-D84F-AA08-7967BA455751}"/>
-              </a:ext>
-            </a:extLst>
-          </p:cNvPr>
-          <p:cNvSpPr/>
-          <p:nvPr/>
-        </p:nvSpPr>
-        <p:spPr>
-          <a:xfrm>
-            <a:off x="1024145" y="1352886"/>
-            <a:ext cx="8335007" cy="5027467"/>
-          </a:xfrm>
-          <a:prstGeom prst="rect">
-            <a:avLst/>
-          </a:prstGeom>
-        </p:spPr>
-        <p:txBody>
-          <a:bodyPr wrap="square">
-            <a:spAutoFit/>
-          </a:bodyPr>
-          <a:lstStyle/>
-          <a:p>
-            <a:pPr>
-              <a:lnSpc>
-                <a:spcPct val="150000"/>
-              </a:lnSpc>
-            </a:pPr>
-            <a:r>
-              <a:rPr lang="en-CA" dirty="0">
-                <a:solidFill>
-                  <a:schemeClr val="tx1">
-                    <a:lumMod val="50000"/>
-                    <a:lumOff val="50000"/>
-                  </a:schemeClr>
-                </a:solidFill>
-              </a:rPr>
-              <a:t>List of features not yet implemented in LV-MQTT Broker project: </a:t>
-            </a:r>
-          </a:p>
-          <a:p>
-            <a:pPr marL="285750" indent="-285750">
-              <a:lnSpc>
-                <a:spcPct val="150000"/>
-              </a:lnSpc>
-              <a:buFont typeface="Arial" panose="020B0604020202020204" pitchFamily="34" charset="0"/>
-              <a:buChar char="•"/>
-            </a:pPr>
-            <a:r>
-              <a:rPr lang="en-CA" dirty="0">
-                <a:solidFill>
-                  <a:schemeClr val="tx1">
-                    <a:lumMod val="50000"/>
-                    <a:lumOff val="50000"/>
-                  </a:schemeClr>
-                </a:solidFill>
-              </a:rPr>
-              <a:t>RETAIN FLAG</a:t>
-            </a:r>
-          </a:p>
-          <a:p>
-            <a:pPr marL="285750" indent="-285750">
-              <a:lnSpc>
-                <a:spcPct val="150000"/>
-              </a:lnSpc>
-              <a:buFont typeface="Arial" panose="020B0604020202020204" pitchFamily="34" charset="0"/>
-              <a:buChar char="•"/>
-            </a:pPr>
-            <a:r>
-              <a:rPr lang="en-CA" dirty="0">
-                <a:solidFill>
-                  <a:schemeClr val="tx1">
-                    <a:lumMod val="50000"/>
-                    <a:lumOff val="50000"/>
-                  </a:schemeClr>
-                </a:solidFill>
-              </a:rPr>
-              <a:t>WILL MESSAGE</a:t>
-            </a:r>
-          </a:p>
-          <a:p>
-            <a:pPr marL="285750" indent="-285750">
-              <a:lnSpc>
-                <a:spcPct val="150000"/>
-              </a:lnSpc>
-              <a:buFont typeface="Arial" panose="020B0604020202020204" pitchFamily="34" charset="0"/>
-              <a:buChar char="•"/>
-            </a:pPr>
-            <a:r>
-              <a:rPr lang="en-CA" dirty="0">
-                <a:solidFill>
-                  <a:schemeClr val="tx1">
-                    <a:lumMod val="50000"/>
-                    <a:lumOff val="50000"/>
-                  </a:schemeClr>
-                </a:solidFill>
-              </a:rPr>
-              <a:t>DUPLICATE</a:t>
-            </a:r>
-          </a:p>
-          <a:p>
-            <a:pPr marL="285750" indent="-285750">
-              <a:lnSpc>
-                <a:spcPct val="150000"/>
-              </a:lnSpc>
-              <a:buFont typeface="Arial" panose="020B0604020202020204" pitchFamily="34" charset="0"/>
-              <a:buChar char="•"/>
-            </a:pPr>
-            <a:r>
-              <a:rPr lang="en-CA" dirty="0">
-                <a:solidFill>
-                  <a:schemeClr val="tx1">
-                    <a:lumMod val="50000"/>
-                    <a:lumOff val="50000"/>
-                  </a:schemeClr>
-                </a:solidFill>
-              </a:rPr>
-              <a:t>Advanced topic filters (ex: test/+/state)</a:t>
-            </a:r>
-          </a:p>
-          <a:p>
-            <a:pPr marL="285750" indent="-285750">
-              <a:lnSpc>
-                <a:spcPct val="150000"/>
-              </a:lnSpc>
-              <a:buFont typeface="Arial" panose="020B0604020202020204" pitchFamily="34" charset="0"/>
-              <a:buChar char="•"/>
-            </a:pPr>
-            <a:r>
-              <a:rPr lang="en-CA" dirty="0">
-                <a:solidFill>
-                  <a:schemeClr val="tx1">
-                    <a:lumMod val="50000"/>
-                    <a:lumOff val="50000"/>
-                  </a:schemeClr>
-                </a:solidFill>
-              </a:rPr>
-              <a:t>ClientID Uniqueness verification</a:t>
-            </a:r>
-          </a:p>
-          <a:p>
-            <a:pPr marL="285750" indent="-285750">
-              <a:lnSpc>
-                <a:spcPct val="150000"/>
-              </a:lnSpc>
-              <a:buFont typeface="Arial" panose="020B0604020202020204" pitchFamily="34" charset="0"/>
-              <a:buChar char="•"/>
-            </a:pPr>
-            <a:r>
-              <a:rPr lang="en-CA" dirty="0" err="1">
-                <a:solidFill>
-                  <a:schemeClr val="tx1">
-                    <a:lumMod val="50000"/>
-                    <a:lumOff val="50000"/>
-                  </a:schemeClr>
-                </a:solidFill>
-              </a:rPr>
-              <a:t>KeepAlive</a:t>
-            </a:r>
-            <a:endParaRPr lang="en-CA" dirty="0">
-              <a:solidFill>
-                <a:schemeClr val="tx1">
-                  <a:lumMod val="50000"/>
-                  <a:lumOff val="50000"/>
-                </a:schemeClr>
-              </a:solidFill>
-            </a:endParaRPr>
-          </a:p>
-          <a:p>
-            <a:pPr marL="285750" indent="-285750">
-              <a:lnSpc>
-                <a:spcPct val="150000"/>
-              </a:lnSpc>
-              <a:buFont typeface="Arial" panose="020B0604020202020204" pitchFamily="34" charset="0"/>
-              <a:buChar char="•"/>
-            </a:pPr>
-            <a:endParaRPr lang="en-CA" dirty="0">
-              <a:solidFill>
-                <a:schemeClr val="tx1">
-                  <a:lumMod val="50000"/>
-                  <a:lumOff val="50000"/>
-                </a:schemeClr>
-              </a:solidFill>
-            </a:endParaRPr>
-          </a:p>
-          <a:p>
-            <a:pPr>
-              <a:lnSpc>
-                <a:spcPct val="150000"/>
-              </a:lnSpc>
-            </a:pPr>
-            <a:r>
-              <a:rPr lang="en-CA" dirty="0">
-                <a:solidFill>
-                  <a:schemeClr val="tx1">
-                    <a:lumMod val="50000"/>
-                    <a:lumOff val="50000"/>
-                  </a:schemeClr>
-                </a:solidFill>
-              </a:rPr>
-              <a:t>These features have been considered at the initial design phase so they will be easy to incorporate and should not require any major refactors… but instead of aiming for 100% coverage, this project aims at being reliable and well architected for incremental improvement.</a:t>
-            </a:r>
-          </a:p>
-        </p:txBody>
-      </p:sp>
-    </p:spTree>
-    <p:extLst>
-      <p:ext uri="{BB962C8B-B14F-4D97-AF65-F5344CB8AC3E}">
-        <p14:creationId xmlns:p14="http://schemas.microsoft.com/office/powerpoint/2010/main" val="3540163366"/>
-      </p:ext>
-    </p:extLst>
-  </p:cSld>
-  <p:clrMapOvr>
-    <a:masterClrMapping/>
-  </p:clrMapOvr>
-</p:sld>
-</file>
-
 <file path=ppt/slides/slide12.xml><?xml version="1.0" encoding="utf-8"?>
 <p:sld xmlns:a="http://schemas.openxmlformats.org/drawingml/2006/main" xmlns:r="http://schemas.openxmlformats.org/officeDocument/2006/relationships" xmlns:p="http://schemas.openxmlformats.org/presentationml/2006/main">
   <p:cSld>
@@ -6706,7 +6648,7 @@
           <p:cNvPr id="2" name="Titre 1">
             <a:extLst>
               <a:ext uri="{FF2B5EF4-FFF2-40B4-BE49-F238E27FC236}">
-                <a16:creationId xmlns:a16="http://schemas.microsoft.com/office/drawing/2014/main" id="{F0F5FB5B-F05B-1F47-B07D-D6A34D391503}"/>
+                <a16:creationId xmlns:a16="http://schemas.microsoft.com/office/drawing/2014/main" xmlns="" id="{F0F5FB5B-F05B-1F47-B07D-D6A34D391503}"/>
               </a:ext>
             </a:extLst>
           </p:cNvPr>
@@ -6736,7 +6678,7 @@
             </a:pPr>
             <a:r>
               <a:rPr lang="en-CA" sz="4800" dirty="0"/>
-              <a:t>The broker was the goal…</a:t>
+              <a:t>MQTT Server Compliance</a:t>
             </a:r>
             <a:endParaRPr lang="en-CA" sz="4800" dirty="0">
               <a:solidFill>
@@ -6753,7 +6695,7 @@
           <p:cNvPr id="17" name="Rectangle 16">
             <a:extLst>
               <a:ext uri="{FF2B5EF4-FFF2-40B4-BE49-F238E27FC236}">
-                <a16:creationId xmlns:a16="http://schemas.microsoft.com/office/drawing/2014/main" id="{F58A4A3F-AA7F-D84F-AA08-7967BA455751}"/>
+                <a16:creationId xmlns:a16="http://schemas.microsoft.com/office/drawing/2014/main" xmlns="" id="{F58A4A3F-AA7F-D84F-AA08-7967BA455751}"/>
               </a:ext>
             </a:extLst>
           </p:cNvPr>
@@ -6762,8 +6704,8 @@
         </p:nvSpPr>
         <p:spPr>
           <a:xfrm>
-            <a:off x="1142480" y="1133762"/>
-            <a:ext cx="9728874" cy="872418"/>
+            <a:off x="1024145" y="1352886"/>
+            <a:ext cx="8335007" cy="5027467"/>
           </a:xfrm>
           <a:prstGeom prst="rect">
             <a:avLst/>
@@ -6789,8 +6731,153 @@
                   </a:schemeClr>
                 </a:solidFill>
               </a:rPr>
-              <a:t>Decoupled processes to break down the functionality and make it modular.</a:t>
-            </a:r>
+              <a:t>List of features not yet implemented in LV-MQTT Broker project: </a:t>
+            </a:r>
+          </a:p>
+          <a:p>
+            <a:pPr marL="285750" indent="-285750">
+              <a:lnSpc>
+                <a:spcPct val="150000"/>
+              </a:lnSpc>
+              <a:buFont typeface="Arial" panose="020B0604020202020204" pitchFamily="34" charset="0"/>
+              <a:buChar char="•"/>
+            </a:pPr>
+            <a:r>
+              <a:rPr lang="en-CA" dirty="0">
+                <a:solidFill>
+                  <a:schemeClr val="tx1">
+                    <a:lumMod val="50000"/>
+                    <a:lumOff val="50000"/>
+                  </a:schemeClr>
+                </a:solidFill>
+              </a:rPr>
+              <a:t>RETAIN FLAG</a:t>
+            </a:r>
+          </a:p>
+          <a:p>
+            <a:pPr marL="285750" indent="-285750">
+              <a:lnSpc>
+                <a:spcPct val="150000"/>
+              </a:lnSpc>
+              <a:buFont typeface="Arial" panose="020B0604020202020204" pitchFamily="34" charset="0"/>
+              <a:buChar char="•"/>
+            </a:pPr>
+            <a:r>
+              <a:rPr lang="en-CA" dirty="0">
+                <a:solidFill>
+                  <a:schemeClr val="tx1">
+                    <a:lumMod val="50000"/>
+                    <a:lumOff val="50000"/>
+                  </a:schemeClr>
+                </a:solidFill>
+              </a:rPr>
+              <a:t>WILL MESSAGE</a:t>
+            </a:r>
+          </a:p>
+          <a:p>
+            <a:pPr marL="285750" indent="-285750">
+              <a:lnSpc>
+                <a:spcPct val="150000"/>
+              </a:lnSpc>
+              <a:buFont typeface="Arial" panose="020B0604020202020204" pitchFamily="34" charset="0"/>
+              <a:buChar char="•"/>
+            </a:pPr>
+            <a:r>
+              <a:rPr lang="en-CA" dirty="0">
+                <a:solidFill>
+                  <a:schemeClr val="tx1">
+                    <a:lumMod val="50000"/>
+                    <a:lumOff val="50000"/>
+                  </a:schemeClr>
+                </a:solidFill>
+              </a:rPr>
+              <a:t>DUPLICATE</a:t>
+            </a:r>
+          </a:p>
+          <a:p>
+            <a:pPr marL="285750" indent="-285750">
+              <a:lnSpc>
+                <a:spcPct val="150000"/>
+              </a:lnSpc>
+              <a:buFont typeface="Arial" panose="020B0604020202020204" pitchFamily="34" charset="0"/>
+              <a:buChar char="•"/>
+            </a:pPr>
+            <a:r>
+              <a:rPr lang="en-CA" dirty="0">
+                <a:solidFill>
+                  <a:schemeClr val="tx1">
+                    <a:lumMod val="50000"/>
+                    <a:lumOff val="50000"/>
+                  </a:schemeClr>
+                </a:solidFill>
+              </a:rPr>
+              <a:t>Advanced topic filters (ex: test/+/state)</a:t>
+            </a:r>
+          </a:p>
+          <a:p>
+            <a:pPr marL="285750" indent="-285750">
+              <a:lnSpc>
+                <a:spcPct val="150000"/>
+              </a:lnSpc>
+              <a:buFont typeface="Arial" panose="020B0604020202020204" pitchFamily="34" charset="0"/>
+              <a:buChar char="•"/>
+            </a:pPr>
+            <a:r>
+              <a:rPr lang="en-CA" dirty="0">
+                <a:solidFill>
+                  <a:schemeClr val="tx1">
+                    <a:lumMod val="50000"/>
+                    <a:lumOff val="50000"/>
+                  </a:schemeClr>
+                </a:solidFill>
+              </a:rPr>
+              <a:t>ClientID Uniqueness verification</a:t>
+            </a:r>
+          </a:p>
+          <a:p>
+            <a:pPr marL="285750" indent="-285750">
+              <a:lnSpc>
+                <a:spcPct val="150000"/>
+              </a:lnSpc>
+              <a:buFont typeface="Arial" panose="020B0604020202020204" pitchFamily="34" charset="0"/>
+              <a:buChar char="•"/>
+            </a:pPr>
+            <a:r>
+              <a:rPr lang="en-CA" dirty="0" err="1">
+                <a:solidFill>
+                  <a:schemeClr val="tx1">
+                    <a:lumMod val="50000"/>
+                    <a:lumOff val="50000"/>
+                  </a:schemeClr>
+                </a:solidFill>
+              </a:rPr>
+              <a:t>KeepAlive</a:t>
+            </a:r>
+            <a:endParaRPr lang="en-CA" dirty="0">
+              <a:solidFill>
+                <a:schemeClr val="tx1">
+                  <a:lumMod val="50000"/>
+                  <a:lumOff val="50000"/>
+                </a:schemeClr>
+              </a:solidFill>
+            </a:endParaRPr>
+          </a:p>
+          <a:p>
+            <a:pPr marL="285750" indent="-285750">
+              <a:lnSpc>
+                <a:spcPct val="150000"/>
+              </a:lnSpc>
+              <a:buFont typeface="Arial" panose="020B0604020202020204" pitchFamily="34" charset="0"/>
+              <a:buChar char="•"/>
+            </a:pPr>
+            <a:endParaRPr lang="en-CA" dirty="0">
+              <a:solidFill>
+                <a:schemeClr val="tx1">
+                  <a:lumMod val="50000"/>
+                  <a:lumOff val="50000"/>
+                </a:schemeClr>
+              </a:solidFill>
+            </a:endParaRPr>
           </a:p>
           <a:p>
             <a:pPr>
@@ -6807,178 +6894,7 @@
                   </a:schemeClr>
                 </a:solidFill>
               </a:rPr>
-              <a:t>Building a client was an afterthought and a mean to test the broker.</a:t>
-            </a:r>
-          </a:p>
-        </p:txBody>
-      </p:sp>
-      <p:pic>
-        <p:nvPicPr>
-          <p:cNvPr id="2050" name="Picture 2">
-            <a:extLst>
-              <a:ext uri="{FF2B5EF4-FFF2-40B4-BE49-F238E27FC236}">
-                <a16:creationId xmlns:a16="http://schemas.microsoft.com/office/drawing/2014/main" id="{ACF84427-8A49-6F48-A72A-4B19E29FE414}"/>
-              </a:ext>
-            </a:extLst>
-          </p:cNvPr>
-          <p:cNvPicPr>
-            <a:picLocks noChangeAspect="1" noChangeArrowheads="1"/>
-          </p:cNvPicPr>
-          <p:nvPr/>
-        </p:nvPicPr>
-        <p:blipFill rotWithShape="1">
-          <a:blip r:embed="rId2">
-            <a:extLst>
-              <a:ext uri="{28A0092B-C50C-407E-A947-70E740481C1C}">
-                <a14:useLocalDpi xmlns:a14="http://schemas.microsoft.com/office/drawing/2010/main" val="0"/>
-              </a:ext>
-            </a:extLst>
-          </a:blip>
-          <a:srcRect l="-455" t="35304" r="50204" b="22315"/>
-          <a:stretch/>
-        </p:blipFill>
-        <p:spPr bwMode="auto">
-          <a:xfrm>
-            <a:off x="4380186" y="2168293"/>
-            <a:ext cx="7347356" cy="3881851"/>
-          </a:xfrm>
-          <a:prstGeom prst="rect">
-            <a:avLst/>
-          </a:prstGeom>
-          <a:solidFill>
-            <a:schemeClr val="bg1"/>
-          </a:solidFill>
-        </p:spPr>
-      </p:pic>
-      <p:sp>
-        <p:nvSpPr>
-          <p:cNvPr id="6" name="Rectangle 5">
-            <a:extLst>
-              <a:ext uri="{FF2B5EF4-FFF2-40B4-BE49-F238E27FC236}">
-                <a16:creationId xmlns:a16="http://schemas.microsoft.com/office/drawing/2014/main" id="{10550D08-9ACA-AA4A-B66D-E2DA469B83A5}"/>
-              </a:ext>
-            </a:extLst>
-          </p:cNvPr>
-          <p:cNvSpPr/>
-          <p:nvPr/>
-        </p:nvSpPr>
-        <p:spPr>
-          <a:xfrm>
-            <a:off x="111811" y="5927904"/>
-            <a:ext cx="7452173" cy="750911"/>
-          </a:xfrm>
-          <a:prstGeom prst="rect">
-            <a:avLst/>
-          </a:prstGeom>
-          <a:solidFill>
-            <a:schemeClr val="bg1"/>
-          </a:solidFill>
-        </p:spPr>
-        <p:txBody>
-          <a:bodyPr wrap="square">
-            <a:spAutoFit/>
-          </a:bodyPr>
-          <a:lstStyle/>
-          <a:p>
-            <a:pPr>
-              <a:lnSpc>
-                <a:spcPct val="150000"/>
-              </a:lnSpc>
-            </a:pPr>
-            <a:r>
-              <a:rPr lang="en-CA" dirty="0">
-                <a:solidFill>
-                  <a:schemeClr val="tx1">
-                    <a:lumMod val="50000"/>
-                    <a:lumOff val="50000"/>
-                  </a:schemeClr>
-                </a:solidFill>
-              </a:rPr>
-              <a:t>Source: G Open Source Project MQTT Broker’s Wiki </a:t>
-            </a:r>
-          </a:p>
-          <a:p>
-            <a:pPr>
-              <a:lnSpc>
-                <a:spcPct val="150000"/>
-              </a:lnSpc>
-            </a:pPr>
-            <a:r>
-              <a:rPr lang="en-CA" sz="1200" i="1" dirty="0">
-                <a:solidFill>
-                  <a:srgbClr val="0070C0"/>
-                </a:solidFill>
-              </a:rPr>
-              <a:t>https://github.com/LabVIEW-Open-Source/LV-MQTT-Broker/wiki/Publish-message-with-QoS-=-1</a:t>
-            </a:r>
-          </a:p>
-        </p:txBody>
-      </p:sp>
-      <p:sp>
-        <p:nvSpPr>
-          <p:cNvPr id="4" name="ZoneTexte 3">
-            <a:extLst>
-              <a:ext uri="{FF2B5EF4-FFF2-40B4-BE49-F238E27FC236}">
-                <a16:creationId xmlns:a16="http://schemas.microsoft.com/office/drawing/2014/main" id="{7E3B55BE-0B16-4145-8E9C-6712E818DB1A}"/>
-              </a:ext>
-            </a:extLst>
-          </p:cNvPr>
-          <p:cNvSpPr txBox="1"/>
-          <p:nvPr/>
-        </p:nvSpPr>
-        <p:spPr>
-          <a:xfrm>
-            <a:off x="765108" y="3179795"/>
-            <a:ext cx="3427541" cy="1569660"/>
-          </a:xfrm>
-          <a:prstGeom prst="rect">
-            <a:avLst/>
-          </a:prstGeom>
-          <a:noFill/>
-        </p:spPr>
-        <p:txBody>
-          <a:bodyPr wrap="none" rtlCol="0">
-            <a:spAutoFit/>
-          </a:bodyPr>
-          <a:lstStyle/>
-          <a:p>
-            <a:r>
-              <a:rPr lang="en-CA" sz="2400" i="1" noProof="1">
-                <a:solidFill>
-                  <a:schemeClr val="accent1"/>
-                </a:solidFill>
-              </a:rPr>
-              <a:t>1- Incoming Connection</a:t>
-            </a:r>
-          </a:p>
-          <a:p>
-            <a:r>
-              <a:rPr lang="en-CA" sz="2400" i="1" noProof="1">
-                <a:solidFill>
-                  <a:schemeClr val="accent1"/>
-                </a:solidFill>
-              </a:rPr>
-              <a:t>2- Reconstruct packet</a:t>
-            </a:r>
-          </a:p>
-          <a:p>
-            <a:r>
-              <a:rPr lang="en-CA" sz="2400" i="1" noProof="1">
-                <a:solidFill>
-                  <a:schemeClr val="accent1"/>
-                </a:solidFill>
-              </a:rPr>
-              <a:t>3- Handle Request</a:t>
-            </a:r>
-          </a:p>
-          <a:p>
-            <a:r>
-              <a:rPr lang="en-CA" sz="2400" i="1" noProof="1">
-                <a:solidFill>
-                  <a:schemeClr val="accent1"/>
-                </a:solidFill>
-              </a:rPr>
-              <a:t>4- Outgoing packet</a:t>
+              <a:t>These features have been considered at the initial design phase so they will be easy to incorporate and should not require any major refactors… but instead of aiming for 100% coverage, this project aims at being reliable and well architected for incremental improvement.</a:t>
             </a:r>
           </a:p>
         </p:txBody>
@@ -6986,7 +6902,7 @@
     </p:spTree>
     <p:extLst>
       <p:ext uri="{BB962C8B-B14F-4D97-AF65-F5344CB8AC3E}">
-        <p14:creationId xmlns:p14="http://schemas.microsoft.com/office/powerpoint/2010/main" val="877533013"/>
+        <p14:creationId xmlns:p14="http://schemas.microsoft.com/office/powerpoint/2010/main" val="3540163366"/>
       </p:ext>
     </p:extLst>
   </p:cSld>
@@ -7026,7 +6942,7 @@
           <p:cNvPr id="2" name="Titre 1">
             <a:extLst>
               <a:ext uri="{FF2B5EF4-FFF2-40B4-BE49-F238E27FC236}">
-                <a16:creationId xmlns:a16="http://schemas.microsoft.com/office/drawing/2014/main" id="{F0F5FB5B-F05B-1F47-B07D-D6A34D391503}"/>
+                <a16:creationId xmlns:a16="http://schemas.microsoft.com/office/drawing/2014/main" xmlns="" id="{F0F5FB5B-F05B-1F47-B07D-D6A34D391503}"/>
               </a:ext>
             </a:extLst>
           </p:cNvPr>
@@ -7056,7 +6972,7 @@
             </a:pPr>
             <a:r>
               <a:rPr lang="en-CA" sz="4800" dirty="0"/>
-              <a:t>Client for free</a:t>
+              <a:t>The broker was the goal…</a:t>
             </a:r>
             <a:endParaRPr lang="en-CA" sz="4800" dirty="0">
               <a:solidFill>
@@ -7073,7 +6989,7 @@
           <p:cNvPr id="17" name="Rectangle 16">
             <a:extLst>
               <a:ext uri="{FF2B5EF4-FFF2-40B4-BE49-F238E27FC236}">
-                <a16:creationId xmlns:a16="http://schemas.microsoft.com/office/drawing/2014/main" id="{F58A4A3F-AA7F-D84F-AA08-7967BA455751}"/>
+                <a16:creationId xmlns:a16="http://schemas.microsoft.com/office/drawing/2014/main" xmlns="" id="{F58A4A3F-AA7F-D84F-AA08-7967BA455751}"/>
               </a:ext>
             </a:extLst>
           </p:cNvPr>
@@ -7082,8 +6998,8 @@
         </p:nvSpPr>
         <p:spPr>
           <a:xfrm>
-            <a:off x="679069" y="1461393"/>
-            <a:ext cx="5011387" cy="3780907"/>
+            <a:off x="1142480" y="1133762"/>
+            <a:ext cx="9728874" cy="872418"/>
           </a:xfrm>
           <a:prstGeom prst="rect">
             <a:avLst/>
@@ -7109,7 +7025,7 @@
                   </a:schemeClr>
                 </a:solidFill>
               </a:rPr>
-              <a:t>Client and Server are completely symmetrical. </a:t>
+              <a:t>Decoupled processes to break down the functionality and make it modular.</a:t>
             </a:r>
           </a:p>
           <a:p>
@@ -7118,23 +7034,6 @@
                 <a:spcPct val="150000"/>
               </a:lnSpc>
             </a:pPr>
-            <a:endParaRPr lang="en-CA" dirty="0">
-              <a:solidFill>
-                <a:schemeClr val="tx1">
-                  <a:lumMod val="50000"/>
-                  <a:lumOff val="50000"/>
-                </a:schemeClr>
-              </a:solidFill>
-            </a:endParaRPr>
-          </a:p>
-          <a:p>
-            <a:pPr marL="285750" indent="-285750">
-              <a:lnSpc>
-                <a:spcPct val="150000"/>
-              </a:lnSpc>
-              <a:buFont typeface="Arial" panose="020B0604020202020204" pitchFamily="34" charset="0"/>
-              <a:buChar char="•"/>
-            </a:pPr>
             <a:r>
               <a:rPr lang="en-CA" dirty="0">
                 <a:solidFill>
@@ -7144,47 +7043,7 @@
                   </a:schemeClr>
                 </a:solidFill>
               </a:rPr>
-              <a:t>They are built on the same communication layer (identical send &amp; receive).</a:t>
-            </a:r>
-          </a:p>
-          <a:p>
-            <a:pPr marL="285750" indent="-285750">
-              <a:lnSpc>
-                <a:spcPct val="150000"/>
-              </a:lnSpc>
-              <a:buFont typeface="Arial" panose="020B0604020202020204" pitchFamily="34" charset="0"/>
-              <a:buChar char="•"/>
-            </a:pPr>
-            <a:r>
-              <a:rPr lang="en-CA" dirty="0">
-                <a:solidFill>
-                  <a:schemeClr val="tx1">
-                    <a:lumMod val="50000"/>
-                    <a:lumOff val="50000"/>
-                  </a:schemeClr>
-                </a:solidFill>
-              </a:rPr>
-              <a:t>They process acknowledgements in a mirror fashion.</a:t>
-            </a:r>
-          </a:p>
-          <a:p>
-            <a:pPr marL="285750" indent="-285750">
-              <a:lnSpc>
-                <a:spcPct val="150000"/>
-              </a:lnSpc>
-              <a:buFont typeface="Arial" panose="020B0604020202020204" pitchFamily="34" charset="0"/>
-              <a:buChar char="•"/>
-            </a:pPr>
-            <a:r>
-              <a:rPr lang="en-CA" dirty="0">
-                <a:solidFill>
-                  <a:schemeClr val="tx1">
-                    <a:lumMod val="50000"/>
-                    <a:lumOff val="50000"/>
-                  </a:schemeClr>
-                </a:solidFill>
-              </a:rPr>
-              <a:t>The client has a single session while the server maintains multiple sessions through a connection handler</a:t>
+              <a:t>Building a client was an afterthought and a mean to test the broker.</a:t>
             </a:r>
           </a:p>
         </p:txBody>
@@ -7194,7 +7053,7 @@
           <p:cNvPr id="2050" name="Picture 2">
             <a:extLst>
               <a:ext uri="{FF2B5EF4-FFF2-40B4-BE49-F238E27FC236}">
-                <a16:creationId xmlns:a16="http://schemas.microsoft.com/office/drawing/2014/main" id="{ACF84427-8A49-6F48-A72A-4B19E29FE414}"/>
+                <a16:creationId xmlns:a16="http://schemas.microsoft.com/office/drawing/2014/main" xmlns="" id="{ACF84427-8A49-6F48-A72A-4B19E29FE414}"/>
               </a:ext>
             </a:extLst>
           </p:cNvPr>
@@ -7211,13 +7070,13 @@
               </a:ext>
             </a:extLst>
           </a:blip>
-          <a:srcRect r="50204" b="22314"/>
+          <a:srcRect l="-455" t="35304" r="50204" b="22315"/>
           <a:stretch/>
         </p:blipFill>
         <p:spPr bwMode="auto">
           <a:xfrm>
-            <a:off x="5890125" y="255100"/>
-            <a:ext cx="6059435" cy="5921961"/>
+            <a:off x="4380186" y="2168293"/>
+            <a:ext cx="7347356" cy="3881851"/>
           </a:xfrm>
           <a:prstGeom prst="rect">
             <a:avLst/>
@@ -7232,7 +7091,7 @@
           <p:cNvPr id="6" name="Rectangle 5">
             <a:extLst>
               <a:ext uri="{FF2B5EF4-FFF2-40B4-BE49-F238E27FC236}">
-                <a16:creationId xmlns:a16="http://schemas.microsoft.com/office/drawing/2014/main" id="{10550D08-9ACA-AA4A-B66D-E2DA469B83A5}"/>
+                <a16:creationId xmlns:a16="http://schemas.microsoft.com/office/drawing/2014/main" xmlns="" id="{10550D08-9ACA-AA4A-B66D-E2DA469B83A5}"/>
               </a:ext>
             </a:extLst>
           </p:cNvPr>
@@ -7241,7 +7100,7 @@
         </p:nvSpPr>
         <p:spPr>
           <a:xfrm>
-            <a:off x="242440" y="5851989"/>
+            <a:off x="111811" y="5927904"/>
             <a:ext cx="7452173" cy="750911"/>
           </a:xfrm>
           <a:prstGeom prst="rect">
@@ -7291,10 +7150,79 @@
           </a:p>
         </p:txBody>
       </p:sp>
+      <p:sp>
+        <p:nvSpPr>
+          <p:cNvPr id="4" name="ZoneTexte 3">
+            <a:extLst>
+              <a:ext uri="{FF2B5EF4-FFF2-40B4-BE49-F238E27FC236}">
+                <a16:creationId xmlns:a16="http://schemas.microsoft.com/office/drawing/2014/main" xmlns="" id="{7E3B55BE-0B16-4145-8E9C-6712E818DB1A}"/>
+              </a:ext>
+            </a:extLst>
+          </p:cNvPr>
+          <p:cNvSpPr txBox="1"/>
+          <p:nvPr/>
+        </p:nvSpPr>
+        <p:spPr>
+          <a:xfrm>
+            <a:off x="765108" y="3179795"/>
+            <a:ext cx="3427541" cy="1569660"/>
+          </a:xfrm>
+          <a:prstGeom prst="rect">
+            <a:avLst/>
+          </a:prstGeom>
+          <a:noFill/>
+        </p:spPr>
+        <p:txBody>
+          <a:bodyPr wrap="none" rtlCol="0">
+            <a:spAutoFit/>
+          </a:bodyPr>
+          <a:lstStyle/>
+          <a:p>
+            <a:r>
+              <a:rPr lang="en-CA" sz="2400" i="1" noProof="1">
+                <a:solidFill>
+                  <a:schemeClr val="accent1"/>
+                </a:solidFill>
+              </a:rPr>
+              <a:t>1- Incoming Connection</a:t>
+            </a:r>
+          </a:p>
+          <a:p>
+            <a:r>
+              <a:rPr lang="en-CA" sz="2400" i="1" noProof="1">
+                <a:solidFill>
+                  <a:schemeClr val="accent1"/>
+                </a:solidFill>
+              </a:rPr>
+              <a:t>2- Reconstruct packet</a:t>
+            </a:r>
+          </a:p>
+          <a:p>
+            <a:r>
+              <a:rPr lang="en-CA" sz="2400" i="1" noProof="1">
+                <a:solidFill>
+                  <a:schemeClr val="accent1"/>
+                </a:solidFill>
+              </a:rPr>
+              <a:t>3- Handle Request</a:t>
+            </a:r>
+          </a:p>
+          <a:p>
+            <a:r>
+              <a:rPr lang="en-CA" sz="2400" i="1" noProof="1">
+                <a:solidFill>
+                  <a:schemeClr val="accent1"/>
+                </a:solidFill>
+              </a:rPr>
+              <a:t>4- Outgoing packet</a:t>
+            </a:r>
+          </a:p>
+        </p:txBody>
+      </p:sp>
     </p:spTree>
     <p:extLst>
       <p:ext uri="{BB962C8B-B14F-4D97-AF65-F5344CB8AC3E}">
-        <p14:creationId xmlns:p14="http://schemas.microsoft.com/office/powerpoint/2010/main" val="2206308310"/>
+        <p14:creationId xmlns:p14="http://schemas.microsoft.com/office/powerpoint/2010/main" val="877533013"/>
       </p:ext>
     </p:extLst>
   </p:cSld>
@@ -7334,7 +7262,7 @@
           <p:cNvPr id="2" name="Titre 1">
             <a:extLst>
               <a:ext uri="{FF2B5EF4-FFF2-40B4-BE49-F238E27FC236}">
-                <a16:creationId xmlns:a16="http://schemas.microsoft.com/office/drawing/2014/main" id="{F0F5FB5B-F05B-1F47-B07D-D6A34D391503}"/>
+                <a16:creationId xmlns:a16="http://schemas.microsoft.com/office/drawing/2014/main" xmlns="" id="{F0F5FB5B-F05B-1F47-B07D-D6A34D391503}"/>
               </a:ext>
             </a:extLst>
           </p:cNvPr>
@@ -7364,7 +7292,7 @@
             </a:pPr>
             <a:r>
               <a:rPr lang="en-CA" sz="4800" dirty="0"/>
-              <a:t>Abstraction layers</a:t>
+              <a:t>Client for free</a:t>
             </a:r>
             <a:endParaRPr lang="en-CA" sz="4800" dirty="0">
               <a:solidFill>
@@ -7381,7 +7309,7 @@
           <p:cNvPr id="17" name="Rectangle 16">
             <a:extLst>
               <a:ext uri="{FF2B5EF4-FFF2-40B4-BE49-F238E27FC236}">
-                <a16:creationId xmlns:a16="http://schemas.microsoft.com/office/drawing/2014/main" id="{F58A4A3F-AA7F-D84F-AA08-7967BA455751}"/>
+                <a16:creationId xmlns:a16="http://schemas.microsoft.com/office/drawing/2014/main" xmlns="" id="{F58A4A3F-AA7F-D84F-AA08-7967BA455751}"/>
               </a:ext>
             </a:extLst>
           </p:cNvPr>
@@ -7390,8 +7318,8 @@
         </p:nvSpPr>
         <p:spPr>
           <a:xfrm>
-            <a:off x="1142480" y="1418363"/>
-            <a:ext cx="7754094" cy="4611968"/>
+            <a:off x="679069" y="1461393"/>
+            <a:ext cx="5011387" cy="3780907"/>
           </a:xfrm>
           <a:prstGeom prst="rect">
             <a:avLst/>
@@ -7403,12 +7331,10 @@
           </a:bodyPr>
           <a:lstStyle/>
           <a:p>
-            <a:pPr marL="285750" indent="-285750">
+            <a:pPr>
               <a:lnSpc>
                 <a:spcPct val="150000"/>
               </a:lnSpc>
-              <a:buFont typeface="Arial" panose="020B0604020202020204" pitchFamily="34" charset="0"/>
-              <a:buChar char="•"/>
             </a:pPr>
             <a:r>
               <a:rPr lang="en-CA" dirty="0">
@@ -7419,67 +7345,7 @@
                   </a:schemeClr>
                 </a:solidFill>
               </a:rPr>
-              <a:t>Connection (show example TCP, Local Queue, WS, …)</a:t>
-            </a:r>
-          </a:p>
-          <a:p>
-            <a:pPr marL="285750" indent="-285750">
-              <a:lnSpc>
-                <a:spcPct val="150000"/>
-              </a:lnSpc>
-              <a:buFont typeface="Arial" panose="020B0604020202020204" pitchFamily="34" charset="0"/>
-              <a:buChar char="•"/>
-            </a:pPr>
-            <a:r>
-              <a:rPr lang="en-CA" dirty="0">
-                <a:solidFill>
-                  <a:schemeClr val="tx1">
-                    <a:lumMod val="50000"/>
-                    <a:lumOff val="50000"/>
-                  </a:schemeClr>
-                </a:solidFill>
-              </a:rPr>
-              <a:t>Serializer (show example LabVIEW Flatten String, Base64, JSON, …)</a:t>
-            </a:r>
-          </a:p>
-          <a:p>
-            <a:pPr marL="285750" indent="-285750">
-              <a:lnSpc>
-                <a:spcPct val="150000"/>
-              </a:lnSpc>
-              <a:buFont typeface="Arial" panose="020B0604020202020204" pitchFamily="34" charset="0"/>
-              <a:buChar char="•"/>
-            </a:pPr>
-            <a:r>
-              <a:rPr lang="en-CA" dirty="0">
-                <a:solidFill>
-                  <a:schemeClr val="tx1">
-                    <a:lumMod val="50000"/>
-                    <a:lumOff val="50000"/>
-                  </a:schemeClr>
-                </a:solidFill>
-              </a:rPr>
-              <a:t>Tracing / Logging</a:t>
-            </a:r>
-          </a:p>
-          <a:p>
-            <a:pPr marL="285750" indent="-285750">
-              <a:lnSpc>
-                <a:spcPct val="150000"/>
-              </a:lnSpc>
-              <a:buFont typeface="Arial" panose="020B0604020202020204" pitchFamily="34" charset="0"/>
-              <a:buChar char="•"/>
-            </a:pPr>
-            <a:r>
-              <a:rPr lang="en-CA" dirty="0">
-                <a:solidFill>
-                  <a:schemeClr val="tx1">
-                    <a:lumMod val="50000"/>
-                    <a:lumOff val="50000"/>
-                  </a:schemeClr>
-                </a:solidFill>
-              </a:rPr>
-              <a:t>Control Packet (for extending the communication protocol)</a:t>
+              <a:t>Client and Server are completely symmetrical. </a:t>
             </a:r>
           </a:p>
           <a:p>
@@ -7498,39 +7364,6 @@
             </a:endParaRPr>
           </a:p>
           <a:p>
-            <a:pPr>
-              <a:lnSpc>
-                <a:spcPct val="150000"/>
-              </a:lnSpc>
-            </a:pPr>
-            <a:endParaRPr lang="en-CA" dirty="0">
-              <a:solidFill>
-                <a:schemeClr val="tx1">
-                  <a:lumMod val="50000"/>
-                  <a:lumOff val="50000"/>
-                </a:schemeClr>
-              </a:solidFill>
-            </a:endParaRPr>
-          </a:p>
-          <a:p>
-            <a:pPr>
-              <a:lnSpc>
-                <a:spcPct val="150000"/>
-              </a:lnSpc>
-            </a:pPr>
-            <a:r>
-              <a:rPr lang="en-CA" dirty="0">
-                <a:solidFill>
-                  <a:schemeClr val="tx1">
-                    <a:lumMod val="50000"/>
-                    <a:lumOff val="50000"/>
-                  </a:schemeClr>
-                </a:solidFill>
-              </a:rPr>
-              <a:t>Why these levels of abstraction?</a:t>
-            </a:r>
-          </a:p>
-          <a:p>
             <a:pPr marL="285750" indent="-285750">
               <a:lnSpc>
                 <a:spcPct val="150000"/>
@@ -7547,7 +7380,7 @@
                   </a:schemeClr>
                 </a:solidFill>
               </a:rPr>
-              <a:t>Not forced to use features you don’t need (lightweight, customizable)</a:t>
+              <a:t>They are built on the same communication layer (identical send &amp; receive).</a:t>
             </a:r>
           </a:p>
           <a:p>
@@ -7567,11 +7400,11 @@
                   </a:schemeClr>
                 </a:solidFill>
               </a:rPr>
-              <a:t>Extendable framework</a:t>
-            </a:r>
-          </a:p>
-          <a:p>
-            <a:pPr marL="742950" lvl="1" indent="-285750">
+              <a:t>They process acknowledgements in a mirror fashion.</a:t>
+            </a:r>
+          </a:p>
+          <a:p>
+            <a:pPr marL="285750" indent="-285750">
               <a:lnSpc>
                 <a:spcPct val="150000"/>
               </a:lnSpc>
@@ -7587,16 +7420,83 @@
                   </a:schemeClr>
                 </a:solidFill>
               </a:rPr>
-              <a:t>community implementations encouraged</a:t>
-            </a:r>
-          </a:p>
-          <a:p>
-            <a:pPr marL="742950" lvl="1" indent="-285750">
+              <a:t>The client has a single session while the server maintains multiple sessions through a connection handler</a:t>
+            </a:r>
+          </a:p>
+        </p:txBody>
+      </p:sp>
+      <p:pic>
+        <p:nvPicPr>
+          <p:cNvPr id="2050" name="Picture 2">
+            <a:extLst>
+              <a:ext uri="{FF2B5EF4-FFF2-40B4-BE49-F238E27FC236}">
+                <a16:creationId xmlns:a16="http://schemas.microsoft.com/office/drawing/2014/main" xmlns="" id="{ACF84427-8A49-6F48-A72A-4B19E29FE414}"/>
+              </a:ext>
+            </a:extLst>
+          </p:cNvPr>
+          <p:cNvPicPr>
+            <a:picLocks noChangeAspect="1" noChangeArrowheads="1"/>
+          </p:cNvPicPr>
+          <p:nvPr/>
+        </p:nvPicPr>
+        <p:blipFill rotWithShape="1">
+          <a:blip r:embed="rId2">
+            <a:extLst>
+              <a:ext uri="{28A0092B-C50C-407E-A947-70E740481C1C}">
+                <a14:useLocalDpi xmlns:a14="http://schemas.microsoft.com/office/drawing/2010/main" val="0"/>
+              </a:ext>
+            </a:extLst>
+          </a:blip>
+          <a:srcRect r="50204" b="22314"/>
+          <a:stretch/>
+        </p:blipFill>
+        <p:spPr bwMode="auto">
+          <a:xfrm>
+            <a:off x="5890125" y="255100"/>
+            <a:ext cx="6059435" cy="5921961"/>
+          </a:xfrm>
+          <a:prstGeom prst="rect">
+            <a:avLst/>
+          </a:prstGeom>
+          <a:solidFill>
+            <a:schemeClr val="bg1"/>
+          </a:solidFill>
+        </p:spPr>
+      </p:pic>
+      <p:sp>
+        <p:nvSpPr>
+          <p:cNvPr id="6" name="Rectangle 5">
+            <a:extLst>
+              <a:ext uri="{FF2B5EF4-FFF2-40B4-BE49-F238E27FC236}">
+                <a16:creationId xmlns:a16="http://schemas.microsoft.com/office/drawing/2014/main" xmlns="" id="{10550D08-9ACA-AA4A-B66D-E2DA469B83A5}"/>
+              </a:ext>
+            </a:extLst>
+          </p:cNvPr>
+          <p:cNvSpPr/>
+          <p:nvPr/>
+        </p:nvSpPr>
+        <p:spPr>
+          <a:xfrm>
+            <a:off x="242440" y="5851989"/>
+            <a:ext cx="7452173" cy="750911"/>
+          </a:xfrm>
+          <a:prstGeom prst="rect">
+            <a:avLst/>
+          </a:prstGeom>
+          <a:solidFill>
+            <a:schemeClr val="bg1"/>
+          </a:solidFill>
+        </p:spPr>
+        <p:txBody>
+          <a:bodyPr wrap="square">
+            <a:spAutoFit/>
+          </a:bodyPr>
+          <a:lstStyle/>
+          <a:p>
+            <a:pPr>
               <a:lnSpc>
                 <a:spcPct val="150000"/>
               </a:lnSpc>
-              <a:buFont typeface="Arial" panose="020B0604020202020204" pitchFamily="34" charset="0"/>
-              <a:buChar char="•"/>
             </a:pPr>
             <a:r>
               <a:rPr lang="en-CA" dirty="0">
@@ -7607,7 +7507,22 @@
                   </a:schemeClr>
                 </a:solidFill>
               </a:rPr>
-              <a:t>Private IP is easy to integrate without forking whole project</a:t>
+              <a:t>Source: G Open Source Project MQTT Broker’s Wiki </a:t>
+            </a:r>
+          </a:p>
+          <a:p>
+            <a:pPr>
+              <a:lnSpc>
+                <a:spcPct val="150000"/>
+              </a:lnSpc>
+            </a:pPr>
+            <a:r>
+              <a:rPr lang="en-CA" sz="1200" i="1" dirty="0">
+                <a:solidFill>
+                  <a:srgbClr val="0070C0"/>
+                </a:solidFill>
+              </a:rPr>
+              <a:t>https://github.com/LabVIEW-Open-Source/LV-MQTT-Broker/wiki/Publish-message-with-QoS-=-1</a:t>
             </a:r>
           </a:p>
         </p:txBody>
@@ -7615,7 +7530,7 @@
     </p:spTree>
     <p:extLst>
       <p:ext uri="{BB962C8B-B14F-4D97-AF65-F5344CB8AC3E}">
-        <p14:creationId xmlns:p14="http://schemas.microsoft.com/office/powerpoint/2010/main" val="2809423858"/>
+        <p14:creationId xmlns:p14="http://schemas.microsoft.com/office/powerpoint/2010/main" val="2206308310"/>
       </p:ext>
     </p:extLst>
   </p:cSld>
@@ -7655,7 +7570,7 @@
           <p:cNvPr id="2" name="Titre 1">
             <a:extLst>
               <a:ext uri="{FF2B5EF4-FFF2-40B4-BE49-F238E27FC236}">
-                <a16:creationId xmlns:a16="http://schemas.microsoft.com/office/drawing/2014/main" id="{F0F5FB5B-F05B-1F47-B07D-D6A34D391503}"/>
+                <a16:creationId xmlns:a16="http://schemas.microsoft.com/office/drawing/2014/main" xmlns="" id="{F0F5FB5B-F05B-1F47-B07D-D6A34D391503}"/>
               </a:ext>
             </a:extLst>
           </p:cNvPr>
@@ -7685,7 +7600,7 @@
             </a:pPr>
             <a:r>
               <a:rPr lang="en-CA" sz="4800" dirty="0"/>
-              <a:t>Messaging Patterns</a:t>
+              <a:t>Abstraction layers</a:t>
             </a:r>
             <a:endParaRPr lang="en-CA" sz="4800" dirty="0">
               <a:solidFill>
@@ -7702,7 +7617,7 @@
           <p:cNvPr id="17" name="Rectangle 16">
             <a:extLst>
               <a:ext uri="{FF2B5EF4-FFF2-40B4-BE49-F238E27FC236}">
-                <a16:creationId xmlns:a16="http://schemas.microsoft.com/office/drawing/2014/main" id="{F58A4A3F-AA7F-D84F-AA08-7967BA455751}"/>
+                <a16:creationId xmlns:a16="http://schemas.microsoft.com/office/drawing/2014/main" xmlns="" id="{F58A4A3F-AA7F-D84F-AA08-7967BA455751}"/>
               </a:ext>
             </a:extLst>
           </p:cNvPr>
@@ -7711,8 +7626,8 @@
         </p:nvSpPr>
         <p:spPr>
           <a:xfrm>
-            <a:off x="1142480" y="1214325"/>
-            <a:ext cx="5011387" cy="456985"/>
+            <a:off x="1142480" y="1418363"/>
+            <a:ext cx="7754094" cy="4611968"/>
           </a:xfrm>
           <a:prstGeom prst="rect">
             <a:avLst/>
@@ -7724,11 +7639,121 @@
           </a:bodyPr>
           <a:lstStyle/>
           <a:p>
+            <a:pPr marL="285750" indent="-285750">
+              <a:lnSpc>
+                <a:spcPct val="150000"/>
+              </a:lnSpc>
+              <a:buFont typeface="Arial" panose="020B0604020202020204" pitchFamily="34" charset="0"/>
+              <a:buChar char="•"/>
+            </a:pPr>
+            <a:r>
+              <a:rPr lang="en-CA" dirty="0">
+                <a:solidFill>
+                  <a:schemeClr val="tx1">
+                    <a:lumMod val="50000"/>
+                    <a:lumOff val="50000"/>
+                  </a:schemeClr>
+                </a:solidFill>
+              </a:rPr>
+              <a:t>Connection (show example TCP, Local Queue, WS, …)</a:t>
+            </a:r>
+          </a:p>
+          <a:p>
+            <a:pPr marL="285750" indent="-285750">
+              <a:lnSpc>
+                <a:spcPct val="150000"/>
+              </a:lnSpc>
+              <a:buFont typeface="Arial" panose="020B0604020202020204" pitchFamily="34" charset="0"/>
+              <a:buChar char="•"/>
+            </a:pPr>
+            <a:r>
+              <a:rPr lang="en-CA" dirty="0">
+                <a:solidFill>
+                  <a:schemeClr val="tx1">
+                    <a:lumMod val="50000"/>
+                    <a:lumOff val="50000"/>
+                  </a:schemeClr>
+                </a:solidFill>
+              </a:rPr>
+              <a:t>Serializer (show example LabVIEW Flatten String, Base64, JSON, …)</a:t>
+            </a:r>
+          </a:p>
+          <a:p>
+            <a:pPr marL="285750" indent="-285750">
+              <a:lnSpc>
+                <a:spcPct val="150000"/>
+              </a:lnSpc>
+              <a:buFont typeface="Arial" panose="020B0604020202020204" pitchFamily="34" charset="0"/>
+              <a:buChar char="•"/>
+            </a:pPr>
+            <a:r>
+              <a:rPr lang="en-CA" dirty="0">
+                <a:solidFill>
+                  <a:schemeClr val="tx1">
+                    <a:lumMod val="50000"/>
+                    <a:lumOff val="50000"/>
+                  </a:schemeClr>
+                </a:solidFill>
+              </a:rPr>
+              <a:t>Tracing / Logging</a:t>
+            </a:r>
+          </a:p>
+          <a:p>
+            <a:pPr marL="285750" indent="-285750">
+              <a:lnSpc>
+                <a:spcPct val="150000"/>
+              </a:lnSpc>
+              <a:buFont typeface="Arial" panose="020B0604020202020204" pitchFamily="34" charset="0"/>
+              <a:buChar char="•"/>
+            </a:pPr>
+            <a:r>
+              <a:rPr lang="en-CA" dirty="0">
+                <a:solidFill>
+                  <a:schemeClr val="tx1">
+                    <a:lumMod val="50000"/>
+                    <a:lumOff val="50000"/>
+                  </a:schemeClr>
+                </a:solidFill>
+              </a:rPr>
+              <a:t>Control Packet (for extending the communication protocol)</a:t>
+            </a:r>
+          </a:p>
+          <a:p>
             <a:pPr>
               <a:lnSpc>
                 <a:spcPct val="150000"/>
               </a:lnSpc>
             </a:pPr>
+            <a:endParaRPr lang="en-CA" dirty="0">
+              <a:solidFill>
+                <a:schemeClr val="tx1">
+                  <a:lumMod val="50000"/>
+                  <a:lumOff val="50000"/>
+                </a:schemeClr>
+              </a:solidFill>
+            </a:endParaRPr>
+          </a:p>
+          <a:p>
+            <a:pPr>
+              <a:lnSpc>
+                <a:spcPct val="150000"/>
+              </a:lnSpc>
+            </a:pPr>
+            <a:endParaRPr lang="en-CA" dirty="0">
+              <a:solidFill>
+                <a:schemeClr val="tx1">
+                  <a:lumMod val="50000"/>
+                  <a:lumOff val="50000"/>
+                </a:schemeClr>
+              </a:solidFill>
+            </a:endParaRPr>
+          </a:p>
+          <a:p>
+            <a:pPr>
+              <a:lnSpc>
+                <a:spcPct val="150000"/>
+              </a:lnSpc>
+            </a:pPr>
             <a:r>
               <a:rPr lang="en-CA" dirty="0">
                 <a:solidFill>
@@ -7738,46 +7763,87 @@
                   </a:schemeClr>
                 </a:solidFill>
               </a:rPr>
-              <a:t>Publish-Subscribe</a:t>
-            </a:r>
-          </a:p>
-        </p:txBody>
-      </p:sp>
-      <p:sp>
-        <p:nvSpPr>
-          <p:cNvPr id="3" name="ZoneTexte 2">
-            <a:extLst>
-              <a:ext uri="{FF2B5EF4-FFF2-40B4-BE49-F238E27FC236}">
-                <a16:creationId xmlns:a16="http://schemas.microsoft.com/office/drawing/2014/main" id="{B3DD869D-3CE7-6543-A637-82C1152CC38C}"/>
-              </a:ext>
-            </a:extLst>
-          </p:cNvPr>
-          <p:cNvSpPr txBox="1"/>
-          <p:nvPr/>
-        </p:nvSpPr>
-        <p:spPr>
-          <a:xfrm>
-            <a:off x="2086984" y="2409713"/>
-            <a:ext cx="1790875" cy="369332"/>
-          </a:xfrm>
-          <a:prstGeom prst="rect">
-            <a:avLst/>
-          </a:prstGeom>
-          <a:noFill/>
-        </p:spPr>
-        <p:txBody>
-          <a:bodyPr wrap="none" rtlCol="0">
-            <a:spAutoFit/>
-          </a:bodyPr>
-          <a:lstStyle/>
-          <a:p>
-            <a:r>
-              <a:rPr lang="fr-FR" dirty="0" err="1"/>
-              <a:t>Example</a:t>
-            </a:r>
-            <a:r>
-              <a:rPr lang="fr-FR" dirty="0"/>
-              <a:t> code…</a:t>
+              <a:t>Why these levels of abstraction?</a:t>
+            </a:r>
+          </a:p>
+          <a:p>
+            <a:pPr marL="285750" indent="-285750">
+              <a:lnSpc>
+                <a:spcPct val="150000"/>
+              </a:lnSpc>
+              <a:buFont typeface="Arial" panose="020B0604020202020204" pitchFamily="34" charset="0"/>
+              <a:buChar char="•"/>
+            </a:pPr>
+            <a:r>
+              <a:rPr lang="en-CA" dirty="0">
+                <a:solidFill>
+                  <a:schemeClr val="tx1">
+                    <a:lumMod val="50000"/>
+                    <a:lumOff val="50000"/>
+                  </a:schemeClr>
+                </a:solidFill>
+              </a:rPr>
+              <a:t>Not forced to use features you don’t need (lightweight, customizable)</a:t>
+            </a:r>
+          </a:p>
+          <a:p>
+            <a:pPr marL="285750" indent="-285750">
+              <a:lnSpc>
+                <a:spcPct val="150000"/>
+              </a:lnSpc>
+              <a:buFont typeface="Arial" panose="020B0604020202020204" pitchFamily="34" charset="0"/>
+              <a:buChar char="•"/>
+            </a:pPr>
+            <a:r>
+              <a:rPr lang="en-CA" dirty="0">
+                <a:solidFill>
+                  <a:schemeClr val="tx1">
+                    <a:lumMod val="50000"/>
+                    <a:lumOff val="50000"/>
+                  </a:schemeClr>
+                </a:solidFill>
+              </a:rPr>
+              <a:t>Extendable framework</a:t>
+            </a:r>
+          </a:p>
+          <a:p>
+            <a:pPr marL="742950" lvl="1" indent="-285750">
+              <a:lnSpc>
+                <a:spcPct val="150000"/>
+              </a:lnSpc>
+              <a:buFont typeface="Arial" panose="020B0604020202020204" pitchFamily="34" charset="0"/>
+              <a:buChar char="•"/>
+            </a:pPr>
+            <a:r>
+              <a:rPr lang="en-CA" dirty="0">
+                <a:solidFill>
+                  <a:schemeClr val="tx1">
+                    <a:lumMod val="50000"/>
+                    <a:lumOff val="50000"/>
+                  </a:schemeClr>
+                </a:solidFill>
+              </a:rPr>
+              <a:t>community implementations encouraged</a:t>
+            </a:r>
+          </a:p>
+          <a:p>
+            <a:pPr marL="742950" lvl="1" indent="-285750">
+              <a:lnSpc>
+                <a:spcPct val="150000"/>
+              </a:lnSpc>
+              <a:buFont typeface="Arial" panose="020B0604020202020204" pitchFamily="34" charset="0"/>
+              <a:buChar char="•"/>
+            </a:pPr>
+            <a:r>
+              <a:rPr lang="en-CA" dirty="0">
+                <a:solidFill>
+                  <a:schemeClr val="tx1">
+                    <a:lumMod val="50000"/>
+                    <a:lumOff val="50000"/>
+                  </a:schemeClr>
+                </a:solidFill>
+              </a:rPr>
+              <a:t>Private IP is easy to integrate without forking whole project</a:t>
             </a:r>
           </a:p>
         </p:txBody>
@@ -7785,7 +7851,7 @@
     </p:spTree>
     <p:extLst>
       <p:ext uri="{BB962C8B-B14F-4D97-AF65-F5344CB8AC3E}">
-        <p14:creationId xmlns:p14="http://schemas.microsoft.com/office/powerpoint/2010/main" val="2154930660"/>
+        <p14:creationId xmlns:p14="http://schemas.microsoft.com/office/powerpoint/2010/main" val="2809423858"/>
       </p:ext>
     </p:extLst>
   </p:cSld>
@@ -7825,7 +7891,7 @@
           <p:cNvPr id="2" name="Titre 1">
             <a:extLst>
               <a:ext uri="{FF2B5EF4-FFF2-40B4-BE49-F238E27FC236}">
-                <a16:creationId xmlns:a16="http://schemas.microsoft.com/office/drawing/2014/main" id="{F0F5FB5B-F05B-1F47-B07D-D6A34D391503}"/>
+                <a16:creationId xmlns:a16="http://schemas.microsoft.com/office/drawing/2014/main" xmlns="" id="{F0F5FB5B-F05B-1F47-B07D-D6A34D391503}"/>
               </a:ext>
             </a:extLst>
           </p:cNvPr>
@@ -7872,7 +7938,7 @@
           <p:cNvPr id="17" name="Rectangle 16">
             <a:extLst>
               <a:ext uri="{FF2B5EF4-FFF2-40B4-BE49-F238E27FC236}">
-                <a16:creationId xmlns:a16="http://schemas.microsoft.com/office/drawing/2014/main" id="{F58A4A3F-AA7F-D84F-AA08-7967BA455751}"/>
+                <a16:creationId xmlns:a16="http://schemas.microsoft.com/office/drawing/2014/main" xmlns="" id="{F58A4A3F-AA7F-D84F-AA08-7967BA455751}"/>
               </a:ext>
             </a:extLst>
           </p:cNvPr>
@@ -7908,7 +7974,7 @@
                   </a:schemeClr>
                 </a:solidFill>
               </a:rPr>
-              <a:t>Request - Reply</a:t>
+              <a:t>Publish-Subscribe</a:t>
             </a:r>
           </a:p>
         </p:txBody>
@@ -7918,7 +7984,7 @@
           <p:cNvPr id="3" name="ZoneTexte 2">
             <a:extLst>
               <a:ext uri="{FF2B5EF4-FFF2-40B4-BE49-F238E27FC236}">
-                <a16:creationId xmlns:a16="http://schemas.microsoft.com/office/drawing/2014/main" id="{B3DD869D-3CE7-6543-A637-82C1152CC38C}"/>
+                <a16:creationId xmlns:a16="http://schemas.microsoft.com/office/drawing/2014/main" xmlns="" id="{B3DD869D-3CE7-6543-A637-82C1152CC38C}"/>
               </a:ext>
             </a:extLst>
           </p:cNvPr>
@@ -7955,7 +8021,7 @@
     </p:spTree>
     <p:extLst>
       <p:ext uri="{BB962C8B-B14F-4D97-AF65-F5344CB8AC3E}">
-        <p14:creationId xmlns:p14="http://schemas.microsoft.com/office/powerpoint/2010/main" val="1954499590"/>
+        <p14:creationId xmlns:p14="http://schemas.microsoft.com/office/powerpoint/2010/main" val="2154930660"/>
       </p:ext>
     </p:extLst>
   </p:cSld>
@@ -7995,7 +8061,7 @@
           <p:cNvPr id="2" name="Titre 1">
             <a:extLst>
               <a:ext uri="{FF2B5EF4-FFF2-40B4-BE49-F238E27FC236}">
-                <a16:creationId xmlns:a16="http://schemas.microsoft.com/office/drawing/2014/main" id="{F0F5FB5B-F05B-1F47-B07D-D6A34D391503}"/>
+                <a16:creationId xmlns:a16="http://schemas.microsoft.com/office/drawing/2014/main" xmlns="" id="{F0F5FB5B-F05B-1F47-B07D-D6A34D391503}"/>
               </a:ext>
             </a:extLst>
           </p:cNvPr>
@@ -8025,7 +8091,7 @@
             </a:pPr>
             <a:r>
               <a:rPr lang="en-CA" sz="4800" dirty="0"/>
-              <a:t>Demo</a:t>
+              <a:t>Messaging Patterns</a:t>
             </a:r>
             <a:endParaRPr lang="en-CA" sz="4800" dirty="0">
               <a:solidFill>
@@ -8039,10 +8105,10 @@
       </p:sp>
       <p:sp>
         <p:nvSpPr>
-          <p:cNvPr id="6" name="Rectangle 5">
+          <p:cNvPr id="17" name="Rectangle 16">
             <a:extLst>
               <a:ext uri="{FF2B5EF4-FFF2-40B4-BE49-F238E27FC236}">
-                <a16:creationId xmlns:a16="http://schemas.microsoft.com/office/drawing/2014/main" id="{10550D08-9ACA-AA4A-B66D-E2DA469B83A5}"/>
+                <a16:creationId xmlns:a16="http://schemas.microsoft.com/office/drawing/2014/main" xmlns="" id="{F58A4A3F-AA7F-D84F-AA08-7967BA455751}"/>
               </a:ext>
             </a:extLst>
           </p:cNvPr>
@@ -8051,15 +8117,12 @@
         </p:nvSpPr>
         <p:spPr>
           <a:xfrm>
-            <a:off x="916569" y="3139754"/>
-            <a:ext cx="8496372" cy="578492"/>
+            <a:off x="1142480" y="1214325"/>
+            <a:ext cx="5011387" cy="456985"/>
           </a:xfrm>
           <a:prstGeom prst="rect">
             <a:avLst/>
           </a:prstGeom>
-          <a:solidFill>
-            <a:schemeClr val="bg1"/>
-          </a:solidFill>
         </p:spPr>
         <p:txBody>
           <a:bodyPr wrap="square">
@@ -8073,44 +8136,54 @@
               </a:lnSpc>
             </a:pPr>
             <a:r>
-              <a:rPr lang="en-CA" sz="2400" i="1" dirty="0">
-                <a:solidFill>
-                  <a:srgbClr val="00B0F0"/>
-                </a:solidFill>
-              </a:rPr>
-              <a:t>https://github.com/francois-normandin/</a:t>
-            </a:r>
-            <a:r>
-              <a:rPr lang="en-CA" sz="2400" i="1" dirty="0" err="1">
-                <a:solidFill>
-                  <a:srgbClr val="00B0F0"/>
-                </a:solidFill>
-              </a:rPr>
-              <a:t>mqtt</a:t>
-            </a:r>
-            <a:r>
-              <a:rPr lang="en-CA" sz="2400" i="1" dirty="0">
-                <a:solidFill>
-                  <a:srgbClr val="00B0F0"/>
-                </a:solidFill>
-              </a:rPr>
-              <a:t>-lv-</a:t>
-            </a:r>
-            <a:r>
-              <a:rPr lang="en-CA" sz="2400" i="1" dirty="0" err="1">
-                <a:solidFill>
-                  <a:srgbClr val="00B0F0"/>
-                </a:solidFill>
-              </a:rPr>
-              <a:t>py</a:t>
-            </a:r>
-            <a:r>
-              <a:rPr lang="en-CA" sz="2400" i="1" dirty="0">
-                <a:solidFill>
-                  <a:srgbClr val="00B0F0"/>
-                </a:solidFill>
-              </a:rPr>
-              <a:t>-demo</a:t>
+              <a:rPr lang="en-CA" dirty="0">
+                <a:solidFill>
+                  <a:schemeClr val="tx1">
+                    <a:lumMod val="50000"/>
+                    <a:lumOff val="50000"/>
+                  </a:schemeClr>
+                </a:solidFill>
+              </a:rPr>
+              <a:t>Request - Reply</a:t>
+            </a:r>
+          </a:p>
+        </p:txBody>
+      </p:sp>
+      <p:sp>
+        <p:nvSpPr>
+          <p:cNvPr id="3" name="ZoneTexte 2">
+            <a:extLst>
+              <a:ext uri="{FF2B5EF4-FFF2-40B4-BE49-F238E27FC236}">
+                <a16:creationId xmlns:a16="http://schemas.microsoft.com/office/drawing/2014/main" xmlns="" id="{B3DD869D-3CE7-6543-A637-82C1152CC38C}"/>
+              </a:ext>
+            </a:extLst>
+          </p:cNvPr>
+          <p:cNvSpPr txBox="1"/>
+          <p:nvPr/>
+        </p:nvSpPr>
+        <p:spPr>
+          <a:xfrm>
+            <a:off x="2086984" y="2409713"/>
+            <a:ext cx="1790875" cy="369332"/>
+          </a:xfrm>
+          <a:prstGeom prst="rect">
+            <a:avLst/>
+          </a:prstGeom>
+          <a:noFill/>
+        </p:spPr>
+        <p:txBody>
+          <a:bodyPr wrap="none" rtlCol="0">
+            <a:spAutoFit/>
+          </a:bodyPr>
+          <a:lstStyle/>
+          <a:p>
+            <a:r>
+              <a:rPr lang="fr-FR" dirty="0" err="1"/>
+              <a:t>Example</a:t>
+            </a:r>
+            <a:r>
+              <a:rPr lang="fr-FR" dirty="0"/>
+              <a:t> code…</a:t>
             </a:r>
           </a:p>
         </p:txBody>
@@ -8118,7 +8191,7 @@
     </p:spTree>
     <p:extLst>
       <p:ext uri="{BB962C8B-B14F-4D97-AF65-F5344CB8AC3E}">
-        <p14:creationId xmlns:p14="http://schemas.microsoft.com/office/powerpoint/2010/main" val="3205495111"/>
+        <p14:creationId xmlns:p14="http://schemas.microsoft.com/office/powerpoint/2010/main" val="1954499590"/>
       </p:ext>
     </p:extLst>
   </p:cSld>
@@ -8155,10 +8228,173 @@
       </p:grpSpPr>
       <p:sp>
         <p:nvSpPr>
+          <p:cNvPr id="2" name="Titre 1">
+            <a:extLst>
+              <a:ext uri="{FF2B5EF4-FFF2-40B4-BE49-F238E27FC236}">
+                <a16:creationId xmlns:a16="http://schemas.microsoft.com/office/drawing/2014/main" xmlns="" id="{F0F5FB5B-F05B-1F47-B07D-D6A34D391503}"/>
+              </a:ext>
+            </a:extLst>
+          </p:cNvPr>
+          <p:cNvSpPr>
+            <a:spLocks noGrp="1"/>
+          </p:cNvSpPr>
+          <p:nvPr>
+            <p:ph type="ctrTitle"/>
+          </p:nvPr>
+        </p:nvSpPr>
+        <p:spPr>
+          <a:xfrm>
+            <a:off x="1142480" y="255100"/>
+            <a:ext cx="7452174" cy="959225"/>
+          </a:xfrm>
+        </p:spPr>
+        <p:txBody>
+          <a:bodyPr>
+            <a:noAutofit/>
+          </a:bodyPr>
+          <a:lstStyle/>
+          <a:p>
+            <a:pPr algn="l">
+              <a:lnSpc>
+                <a:spcPct val="90000"/>
+              </a:lnSpc>
+            </a:pPr>
+            <a:r>
+              <a:rPr lang="en-CA" sz="4800" dirty="0"/>
+              <a:t>Demo</a:t>
+            </a:r>
+            <a:endParaRPr lang="en-CA" sz="4800" dirty="0">
+              <a:solidFill>
+                <a:schemeClr val="tx1"/>
+              </a:solidFill>
+              <a:latin typeface="Arial" panose="020B0604020202020204" pitchFamily="34" charset="0"/>
+              <a:cs typeface="Arial" panose="020B0604020202020204" pitchFamily="34" charset="0"/>
+            </a:endParaRPr>
+          </a:p>
+        </p:txBody>
+      </p:sp>
+      <p:sp>
+        <p:nvSpPr>
+          <p:cNvPr id="6" name="Rectangle 5">
+            <a:extLst>
+              <a:ext uri="{FF2B5EF4-FFF2-40B4-BE49-F238E27FC236}">
+                <a16:creationId xmlns:a16="http://schemas.microsoft.com/office/drawing/2014/main" xmlns="" id="{10550D08-9ACA-AA4A-B66D-E2DA469B83A5}"/>
+              </a:ext>
+            </a:extLst>
+          </p:cNvPr>
+          <p:cNvSpPr/>
+          <p:nvPr/>
+        </p:nvSpPr>
+        <p:spPr>
+          <a:xfrm>
+            <a:off x="916569" y="3139754"/>
+            <a:ext cx="8496372" cy="578492"/>
+          </a:xfrm>
+          <a:prstGeom prst="rect">
+            <a:avLst/>
+          </a:prstGeom>
+          <a:solidFill>
+            <a:schemeClr val="bg1"/>
+          </a:solidFill>
+        </p:spPr>
+        <p:txBody>
+          <a:bodyPr wrap="square">
+            <a:spAutoFit/>
+          </a:bodyPr>
+          <a:lstStyle/>
+          <a:p>
+            <a:pPr>
+              <a:lnSpc>
+                <a:spcPct val="150000"/>
+              </a:lnSpc>
+            </a:pPr>
+            <a:r>
+              <a:rPr lang="en-CA" sz="2400" i="1" dirty="0">
+                <a:solidFill>
+                  <a:srgbClr val="00B0F0"/>
+                </a:solidFill>
+              </a:rPr>
+              <a:t>https://github.com/francois-normandin/</a:t>
+            </a:r>
+            <a:r>
+              <a:rPr lang="en-CA" sz="2400" i="1" dirty="0" err="1">
+                <a:solidFill>
+                  <a:srgbClr val="00B0F0"/>
+                </a:solidFill>
+              </a:rPr>
+              <a:t>mqtt</a:t>
+            </a:r>
+            <a:r>
+              <a:rPr lang="en-CA" sz="2400" i="1" dirty="0">
+                <a:solidFill>
+                  <a:srgbClr val="00B0F0"/>
+                </a:solidFill>
+              </a:rPr>
+              <a:t>-lv-</a:t>
+            </a:r>
+            <a:r>
+              <a:rPr lang="en-CA" sz="2400" i="1" dirty="0" err="1">
+                <a:solidFill>
+                  <a:srgbClr val="00B0F0"/>
+                </a:solidFill>
+              </a:rPr>
+              <a:t>py</a:t>
+            </a:r>
+            <a:r>
+              <a:rPr lang="en-CA" sz="2400" i="1" dirty="0">
+                <a:solidFill>
+                  <a:srgbClr val="00B0F0"/>
+                </a:solidFill>
+              </a:rPr>
+              <a:t>-demo</a:t>
+            </a:r>
+          </a:p>
+        </p:txBody>
+      </p:sp>
+    </p:spTree>
+    <p:extLst>
+      <p:ext uri="{BB962C8B-B14F-4D97-AF65-F5344CB8AC3E}">
+        <p14:creationId xmlns:p14="http://schemas.microsoft.com/office/powerpoint/2010/main" val="3205495111"/>
+      </p:ext>
+    </p:extLst>
+  </p:cSld>
+  <p:clrMapOvr>
+    <a:masterClrMapping/>
+  </p:clrMapOvr>
+</p:sld>
+</file>
+
+<file path=ppt/slides/slide19.xml><?xml version="1.0" encoding="utf-8"?>
+<p:sld xmlns:a="http://schemas.openxmlformats.org/drawingml/2006/main" xmlns:r="http://schemas.openxmlformats.org/officeDocument/2006/relationships" xmlns:p="http://schemas.openxmlformats.org/presentationml/2006/main">
+  <p:cSld>
+    <p:bg>
+      <p:bgPr>
+        <a:solidFill>
+          <a:schemeClr val="bg1"/>
+        </a:solidFill>
+        <a:effectLst/>
+      </p:bgPr>
+    </p:bg>
+    <p:spTree>
+      <p:nvGrpSpPr>
+        <p:cNvPr id="1" name=""/>
+        <p:cNvGrpSpPr/>
+        <p:nvPr/>
+      </p:nvGrpSpPr>
+      <p:grpSpPr>
+        <a:xfrm>
+          <a:off x="0" y="0"/>
+          <a:ext cx="0" cy="0"/>
+          <a:chOff x="0" y="0"/>
+          <a:chExt cx="0" cy="0"/>
+        </a:xfrm>
+      </p:grpSpPr>
+      <p:sp>
+        <p:nvSpPr>
           <p:cNvPr id="9" name="Rectangle 8">
             <a:extLst>
               <a:ext uri="{FF2B5EF4-FFF2-40B4-BE49-F238E27FC236}">
-                <a16:creationId xmlns:a16="http://schemas.microsoft.com/office/drawing/2014/main" id="{3E7B2FBD-9ABE-A549-AE2B-4EAB090825B9}"/>
+                <a16:creationId xmlns:a16="http://schemas.microsoft.com/office/drawing/2014/main" xmlns="" id="{3E7B2FBD-9ABE-A549-AE2B-4EAB090825B9}"/>
               </a:ext>
             </a:extLst>
           </p:cNvPr>
@@ -8212,7 +8448,7 @@
           <p:cNvPr id="10" name="Image 9">
             <a:extLst>
               <a:ext uri="{FF2B5EF4-FFF2-40B4-BE49-F238E27FC236}">
-                <a16:creationId xmlns:a16="http://schemas.microsoft.com/office/drawing/2014/main" id="{F688BCC2-7A8F-5145-B37C-317ED206BEEE}"/>
+                <a16:creationId xmlns:a16="http://schemas.microsoft.com/office/drawing/2014/main" xmlns="" id="{F688BCC2-7A8F-5145-B37C-317ED206BEEE}"/>
               </a:ext>
             </a:extLst>
           </p:cNvPr>
@@ -8242,7 +8478,7 @@
           <p:cNvPr id="11" name="Rectangle 10">
             <a:extLst>
               <a:ext uri="{FF2B5EF4-FFF2-40B4-BE49-F238E27FC236}">
-                <a16:creationId xmlns:a16="http://schemas.microsoft.com/office/drawing/2014/main" id="{94284844-C40D-324D-A972-44021BB613F7}"/>
+                <a16:creationId xmlns:a16="http://schemas.microsoft.com/office/drawing/2014/main" xmlns="" id="{94284844-C40D-324D-A972-44021BB613F7}"/>
               </a:ext>
             </a:extLst>
           </p:cNvPr>
@@ -8311,7 +8547,7 @@
           <p:cNvPr id="4" name="Image 3">
             <a:extLst>
               <a:ext uri="{FF2B5EF4-FFF2-40B4-BE49-F238E27FC236}">
-                <a16:creationId xmlns:a16="http://schemas.microsoft.com/office/drawing/2014/main" id="{84BAFDC8-8B2F-A646-AA37-37111420B4BB}"/>
+                <a16:creationId xmlns:a16="http://schemas.microsoft.com/office/drawing/2014/main" xmlns="" id="{84BAFDC8-8B2F-A646-AA37-37111420B4BB}"/>
               </a:ext>
             </a:extLst>
           </p:cNvPr>
@@ -8341,7 +8577,7 @@
           <p:cNvPr id="7" name="Image 6">
             <a:extLst>
               <a:ext uri="{FF2B5EF4-FFF2-40B4-BE49-F238E27FC236}">
-                <a16:creationId xmlns:a16="http://schemas.microsoft.com/office/drawing/2014/main" id="{D9E8373E-6C6D-0A4F-BCD2-B3CF54D77577}"/>
+                <a16:creationId xmlns:a16="http://schemas.microsoft.com/office/drawing/2014/main" xmlns="" id="{D9E8373E-6C6D-0A4F-BCD2-B3CF54D77577}"/>
               </a:ext>
             </a:extLst>
           </p:cNvPr>
@@ -8371,7 +8607,7 @@
           <p:cNvPr id="8" name="Image 7">
             <a:extLst>
               <a:ext uri="{FF2B5EF4-FFF2-40B4-BE49-F238E27FC236}">
-                <a16:creationId xmlns:a16="http://schemas.microsoft.com/office/drawing/2014/main" id="{05AF6B16-3A7F-494E-9721-9A47689EA023}"/>
+                <a16:creationId xmlns:a16="http://schemas.microsoft.com/office/drawing/2014/main" xmlns="" id="{05AF6B16-3A7F-494E-9721-9A47689EA023}"/>
               </a:ext>
             </a:extLst>
           </p:cNvPr>
@@ -8401,7 +8637,7 @@
           <p:cNvPr id="13" name="Image 12">
             <a:extLst>
               <a:ext uri="{FF2B5EF4-FFF2-40B4-BE49-F238E27FC236}">
-                <a16:creationId xmlns:a16="http://schemas.microsoft.com/office/drawing/2014/main" id="{0C717371-42BF-B64C-8F2A-997126CDEC3A}"/>
+                <a16:creationId xmlns:a16="http://schemas.microsoft.com/office/drawing/2014/main" xmlns="" id="{0C717371-42BF-B64C-8F2A-997126CDEC3A}"/>
               </a:ext>
             </a:extLst>
           </p:cNvPr>
@@ -8431,7 +8667,7 @@
           <p:cNvPr id="17" name="Rectangle 16">
             <a:extLst>
               <a:ext uri="{FF2B5EF4-FFF2-40B4-BE49-F238E27FC236}">
-                <a16:creationId xmlns:a16="http://schemas.microsoft.com/office/drawing/2014/main" id="{F58A4A3F-AA7F-D84F-AA08-7967BA455751}"/>
+                <a16:creationId xmlns:a16="http://schemas.microsoft.com/office/drawing/2014/main" xmlns="" id="{F58A4A3F-AA7F-D84F-AA08-7967BA455751}"/>
               </a:ext>
             </a:extLst>
           </p:cNvPr>
@@ -8568,7 +8804,7 @@
           <p:cNvPr id="2" name="Titre 1">
             <a:extLst>
               <a:ext uri="{FF2B5EF4-FFF2-40B4-BE49-F238E27FC236}">
-                <a16:creationId xmlns:a16="http://schemas.microsoft.com/office/drawing/2014/main" id="{F0F5FB5B-F05B-1F47-B07D-D6A34D391503}"/>
+                <a16:creationId xmlns:a16="http://schemas.microsoft.com/office/drawing/2014/main" xmlns="" id="{F0F5FB5B-F05B-1F47-B07D-D6A34D391503}"/>
               </a:ext>
             </a:extLst>
           </p:cNvPr>
@@ -8615,7 +8851,7 @@
           <p:cNvPr id="17" name="Rectangle 16">
             <a:extLst>
               <a:ext uri="{FF2B5EF4-FFF2-40B4-BE49-F238E27FC236}">
-                <a16:creationId xmlns:a16="http://schemas.microsoft.com/office/drawing/2014/main" id="{F58A4A3F-AA7F-D84F-AA08-7967BA455751}"/>
+                <a16:creationId xmlns:a16="http://schemas.microsoft.com/office/drawing/2014/main" xmlns="" id="{F58A4A3F-AA7F-D84F-AA08-7967BA455751}"/>
               </a:ext>
             </a:extLst>
           </p:cNvPr>
@@ -8795,7 +9031,7 @@
           <p:cNvPr id="2" name="Titre 1">
             <a:extLst>
               <a:ext uri="{FF2B5EF4-FFF2-40B4-BE49-F238E27FC236}">
-                <a16:creationId xmlns:a16="http://schemas.microsoft.com/office/drawing/2014/main" id="{F0F5FB5B-F05B-1F47-B07D-D6A34D391503}"/>
+                <a16:creationId xmlns:a16="http://schemas.microsoft.com/office/drawing/2014/main" xmlns="" id="{F0F5FB5B-F05B-1F47-B07D-D6A34D391503}"/>
               </a:ext>
             </a:extLst>
           </p:cNvPr>
@@ -8824,8 +9060,8 @@
               </a:lnSpc>
             </a:pPr>
             <a:r>
-              <a:rPr lang="en-CA" sz="4800" dirty="0"/>
-              <a:t>Open Source Enthusiast</a:t>
+              <a:rPr lang="en-CA" sz="4800" dirty="0" smtClean="0"/>
+              <a:t>Our Giants Are Female</a:t>
             </a:r>
             <a:endParaRPr lang="en-CA" sz="4800" dirty="0">
               <a:solidFill>
@@ -8839,177 +9075,27 @@
       </p:sp>
       <p:pic>
         <p:nvPicPr>
-          <p:cNvPr id="3" name="Image 2">
-            <a:extLst>
-              <a:ext uri="{FF2B5EF4-FFF2-40B4-BE49-F238E27FC236}">
-                <a16:creationId xmlns:a16="http://schemas.microsoft.com/office/drawing/2014/main" id="{ADA0A60E-31D4-9540-B860-79C517BC1AC7}"/>
-              </a:ext>
-            </a:extLst>
-          </p:cNvPr>
-          <p:cNvPicPr>
-            <a:picLocks noChangeAspect="1"/>
-          </p:cNvPicPr>
-          <p:nvPr/>
-        </p:nvPicPr>
-        <p:blipFill>
-          <a:blip r:embed="rId2"/>
-          <a:stretch>
-            <a:fillRect/>
-          </a:stretch>
-        </p:blipFill>
-        <p:spPr>
-          <a:xfrm>
-            <a:off x="909411" y="1314794"/>
-            <a:ext cx="5883351" cy="1209024"/>
-          </a:xfrm>
-          <a:prstGeom prst="rect">
-            <a:avLst/>
-          </a:prstGeom>
-        </p:spPr>
-      </p:pic>
-      <p:sp>
-        <p:nvSpPr>
-          <p:cNvPr id="4" name="ZoneTexte 3">
-            <a:extLst>
-              <a:ext uri="{FF2B5EF4-FFF2-40B4-BE49-F238E27FC236}">
-                <a16:creationId xmlns:a16="http://schemas.microsoft.com/office/drawing/2014/main" id="{884C4D7D-D8CD-A64F-B55A-D2DA73F14F65}"/>
-              </a:ext>
-            </a:extLst>
-          </p:cNvPr>
-          <p:cNvSpPr txBox="1"/>
-          <p:nvPr/>
-        </p:nvSpPr>
-        <p:spPr>
-          <a:xfrm>
-            <a:off x="2087984" y="2399006"/>
-            <a:ext cx="7696720" cy="923330"/>
-          </a:xfrm>
-          <a:prstGeom prst="rect">
-            <a:avLst/>
-          </a:prstGeom>
-          <a:solidFill>
-            <a:schemeClr val="bg1"/>
-          </a:solidFill>
-        </p:spPr>
-        <p:txBody>
-          <a:bodyPr wrap="square" rtlCol="0">
-            <a:spAutoFit/>
-          </a:bodyPr>
-          <a:lstStyle/>
-          <a:p>
-            <a:pPr marL="285750" indent="-285750">
-              <a:buFont typeface="Arial" panose="020B0604020202020204" pitchFamily="34" charset="0"/>
-              <a:buChar char="•"/>
-            </a:pPr>
-            <a:r>
-              <a:rPr lang="en-CA" dirty="0">
-                <a:solidFill>
-                  <a:schemeClr val="bg2">
-                    <a:lumMod val="50000"/>
-                  </a:schemeClr>
-                </a:solidFill>
-              </a:rPr>
-              <a:t>24 open source VI Packages on </a:t>
-            </a:r>
-            <a:r>
-              <a:rPr lang="en-CA" dirty="0" err="1">
-                <a:solidFill>
-                  <a:schemeClr val="bg2">
-                    <a:lumMod val="50000"/>
-                  </a:schemeClr>
-                </a:solidFill>
-              </a:rPr>
-              <a:t>vipm.io</a:t>
-            </a:r>
-            <a:endParaRPr lang="en-CA" dirty="0">
-              <a:solidFill>
-                <a:schemeClr val="bg2">
-                  <a:lumMod val="50000"/>
-                </a:schemeClr>
-              </a:solidFill>
-            </a:endParaRPr>
-          </a:p>
-          <a:p>
-            <a:pPr marL="285750" indent="-285750">
-              <a:buFont typeface="Arial" panose="020B0604020202020204" pitchFamily="34" charset="0"/>
-              <a:buChar char="•"/>
-            </a:pPr>
-            <a:r>
-              <a:rPr lang="en-CA" dirty="0">
-                <a:solidFill>
-                  <a:schemeClr val="bg2">
-                    <a:lumMod val="50000"/>
-                  </a:schemeClr>
-                </a:solidFill>
-              </a:rPr>
-              <a:t>35+ public repositories on github.com</a:t>
-            </a:r>
-          </a:p>
-          <a:p>
-            <a:r>
-              <a:rPr lang="en-CA" dirty="0">
-                <a:solidFill>
-                  <a:schemeClr val="bg2">
-                    <a:lumMod val="50000"/>
-                  </a:schemeClr>
-                </a:solidFill>
-              </a:rPr>
-              <a:t>    (MQTT, Oauth2, </a:t>
-            </a:r>
-            <a:r>
-              <a:rPr lang="en-CA" dirty="0" err="1">
-                <a:solidFill>
-                  <a:schemeClr val="bg2">
-                    <a:lumMod val="50000"/>
-                  </a:schemeClr>
-                </a:solidFill>
-              </a:rPr>
-              <a:t>OpenSerializer</a:t>
-            </a:r>
-            <a:r>
-              <a:rPr lang="en-CA" dirty="0">
-                <a:solidFill>
-                  <a:schemeClr val="bg2">
-                    <a:lumMod val="50000"/>
-                  </a:schemeClr>
-                </a:solidFill>
-              </a:rPr>
-              <a:t>, Epoch-Time, Cron, UI Tools, etc.)</a:t>
-            </a:r>
-          </a:p>
-        </p:txBody>
-      </p:sp>
-      <p:pic>
-        <p:nvPicPr>
-          <p:cNvPr id="6146" name="Picture 2">
-            <a:extLst>
-              <a:ext uri="{FF2B5EF4-FFF2-40B4-BE49-F238E27FC236}">
-                <a16:creationId xmlns:a16="http://schemas.microsoft.com/office/drawing/2014/main" id="{C4719B6A-8A66-F04D-852F-5122A974420A}"/>
-              </a:ext>
-            </a:extLst>
-          </p:cNvPr>
+          <p:cNvPr id="2052" name="Picture 4" descr="Sophie Germain, The First French Woman To Receive A Mathematical Prize From  The Institut de France"/>
           <p:cNvPicPr>
             <a:picLocks noChangeAspect="1" noChangeArrowheads="1"/>
           </p:cNvPicPr>
           <p:nvPr/>
         </p:nvPicPr>
-        <p:blipFill>
-          <a:blip r:embed="rId3">
+        <p:blipFill rotWithShape="1">
+          <a:blip r:embed="rId2">
             <a:extLst>
               <a:ext uri="{28A0092B-C50C-407E-A947-70E740481C1C}">
                 <a14:useLocalDpi xmlns:a14="http://schemas.microsoft.com/office/drawing/2010/main" val="0"/>
               </a:ext>
             </a:extLst>
           </a:blip>
-          <a:srcRect/>
-          <a:stretch>
-            <a:fillRect/>
-          </a:stretch>
+          <a:srcRect l="2781" t="3348" r="53299" b="7149"/>
+          <a:stretch/>
         </p:blipFill>
         <p:spPr bwMode="auto">
           <a:xfrm>
-            <a:off x="619057" y="4582543"/>
-            <a:ext cx="2356467" cy="894721"/>
+            <a:off x="8231505" y="420878"/>
+            <a:ext cx="2703195" cy="3798608"/>
           </a:xfrm>
           <a:prstGeom prst="rect">
             <a:avLst/>
@@ -9028,108 +9114,653 @@
       </p:pic>
       <p:sp>
         <p:nvSpPr>
-          <p:cNvPr id="5" name="ZoneTexte 4">
+          <p:cNvPr id="12" name="Rectangle 11">
             <a:extLst>
               <a:ext uri="{FF2B5EF4-FFF2-40B4-BE49-F238E27FC236}">
-                <a16:creationId xmlns:a16="http://schemas.microsoft.com/office/drawing/2014/main" id="{D0507F7A-AAAF-9C4E-AA6B-B7FED37F7655}"/>
+                <a16:creationId xmlns:a16="http://schemas.microsoft.com/office/drawing/2014/main" xmlns="" id="{F58A4A3F-AA7F-D84F-AA08-7967BA455751}"/>
               </a:ext>
             </a:extLst>
           </p:cNvPr>
-          <p:cNvSpPr txBox="1"/>
+          <p:cNvSpPr/>
           <p:nvPr/>
         </p:nvSpPr>
         <p:spPr>
           <a:xfrm>
-            <a:off x="553309" y="5737991"/>
-            <a:ext cx="5072542" cy="584775"/>
+            <a:off x="1110207" y="1874627"/>
+            <a:ext cx="5741846" cy="3416320"/>
           </a:xfrm>
           <a:prstGeom prst="rect">
             <a:avLst/>
           </a:prstGeom>
-          <a:noFill/>
         </p:spPr>
         <p:txBody>
-          <a:bodyPr wrap="none" rtlCol="0">
+          <a:bodyPr wrap="square">
             <a:spAutoFit/>
           </a:bodyPr>
           <a:lstStyle/>
           <a:p>
-            <a:r>
-              <a:rPr lang="en-CA" sz="1600" dirty="0">
-                <a:solidFill>
-                  <a:schemeClr val="bg2">
-                    <a:lumMod val="50000"/>
-                  </a:schemeClr>
-                </a:solidFill>
-              </a:rPr>
-              <a:t>Maintainer of JKI’s </a:t>
-            </a:r>
-            <a:r>
-              <a:rPr lang="en-CA" sz="1600" dirty="0" err="1">
-                <a:solidFill>
-                  <a:schemeClr val="bg2">
-                    <a:lumMod val="50000"/>
-                  </a:schemeClr>
-                </a:solidFill>
-              </a:rPr>
-              <a:t>Caraya</a:t>
-            </a:r>
-            <a:r>
-              <a:rPr lang="en-CA" sz="1600" dirty="0">
-                <a:solidFill>
-                  <a:schemeClr val="bg2">
-                    <a:lumMod val="50000"/>
-                  </a:schemeClr>
-                </a:solidFill>
-              </a:rPr>
-              <a:t> Unit Test framework </a:t>
-            </a:r>
-          </a:p>
-          <a:p>
-            <a:r>
-              <a:rPr lang="en-CA" sz="1600" dirty="0">
-                <a:solidFill>
-                  <a:schemeClr val="bg2">
-                    <a:lumMod val="50000"/>
-                  </a:schemeClr>
-                </a:solidFill>
-              </a:rPr>
-              <a:t>Maintainer of JKI’s State Machine Objects framework</a:t>
-            </a:r>
+            <a:pPr>
+              <a:lnSpc>
+                <a:spcPct val="150000"/>
+              </a:lnSpc>
+            </a:pPr>
+            <a:r>
+              <a:rPr lang="fr-CA" dirty="0" err="1" smtClean="0">
+                <a:solidFill>
+                  <a:schemeClr val="tx1">
+                    <a:lumMod val="50000"/>
+                    <a:lumOff val="50000"/>
+                  </a:schemeClr>
+                </a:solidFill>
+              </a:rPr>
+              <a:t>Late</a:t>
+            </a:r>
+            <a:r>
+              <a:rPr lang="fr-CA" dirty="0" smtClean="0">
+                <a:solidFill>
+                  <a:schemeClr val="tx1">
+                    <a:lumMod val="50000"/>
+                    <a:lumOff val="50000"/>
+                  </a:schemeClr>
+                </a:solidFill>
+              </a:rPr>
+              <a:t> 18th, </a:t>
+            </a:r>
+            <a:r>
+              <a:rPr lang="fr-CA" dirty="0" err="1" smtClean="0">
+                <a:solidFill>
+                  <a:schemeClr val="tx1">
+                    <a:lumMod val="50000"/>
+                    <a:lumOff val="50000"/>
+                  </a:schemeClr>
+                </a:solidFill>
+              </a:rPr>
+              <a:t>early</a:t>
+            </a:r>
+            <a:r>
+              <a:rPr lang="fr-CA" dirty="0" smtClean="0">
+                <a:solidFill>
+                  <a:schemeClr val="tx1">
+                    <a:lumMod val="50000"/>
+                    <a:lumOff val="50000"/>
+                  </a:schemeClr>
+                </a:solidFill>
+              </a:rPr>
+              <a:t> 19th </a:t>
+            </a:r>
+            <a:r>
+              <a:rPr lang="fr-CA" dirty="0" err="1" smtClean="0">
+                <a:solidFill>
+                  <a:schemeClr val="tx1">
+                    <a:lumMod val="50000"/>
+                    <a:lumOff val="50000"/>
+                  </a:schemeClr>
+                </a:solidFill>
+              </a:rPr>
+              <a:t>century</a:t>
+            </a:r>
+            <a:r>
+              <a:rPr lang="fr-CA" dirty="0" smtClean="0">
+                <a:solidFill>
+                  <a:schemeClr val="tx1">
+                    <a:lumMod val="50000"/>
+                    <a:lumOff val="50000"/>
+                  </a:schemeClr>
+                </a:solidFill>
+              </a:rPr>
+              <a:t> French </a:t>
+            </a:r>
+            <a:r>
+              <a:rPr lang="fr-CA" dirty="0" err="1" smtClean="0">
+                <a:solidFill>
+                  <a:schemeClr val="tx1">
+                    <a:lumMod val="50000"/>
+                    <a:lumOff val="50000"/>
+                  </a:schemeClr>
+                </a:solidFill>
+              </a:rPr>
+              <a:t>mathematician</a:t>
+            </a:r>
+            <a:endParaRPr lang="fr-CA" dirty="0" smtClean="0">
+              <a:solidFill>
+                <a:schemeClr val="tx1">
+                  <a:lumMod val="50000"/>
+                  <a:lumOff val="50000"/>
+                </a:schemeClr>
+              </a:solidFill>
+            </a:endParaRPr>
+          </a:p>
+          <a:p>
+            <a:pPr marL="285750" indent="-285750">
+              <a:lnSpc>
+                <a:spcPct val="150000"/>
+              </a:lnSpc>
+              <a:buFont typeface="Arial" panose="020B0604020202020204" pitchFamily="34" charset="0"/>
+              <a:buChar char="•"/>
+            </a:pPr>
+            <a:r>
+              <a:rPr lang="fr-CA" dirty="0" err="1" smtClean="0">
+                <a:solidFill>
+                  <a:schemeClr val="tx1">
+                    <a:lumMod val="50000"/>
+                    <a:lumOff val="50000"/>
+                  </a:schemeClr>
+                </a:solidFill>
+              </a:rPr>
+              <a:t>Designed</a:t>
+            </a:r>
+            <a:r>
+              <a:rPr lang="fr-CA" dirty="0" smtClean="0">
+                <a:solidFill>
+                  <a:schemeClr val="tx1">
+                    <a:lumMod val="50000"/>
+                    <a:lumOff val="50000"/>
+                  </a:schemeClr>
+                </a:solidFill>
+              </a:rPr>
+              <a:t> the first </a:t>
+            </a:r>
+            <a:r>
+              <a:rPr lang="fr-CA" dirty="0" err="1" smtClean="0">
+                <a:solidFill>
+                  <a:schemeClr val="tx1">
+                    <a:lumMod val="50000"/>
+                    <a:lumOff val="50000"/>
+                  </a:schemeClr>
+                </a:solidFill>
+              </a:rPr>
+              <a:t>general</a:t>
+            </a:r>
+            <a:r>
+              <a:rPr lang="fr-CA" dirty="0" smtClean="0">
+                <a:solidFill>
+                  <a:schemeClr val="tx1">
+                    <a:lumMod val="50000"/>
+                    <a:lumOff val="50000"/>
+                  </a:schemeClr>
+                </a:solidFill>
+              </a:rPr>
+              <a:t> </a:t>
+            </a:r>
+            <a:r>
+              <a:rPr lang="fr-CA" dirty="0" err="1" smtClean="0">
+                <a:solidFill>
+                  <a:schemeClr val="tx1">
+                    <a:lumMod val="50000"/>
+                    <a:lumOff val="50000"/>
+                  </a:schemeClr>
+                </a:solidFill>
+              </a:rPr>
+              <a:t>strategy</a:t>
+            </a:r>
+            <a:r>
+              <a:rPr lang="fr-CA" dirty="0" smtClean="0">
+                <a:solidFill>
+                  <a:schemeClr val="tx1">
+                    <a:lumMod val="50000"/>
+                    <a:lumOff val="50000"/>
+                  </a:schemeClr>
+                </a:solidFill>
+              </a:rPr>
+              <a:t> to </a:t>
+            </a:r>
+            <a:r>
+              <a:rPr lang="fr-CA" dirty="0" err="1" smtClean="0">
+                <a:solidFill>
+                  <a:schemeClr val="tx1">
+                    <a:lumMod val="50000"/>
+                    <a:lumOff val="50000"/>
+                  </a:schemeClr>
+                </a:solidFill>
+              </a:rPr>
+              <a:t>solving</a:t>
+            </a:r>
+            <a:r>
+              <a:rPr lang="fr-CA" dirty="0" smtClean="0">
+                <a:solidFill>
+                  <a:schemeClr val="tx1">
+                    <a:lumMod val="50000"/>
+                    <a:lumOff val="50000"/>
+                  </a:schemeClr>
+                </a:solidFill>
+              </a:rPr>
+              <a:t> </a:t>
+            </a:r>
+            <a:r>
+              <a:rPr lang="fr-CA" dirty="0" err="1" smtClean="0">
+                <a:solidFill>
+                  <a:schemeClr val="tx1">
+                    <a:lumMod val="50000"/>
+                    <a:lumOff val="50000"/>
+                  </a:schemeClr>
+                </a:solidFill>
+              </a:rPr>
+              <a:t>Fermat’s</a:t>
+            </a:r>
+            <a:r>
+              <a:rPr lang="fr-CA" dirty="0" smtClean="0">
+                <a:solidFill>
+                  <a:schemeClr val="tx1">
+                    <a:lumMod val="50000"/>
+                    <a:lumOff val="50000"/>
+                  </a:schemeClr>
+                </a:solidFill>
+              </a:rPr>
+              <a:t> Last </a:t>
+            </a:r>
+            <a:r>
+              <a:rPr lang="fr-CA" dirty="0" err="1" smtClean="0">
+                <a:solidFill>
+                  <a:schemeClr val="tx1">
+                    <a:lumMod val="50000"/>
+                    <a:lumOff val="50000"/>
+                  </a:schemeClr>
+                </a:solidFill>
+              </a:rPr>
+              <a:t>Theorem</a:t>
+            </a:r>
+            <a:r>
+              <a:rPr lang="fr-CA" dirty="0" smtClean="0">
+                <a:solidFill>
+                  <a:schemeClr val="tx1">
+                    <a:lumMod val="50000"/>
+                    <a:lumOff val="50000"/>
+                  </a:schemeClr>
+                </a:solidFill>
+              </a:rPr>
+              <a:t> (</a:t>
+            </a:r>
+            <a:r>
+              <a:rPr lang="fr-CA" dirty="0" err="1" smtClean="0">
+                <a:solidFill>
+                  <a:schemeClr val="tx1">
+                    <a:lumMod val="50000"/>
+                    <a:lumOff val="50000"/>
+                  </a:schemeClr>
+                </a:solidFill>
+              </a:rPr>
+              <a:t>x^n</a:t>
+            </a:r>
+            <a:r>
+              <a:rPr lang="fr-CA" dirty="0" smtClean="0">
+                <a:solidFill>
+                  <a:schemeClr val="tx1">
+                    <a:lumMod val="50000"/>
+                    <a:lumOff val="50000"/>
+                  </a:schemeClr>
+                </a:solidFill>
+              </a:rPr>
+              <a:t> + </a:t>
+            </a:r>
+            <a:r>
+              <a:rPr lang="fr-CA" dirty="0" err="1" smtClean="0">
+                <a:solidFill>
+                  <a:schemeClr val="tx1">
+                    <a:lumMod val="50000"/>
+                    <a:lumOff val="50000"/>
+                  </a:schemeClr>
+                </a:solidFill>
+              </a:rPr>
+              <a:t>y^n</a:t>
+            </a:r>
+            <a:r>
+              <a:rPr lang="fr-CA" dirty="0" smtClean="0">
+                <a:solidFill>
+                  <a:schemeClr val="tx1">
+                    <a:lumMod val="50000"/>
+                    <a:lumOff val="50000"/>
+                  </a:schemeClr>
+                </a:solidFill>
+              </a:rPr>
+              <a:t> = </a:t>
+            </a:r>
+            <a:r>
+              <a:rPr lang="fr-CA" dirty="0" err="1" smtClean="0">
+                <a:solidFill>
+                  <a:schemeClr val="tx1">
+                    <a:lumMod val="50000"/>
+                    <a:lumOff val="50000"/>
+                  </a:schemeClr>
+                </a:solidFill>
+              </a:rPr>
+              <a:t>z^n</a:t>
+            </a:r>
+            <a:r>
+              <a:rPr lang="fr-CA" dirty="0" smtClean="0">
+                <a:solidFill>
+                  <a:schemeClr val="tx1">
+                    <a:lumMod val="50000"/>
+                    <a:lumOff val="50000"/>
+                  </a:schemeClr>
+                </a:solidFill>
+              </a:rPr>
+              <a:t>)</a:t>
+            </a:r>
+          </a:p>
+          <a:p>
+            <a:pPr marL="285750" indent="-285750">
+              <a:lnSpc>
+                <a:spcPct val="150000"/>
+              </a:lnSpc>
+              <a:buFont typeface="Arial" panose="020B0604020202020204" pitchFamily="34" charset="0"/>
+              <a:buChar char="•"/>
+            </a:pPr>
+            <a:r>
+              <a:rPr lang="fr-CA" dirty="0" err="1" smtClean="0">
+                <a:solidFill>
+                  <a:schemeClr val="tx1">
+                    <a:lumMod val="50000"/>
+                    <a:lumOff val="50000"/>
+                  </a:schemeClr>
+                </a:solidFill>
+              </a:rPr>
+              <a:t>Add</a:t>
+            </a:r>
+            <a:r>
+              <a:rPr lang="fr-CA" dirty="0" smtClean="0">
+                <a:solidFill>
+                  <a:schemeClr val="tx1">
+                    <a:lumMod val="50000"/>
+                    <a:lumOff val="50000"/>
+                  </a:schemeClr>
+                </a:solidFill>
+              </a:rPr>
+              <a:t> to use a </a:t>
+            </a:r>
+            <a:r>
+              <a:rPr lang="fr-CA" dirty="0" err="1" smtClean="0">
+                <a:solidFill>
+                  <a:schemeClr val="tx1">
+                    <a:lumMod val="50000"/>
+                    <a:lumOff val="50000"/>
+                  </a:schemeClr>
+                </a:solidFill>
+              </a:rPr>
+              <a:t>pseudonym</a:t>
+            </a:r>
+            <a:r>
+              <a:rPr lang="fr-CA" dirty="0" smtClean="0">
+                <a:solidFill>
+                  <a:schemeClr val="tx1">
+                    <a:lumMod val="50000"/>
+                    <a:lumOff val="50000"/>
+                  </a:schemeClr>
+                </a:solidFill>
+              </a:rPr>
+              <a:t> to </a:t>
+            </a:r>
+            <a:r>
+              <a:rPr lang="fr-CA" dirty="0" err="1" smtClean="0">
+                <a:solidFill>
+                  <a:schemeClr val="tx1">
+                    <a:lumMod val="50000"/>
+                    <a:lumOff val="50000"/>
+                  </a:schemeClr>
+                </a:solidFill>
+              </a:rPr>
+              <a:t>get</a:t>
+            </a:r>
+            <a:r>
+              <a:rPr lang="fr-CA" dirty="0" smtClean="0">
+                <a:solidFill>
+                  <a:schemeClr val="tx1">
+                    <a:lumMod val="50000"/>
+                    <a:lumOff val="50000"/>
+                  </a:schemeClr>
+                </a:solidFill>
+              </a:rPr>
+              <a:t> in the math </a:t>
+            </a:r>
+            <a:r>
+              <a:rPr lang="fr-CA" dirty="0" err="1" smtClean="0">
+                <a:solidFill>
+                  <a:schemeClr val="tx1">
+                    <a:lumMod val="50000"/>
+                    <a:lumOff val="50000"/>
+                  </a:schemeClr>
+                </a:solidFill>
+              </a:rPr>
+              <a:t>academic</a:t>
+            </a:r>
+            <a:r>
+              <a:rPr lang="fr-CA" dirty="0" smtClean="0">
+                <a:solidFill>
+                  <a:schemeClr val="tx1">
+                    <a:lumMod val="50000"/>
+                    <a:lumOff val="50000"/>
+                  </a:schemeClr>
+                </a:solidFill>
+              </a:rPr>
+              <a:t> </a:t>
+            </a:r>
+            <a:r>
+              <a:rPr lang="fr-CA" dirty="0" err="1" smtClean="0">
+                <a:solidFill>
+                  <a:schemeClr val="tx1">
+                    <a:lumMod val="50000"/>
+                    <a:lumOff val="50000"/>
+                  </a:schemeClr>
+                </a:solidFill>
+              </a:rPr>
+              <a:t>circles</a:t>
+            </a:r>
+            <a:r>
+              <a:rPr lang="fr-CA" dirty="0" smtClean="0">
+                <a:solidFill>
+                  <a:schemeClr val="tx1">
+                    <a:lumMod val="50000"/>
+                    <a:lumOff val="50000"/>
+                  </a:schemeClr>
+                </a:solidFill>
+              </a:rPr>
+              <a:t> (Antoine </a:t>
+            </a:r>
+            <a:r>
+              <a:rPr lang="fr-CA" dirty="0">
+                <a:solidFill>
+                  <a:schemeClr val="tx1">
+                    <a:lumMod val="50000"/>
+                    <a:lumOff val="50000"/>
+                  </a:schemeClr>
+                </a:solidFill>
+              </a:rPr>
+              <a:t>Auguste Le </a:t>
+            </a:r>
+            <a:r>
+              <a:rPr lang="fr-CA" dirty="0" smtClean="0">
+                <a:solidFill>
+                  <a:schemeClr val="tx1">
+                    <a:lumMod val="50000"/>
+                    <a:lumOff val="50000"/>
+                  </a:schemeClr>
+                </a:solidFill>
+              </a:rPr>
+              <a:t>Blanc)</a:t>
+            </a:r>
+          </a:p>
+          <a:p>
+            <a:pPr marL="285750" indent="-285750">
+              <a:lnSpc>
+                <a:spcPct val="150000"/>
+              </a:lnSpc>
+              <a:buFont typeface="Arial" panose="020B0604020202020204" pitchFamily="34" charset="0"/>
+              <a:buChar char="•"/>
+            </a:pPr>
+            <a:r>
+              <a:rPr lang="fr-CA" dirty="0" err="1" smtClean="0">
+                <a:solidFill>
+                  <a:schemeClr val="tx1">
+                    <a:lumMod val="50000"/>
+                    <a:lumOff val="50000"/>
+                  </a:schemeClr>
+                </a:solidFill>
+              </a:rPr>
+              <a:t>Probably</a:t>
+            </a:r>
+            <a:r>
+              <a:rPr lang="fr-CA" dirty="0" smtClean="0">
+                <a:solidFill>
+                  <a:schemeClr val="tx1">
+                    <a:lumMod val="50000"/>
+                    <a:lumOff val="50000"/>
+                  </a:schemeClr>
+                </a:solidFill>
+              </a:rPr>
+              <a:t> </a:t>
+            </a:r>
+            <a:r>
+              <a:rPr lang="fr-CA" dirty="0" err="1" smtClean="0">
+                <a:solidFill>
+                  <a:schemeClr val="tx1">
+                    <a:lumMod val="50000"/>
+                    <a:lumOff val="50000"/>
+                  </a:schemeClr>
+                </a:solidFill>
+              </a:rPr>
+              <a:t>saved</a:t>
+            </a:r>
+            <a:r>
+              <a:rPr lang="fr-CA" dirty="0" smtClean="0">
+                <a:solidFill>
+                  <a:schemeClr val="tx1">
+                    <a:lumMod val="50000"/>
+                    <a:lumOff val="50000"/>
+                  </a:schemeClr>
+                </a:solidFill>
+              </a:rPr>
+              <a:t> Carl Friedrich Gauss </a:t>
+            </a:r>
+            <a:r>
+              <a:rPr lang="fr-CA" dirty="0" err="1" smtClean="0">
+                <a:solidFill>
+                  <a:schemeClr val="tx1">
+                    <a:lumMod val="50000"/>
+                    <a:lumOff val="50000"/>
+                  </a:schemeClr>
+                </a:solidFill>
+              </a:rPr>
+              <a:t>from</a:t>
+            </a:r>
+            <a:r>
+              <a:rPr lang="fr-CA" dirty="0" smtClean="0">
+                <a:solidFill>
+                  <a:schemeClr val="tx1">
+                    <a:lumMod val="50000"/>
+                    <a:lumOff val="50000"/>
+                  </a:schemeClr>
+                </a:solidFill>
+              </a:rPr>
+              <a:t> </a:t>
+            </a:r>
+            <a:r>
+              <a:rPr lang="fr-CA" dirty="0" err="1" smtClean="0">
+                <a:solidFill>
+                  <a:schemeClr val="tx1">
+                    <a:lumMod val="50000"/>
+                    <a:lumOff val="50000"/>
+                  </a:schemeClr>
+                </a:solidFill>
+              </a:rPr>
+              <a:t>Napoleon’s</a:t>
+            </a:r>
+            <a:r>
+              <a:rPr lang="fr-CA" dirty="0" smtClean="0">
+                <a:solidFill>
+                  <a:schemeClr val="tx1">
+                    <a:lumMod val="50000"/>
+                    <a:lumOff val="50000"/>
+                  </a:schemeClr>
+                </a:solidFill>
+              </a:rPr>
+              <a:t> </a:t>
+            </a:r>
+            <a:r>
+              <a:rPr lang="fr-CA" dirty="0" err="1" smtClean="0">
+                <a:solidFill>
+                  <a:schemeClr val="tx1">
+                    <a:lumMod val="50000"/>
+                    <a:lumOff val="50000"/>
+                  </a:schemeClr>
+                </a:solidFill>
+              </a:rPr>
+              <a:t>troops</a:t>
+            </a:r>
+            <a:r>
+              <a:rPr lang="fr-CA" dirty="0" smtClean="0">
+                <a:solidFill>
+                  <a:schemeClr val="tx1">
+                    <a:lumMod val="50000"/>
+                    <a:lumOff val="50000"/>
+                  </a:schemeClr>
+                </a:solidFill>
+              </a:rPr>
+              <a:t>…</a:t>
+            </a:r>
+          </a:p>
+          <a:p>
+            <a:pPr marL="285750" indent="-285750">
+              <a:lnSpc>
+                <a:spcPct val="150000"/>
+              </a:lnSpc>
+              <a:buFont typeface="Arial" panose="020B0604020202020204" pitchFamily="34" charset="0"/>
+              <a:buChar char="•"/>
+            </a:pPr>
+            <a:r>
+              <a:rPr lang="fr-CA" dirty="0" smtClean="0">
+                <a:solidFill>
+                  <a:schemeClr val="tx1">
+                    <a:lumMod val="50000"/>
+                    <a:lumOff val="50000"/>
+                  </a:schemeClr>
+                </a:solidFill>
+              </a:rPr>
+              <a:t>Germain Prime </a:t>
+            </a:r>
+            <a:r>
+              <a:rPr lang="fr-CA" dirty="0" err="1" smtClean="0">
+                <a:solidFill>
+                  <a:schemeClr val="tx1">
+                    <a:lumMod val="50000"/>
+                    <a:lumOff val="50000"/>
+                  </a:schemeClr>
+                </a:solidFill>
+              </a:rPr>
+              <a:t>Numbers</a:t>
+            </a:r>
+            <a:endParaRPr lang="en-CA" dirty="0">
+              <a:solidFill>
+                <a:schemeClr val="tx1">
+                  <a:lumMod val="50000"/>
+                  <a:lumOff val="50000"/>
+                </a:schemeClr>
+              </a:solidFill>
+            </a:endParaRPr>
           </a:p>
         </p:txBody>
       </p:sp>
       <p:pic>
         <p:nvPicPr>
-          <p:cNvPr id="6148" name="Picture 4">
-            <a:extLst>
-              <a:ext uri="{FF2B5EF4-FFF2-40B4-BE49-F238E27FC236}">
-                <a16:creationId xmlns:a16="http://schemas.microsoft.com/office/drawing/2014/main" id="{A327771A-C547-CA43-A969-D2499410AE2B}"/>
-              </a:ext>
-            </a:extLst>
-          </p:cNvPr>
+          <p:cNvPr id="13" name="Picture 4" descr="Sophie Germain, The First French Woman To Receive A Mathematical Prize From  The Institut de France"/>
           <p:cNvPicPr>
             <a:picLocks noChangeAspect="1" noChangeArrowheads="1"/>
           </p:cNvPicPr>
           <p:nvPr/>
         </p:nvPicPr>
-        <p:blipFill>
-          <a:blip r:embed="rId4">
+        <p:blipFill rotWithShape="1">
+          <a:blip r:embed="rId2">
             <a:extLst>
               <a:ext uri="{28A0092B-C50C-407E-A947-70E740481C1C}">
                 <a14:useLocalDpi xmlns:a14="http://schemas.microsoft.com/office/drawing/2010/main" val="0"/>
               </a:ext>
             </a:extLst>
           </a:blip>
-          <a:srcRect/>
-          <a:stretch>
-            <a:fillRect/>
-          </a:stretch>
+          <a:srcRect l="48522" t="4982" r="2654" b="31325"/>
+          <a:stretch/>
         </p:blipFill>
         <p:spPr bwMode="auto">
           <a:xfrm>
-            <a:off x="3422764" y="4661154"/>
-            <a:ext cx="942703" cy="946474"/>
+            <a:off x="8231505" y="4219486"/>
+            <a:ext cx="2703195" cy="2431713"/>
           </a:xfrm>
           <a:prstGeom prst="rect">
             <a:avLst/>
@@ -9146,134 +9777,6 @@
           </a:extLst>
         </p:spPr>
       </p:pic>
-      <p:pic>
-        <p:nvPicPr>
-          <p:cNvPr id="6152" name="Picture 8">
-            <a:extLst>
-              <a:ext uri="{FF2B5EF4-FFF2-40B4-BE49-F238E27FC236}">
-                <a16:creationId xmlns:a16="http://schemas.microsoft.com/office/drawing/2014/main" id="{49E0FDE4-5BA7-5944-ABBA-F1AC23681F79}"/>
-              </a:ext>
-            </a:extLst>
-          </p:cNvPr>
-          <p:cNvPicPr>
-            <a:picLocks noChangeAspect="1" noChangeArrowheads="1"/>
-          </p:cNvPicPr>
-          <p:nvPr/>
-        </p:nvPicPr>
-        <p:blipFill>
-          <a:blip r:embed="rId5">
-            <a:extLst>
-              <a:ext uri="{28A0092B-C50C-407E-A947-70E740481C1C}">
-                <a14:useLocalDpi xmlns:a14="http://schemas.microsoft.com/office/drawing/2010/main" val="0"/>
-              </a:ext>
-            </a:extLst>
-          </a:blip>
-          <a:srcRect/>
-          <a:stretch>
-            <a:fillRect/>
-          </a:stretch>
-        </p:blipFill>
-        <p:spPr bwMode="auto">
-          <a:xfrm>
-            <a:off x="10021372" y="3708574"/>
-            <a:ext cx="1395948" cy="1395948"/>
-          </a:xfrm>
-          <a:prstGeom prst="rect">
-            <a:avLst/>
-          </a:prstGeom>
-          <a:solidFill>
-            <a:schemeClr val="bg1"/>
-          </a:solidFill>
-        </p:spPr>
-      </p:pic>
-      <p:sp>
-        <p:nvSpPr>
-          <p:cNvPr id="6" name="Rectangle 5">
-            <a:extLst>
-              <a:ext uri="{FF2B5EF4-FFF2-40B4-BE49-F238E27FC236}">
-                <a16:creationId xmlns:a16="http://schemas.microsoft.com/office/drawing/2014/main" id="{98ABA5F3-F714-2C4C-ADB3-95A4E1397932}"/>
-              </a:ext>
-            </a:extLst>
-          </p:cNvPr>
-          <p:cNvSpPr/>
-          <p:nvPr/>
-        </p:nvSpPr>
-        <p:spPr>
-          <a:xfrm>
-            <a:off x="5453232" y="3703967"/>
-            <a:ext cx="4568140" cy="1400556"/>
-          </a:xfrm>
-          <a:prstGeom prst="rect">
-            <a:avLst/>
-          </a:prstGeom>
-          <a:solidFill>
-            <a:schemeClr val="bg1"/>
-          </a:solidFill>
-        </p:spPr>
-        <p:txBody>
-          <a:bodyPr wrap="square">
-            <a:spAutoFit/>
-          </a:bodyPr>
-          <a:lstStyle/>
-          <a:p>
-            <a:r>
-              <a:rPr lang="en-CA" dirty="0">
-                <a:solidFill>
-                  <a:schemeClr val="bg2">
-                    <a:lumMod val="50000"/>
-                  </a:schemeClr>
-                </a:solidFill>
-              </a:rPr>
-              <a:t>Board member at </a:t>
-            </a:r>
-            <a:r>
-              <a:rPr lang="en-CA" dirty="0" err="1">
-                <a:solidFill>
-                  <a:schemeClr val="bg2">
-                    <a:lumMod val="50000"/>
-                  </a:schemeClr>
-                </a:solidFill>
-              </a:rPr>
-              <a:t>GCentral</a:t>
-            </a:r>
-            <a:endParaRPr lang="en-CA" dirty="0">
-              <a:solidFill>
-                <a:schemeClr val="bg2">
-                  <a:lumMod val="50000"/>
-                </a:schemeClr>
-              </a:solidFill>
-            </a:endParaRPr>
-          </a:p>
-          <a:p>
-            <a:pPr marL="285750" indent="-285750">
-              <a:buFont typeface="Arial" panose="020B0604020202020204" pitchFamily="34" charset="0"/>
-              <a:buChar char="•"/>
-            </a:pPr>
-            <a:r>
-              <a:rPr lang="en-CA" sz="1600" dirty="0">
-                <a:solidFill>
-                  <a:schemeClr val="accent1"/>
-                </a:solidFill>
-              </a:rPr>
-              <a:t>Enabling the LabVIEW community to make the best version of itself.</a:t>
-            </a:r>
-          </a:p>
-          <a:p>
-            <a:pPr marL="285750" indent="-285750">
-              <a:buFont typeface="Arial" panose="020B0604020202020204" pitchFamily="34" charset="0"/>
-              <a:buChar char="•"/>
-            </a:pPr>
-            <a:r>
-              <a:rPr lang="en-CA" sz="1600" dirty="0">
-                <a:solidFill>
-                  <a:schemeClr val="accent1"/>
-                </a:solidFill>
-              </a:rPr>
-              <a:t>Improving our community's capability by removing barriers to collaboration.</a:t>
-            </a:r>
-          </a:p>
-        </p:txBody>
-      </p:sp>
     </p:spTree>
     <p:extLst>
       <p:ext uri="{BB962C8B-B14F-4D97-AF65-F5344CB8AC3E}">
@@ -9314,253 +9817,199 @@
       </p:grpSpPr>
       <p:sp>
         <p:nvSpPr>
-          <p:cNvPr id="17" name="Rectangle 16">
+          <p:cNvPr id="2" name="Titre 1">
             <a:extLst>
               <a:ext uri="{FF2B5EF4-FFF2-40B4-BE49-F238E27FC236}">
-                <a16:creationId xmlns:a16="http://schemas.microsoft.com/office/drawing/2014/main" id="{F58A4A3F-AA7F-D84F-AA08-7967BA455751}"/>
+                <a16:creationId xmlns:a16="http://schemas.microsoft.com/office/drawing/2014/main" xmlns="" id="{F0F5FB5B-F05B-1F47-B07D-D6A34D391503}"/>
               </a:ext>
             </a:extLst>
           </p:cNvPr>
-          <p:cNvSpPr/>
-          <p:nvPr/>
+          <p:cNvSpPr>
+            <a:spLocks noGrp="1"/>
+          </p:cNvSpPr>
+          <p:nvPr>
+            <p:ph type="ctrTitle"/>
+          </p:nvPr>
         </p:nvSpPr>
         <p:spPr>
           <a:xfrm>
-            <a:off x="1142480" y="1544486"/>
-            <a:ext cx="7356501" cy="4750468"/>
+            <a:off x="1110207" y="179574"/>
+            <a:ext cx="7452174" cy="959225"/>
+          </a:xfrm>
+        </p:spPr>
+        <p:txBody>
+          <a:bodyPr>
+            <a:noAutofit/>
+          </a:bodyPr>
+          <a:lstStyle/>
+          <a:p>
+            <a:pPr algn="l">
+              <a:lnSpc>
+                <a:spcPct val="90000"/>
+              </a:lnSpc>
+            </a:pPr>
+            <a:r>
+              <a:rPr lang="en-CA" sz="4800" dirty="0"/>
+              <a:t>Open Source Enthusiast</a:t>
+            </a:r>
+            <a:endParaRPr lang="en-CA" sz="4800" dirty="0">
+              <a:solidFill>
+                <a:schemeClr val="tx1"/>
+              </a:solidFill>
+              <a:latin typeface="Arial" panose="020B0604020202020204" pitchFamily="34" charset="0"/>
+              <a:cs typeface="Arial" panose="020B0604020202020204" pitchFamily="34" charset="0"/>
+            </a:endParaRPr>
+          </a:p>
+        </p:txBody>
+      </p:sp>
+      <p:pic>
+        <p:nvPicPr>
+          <p:cNvPr id="3" name="Image 2">
+            <a:extLst>
+              <a:ext uri="{FF2B5EF4-FFF2-40B4-BE49-F238E27FC236}">
+                <a16:creationId xmlns:a16="http://schemas.microsoft.com/office/drawing/2014/main" xmlns="" id="{ADA0A60E-31D4-9540-B860-79C517BC1AC7}"/>
+              </a:ext>
+            </a:extLst>
+          </p:cNvPr>
+          <p:cNvPicPr>
+            <a:picLocks noChangeAspect="1"/>
+          </p:cNvPicPr>
+          <p:nvPr/>
+        </p:nvPicPr>
+        <p:blipFill>
+          <a:blip r:embed="rId2"/>
+          <a:stretch>
+            <a:fillRect/>
+          </a:stretch>
+        </p:blipFill>
+        <p:spPr>
+          <a:xfrm>
+            <a:off x="909411" y="1314794"/>
+            <a:ext cx="5883351" cy="1209024"/>
           </a:xfrm>
           <a:prstGeom prst="rect">
             <a:avLst/>
           </a:prstGeom>
         </p:spPr>
-        <p:txBody>
-          <a:bodyPr wrap="none">
+      </p:pic>
+      <p:sp>
+        <p:nvSpPr>
+          <p:cNvPr id="4" name="ZoneTexte 3">
+            <a:extLst>
+              <a:ext uri="{FF2B5EF4-FFF2-40B4-BE49-F238E27FC236}">
+                <a16:creationId xmlns:a16="http://schemas.microsoft.com/office/drawing/2014/main" xmlns="" id="{884C4D7D-D8CD-A64F-B55A-D2DA73F14F65}"/>
+              </a:ext>
+            </a:extLst>
+          </p:cNvPr>
+          <p:cNvSpPr txBox="1"/>
+          <p:nvPr/>
+        </p:nvSpPr>
+        <p:spPr>
+          <a:xfrm>
+            <a:off x="2087984" y="2399006"/>
+            <a:ext cx="7696720" cy="923330"/>
+          </a:xfrm>
+          <a:prstGeom prst="rect">
+            <a:avLst/>
+          </a:prstGeom>
+          <a:solidFill>
+            <a:schemeClr val="bg1"/>
+          </a:solidFill>
+        </p:spPr>
+        <p:txBody>
+          <a:bodyPr wrap="square" rtlCol="0">
             <a:spAutoFit/>
           </a:bodyPr>
           <a:lstStyle/>
           <a:p>
+            <a:pPr marL="285750" indent="-285750">
+              <a:buFont typeface="Arial" panose="020B0604020202020204" pitchFamily="34" charset="0"/>
+              <a:buChar char="•"/>
+            </a:pPr>
             <a:r>
               <a:rPr lang="en-CA" dirty="0">
                 <a:solidFill>
-                  <a:schemeClr val="tx1">
-                    <a:lumMod val="50000"/>
-                    <a:lumOff val="50000"/>
-                  </a:schemeClr>
-                </a:solidFill>
-              </a:rPr>
-              <a:t>MQTT is a lightweight publish-subscribe protocol.</a:t>
-            </a:r>
-          </a:p>
-          <a:p>
+                  <a:schemeClr val="bg2">
+                    <a:lumMod val="50000"/>
+                  </a:schemeClr>
+                </a:solidFill>
+              </a:rPr>
+              <a:t>24 open source VI Packages on </a:t>
+            </a:r>
+            <a:r>
+              <a:rPr lang="en-CA" dirty="0" err="1">
+                <a:solidFill>
+                  <a:schemeClr val="bg2">
+                    <a:lumMod val="50000"/>
+                  </a:schemeClr>
+                </a:solidFill>
+              </a:rPr>
+              <a:t>vipm.io</a:t>
+            </a:r>
             <a:endParaRPr lang="en-CA" dirty="0">
               <a:solidFill>
-                <a:schemeClr val="tx1">
+                <a:schemeClr val="bg2">
                   <a:lumMod val="50000"/>
-                  <a:lumOff val="50000"/>
                 </a:schemeClr>
               </a:solidFill>
             </a:endParaRPr>
           </a:p>
           <a:p>
-            <a:pPr>
-              <a:lnSpc>
-                <a:spcPct val="150000"/>
-              </a:lnSpc>
-            </a:pPr>
-            <a:r>
-              <a:rPr lang="en-CA" dirty="0">
-                <a:solidFill>
-                  <a:schemeClr val="tx1">
-                    <a:lumMod val="50000"/>
-                    <a:lumOff val="50000"/>
-                  </a:schemeClr>
-                </a:solidFill>
-              </a:rPr>
-              <a:t>Important features: </a:t>
-            </a:r>
-          </a:p>
-          <a:p>
             <a:pPr marL="285750" indent="-285750">
-              <a:lnSpc>
-                <a:spcPct val="150000"/>
-              </a:lnSpc>
               <a:buFont typeface="Arial" panose="020B0604020202020204" pitchFamily="34" charset="0"/>
               <a:buChar char="•"/>
             </a:pPr>
             <a:r>
               <a:rPr lang="en-CA" dirty="0">
                 <a:solidFill>
-                  <a:schemeClr val="tx1">
-                    <a:lumMod val="50000"/>
-                    <a:lumOff val="50000"/>
-                  </a:schemeClr>
-                </a:solidFill>
-              </a:rPr>
-              <a:t>Open standard</a:t>
-            </a:r>
-          </a:p>
-          <a:p>
-            <a:pPr marL="285750" indent="-285750">
-              <a:lnSpc>
-                <a:spcPct val="150000"/>
-              </a:lnSpc>
-              <a:buFont typeface="Arial" panose="020B0604020202020204" pitchFamily="34" charset="0"/>
-              <a:buChar char="•"/>
-            </a:pPr>
+                  <a:schemeClr val="bg2">
+                    <a:lumMod val="50000"/>
+                  </a:schemeClr>
+                </a:solidFill>
+              </a:rPr>
+              <a:t>35+ public repositories on github.com</a:t>
+            </a:r>
+          </a:p>
+          <a:p>
             <a:r>
               <a:rPr lang="en-CA" dirty="0">
                 <a:solidFill>
-                  <a:schemeClr val="tx1">
-                    <a:lumMod val="50000"/>
-                    <a:lumOff val="50000"/>
-                  </a:schemeClr>
-                </a:solidFill>
-              </a:rPr>
-              <a:t>Suited to work on any ordered, lossless, bidirectional connections </a:t>
-            </a:r>
-          </a:p>
-          <a:p>
-            <a:pPr marL="742950" lvl="1" indent="-285750">
-              <a:lnSpc>
-                <a:spcPct val="150000"/>
-              </a:lnSpc>
-              <a:buFont typeface="Arial" panose="020B0604020202020204" pitchFamily="34" charset="0"/>
-              <a:buChar char="•"/>
-            </a:pPr>
+                  <a:schemeClr val="bg2">
+                    <a:lumMod val="50000"/>
+                  </a:schemeClr>
+                </a:solidFill>
+              </a:rPr>
+              <a:t>    (MQTT, Oauth2, </a:t>
+            </a:r>
+            <a:r>
+              <a:rPr lang="en-CA" dirty="0" err="1">
+                <a:solidFill>
+                  <a:schemeClr val="bg2">
+                    <a:lumMod val="50000"/>
+                  </a:schemeClr>
+                </a:solidFill>
+              </a:rPr>
+              <a:t>OpenSerializer</a:t>
+            </a:r>
             <a:r>
               <a:rPr lang="en-CA" dirty="0">
                 <a:solidFill>
-                  <a:schemeClr val="tx1">
-                    <a:lumMod val="50000"/>
-                    <a:lumOff val="50000"/>
-                  </a:schemeClr>
-                </a:solidFill>
-              </a:rPr>
-              <a:t>TCP, WebSocket, Network Stream, Serial, …</a:t>
-            </a:r>
-          </a:p>
-          <a:p>
-            <a:pPr marL="285750" indent="-285750">
-              <a:lnSpc>
-                <a:spcPct val="150000"/>
-              </a:lnSpc>
-              <a:buFont typeface="Arial" panose="020B0604020202020204" pitchFamily="34" charset="0"/>
-              <a:buChar char="•"/>
-            </a:pPr>
-            <a:r>
-              <a:rPr lang="en-CA" dirty="0">
-                <a:solidFill>
-                  <a:schemeClr val="tx1">
-                    <a:lumMod val="50000"/>
-                    <a:lumOff val="50000"/>
-                  </a:schemeClr>
-                </a:solidFill>
-              </a:rPr>
-              <a:t>Client code is small and uncomplicated</a:t>
-            </a:r>
-          </a:p>
-          <a:p>
-            <a:pPr marL="742950" lvl="1" indent="-285750">
-              <a:lnSpc>
-                <a:spcPct val="150000"/>
-              </a:lnSpc>
-              <a:buFont typeface="Arial" panose="020B0604020202020204" pitchFamily="34" charset="0"/>
-              <a:buChar char="•"/>
-            </a:pPr>
-            <a:r>
-              <a:rPr lang="en-CA" dirty="0">
-                <a:solidFill>
-                  <a:schemeClr val="tx1">
-                    <a:lumMod val="50000"/>
-                    <a:lumOff val="50000"/>
-                  </a:schemeClr>
-                </a:solidFill>
-              </a:rPr>
-              <a:t>Ideal for low-bandwidth, low-energy devices</a:t>
-            </a:r>
-          </a:p>
-          <a:p>
-            <a:pPr marL="285750" indent="-285750">
-              <a:lnSpc>
-                <a:spcPct val="150000"/>
-              </a:lnSpc>
-              <a:buFont typeface="Arial" panose="020B0604020202020204" pitchFamily="34" charset="0"/>
-              <a:buChar char="•"/>
-            </a:pPr>
-            <a:r>
-              <a:rPr lang="en-CA" dirty="0">
-                <a:solidFill>
-                  <a:schemeClr val="tx1">
-                    <a:lumMod val="50000"/>
-                    <a:lumOff val="50000"/>
-                  </a:schemeClr>
-                </a:solidFill>
-              </a:rPr>
-              <a:t>Tolerant to high-latency connections</a:t>
-            </a:r>
-          </a:p>
-          <a:p>
-            <a:pPr marL="285750" indent="-285750">
-              <a:lnSpc>
-                <a:spcPct val="150000"/>
-              </a:lnSpc>
-              <a:buFont typeface="Arial" panose="020B0604020202020204" pitchFamily="34" charset="0"/>
-              <a:buChar char="•"/>
-            </a:pPr>
-            <a:r>
-              <a:rPr lang="en-CA" dirty="0">
-                <a:solidFill>
-                  <a:schemeClr val="tx1">
-                    <a:lumMod val="50000"/>
-                    <a:lumOff val="50000"/>
-                  </a:schemeClr>
-                </a:solidFill>
-              </a:rPr>
-              <a:t>Quality-of-Service delivery</a:t>
-            </a:r>
-          </a:p>
-          <a:p>
-            <a:pPr marL="285750" indent="-285750">
-              <a:lnSpc>
-                <a:spcPct val="150000"/>
-              </a:lnSpc>
-              <a:buFont typeface="Arial" panose="020B0604020202020204" pitchFamily="34" charset="0"/>
-              <a:buChar char="•"/>
-            </a:pPr>
-            <a:endParaRPr lang="en-CA" dirty="0">
-              <a:solidFill>
-                <a:schemeClr val="tx1">
-                  <a:lumMod val="50000"/>
-                  <a:lumOff val="50000"/>
-                </a:schemeClr>
-              </a:solidFill>
-            </a:endParaRPr>
-          </a:p>
-          <a:p>
-            <a:pPr marL="285750" indent="-285750">
-              <a:lnSpc>
-                <a:spcPct val="150000"/>
-              </a:lnSpc>
-              <a:buFont typeface="Arial" panose="020B0604020202020204" pitchFamily="34" charset="0"/>
-              <a:buChar char="•"/>
-            </a:pPr>
-            <a:endParaRPr lang="en-CA" dirty="0">
-              <a:solidFill>
-                <a:schemeClr val="tx1">
-                  <a:lumMod val="50000"/>
-                  <a:lumOff val="50000"/>
-                </a:schemeClr>
-              </a:solidFill>
-            </a:endParaRPr>
+                  <a:schemeClr val="bg2">
+                    <a:lumMod val="50000"/>
+                  </a:schemeClr>
+                </a:solidFill>
+              </a:rPr>
+              <a:t>, Epoch-Time, Cron, UI Tools, etc.)</a:t>
+            </a:r>
           </a:p>
         </p:txBody>
       </p:sp>
       <p:pic>
         <p:nvPicPr>
-          <p:cNvPr id="1026" name="Picture 2">
+          <p:cNvPr id="6146" name="Picture 2">
             <a:extLst>
               <a:ext uri="{FF2B5EF4-FFF2-40B4-BE49-F238E27FC236}">
-                <a16:creationId xmlns:a16="http://schemas.microsoft.com/office/drawing/2014/main" id="{0F8A3772-5F2F-E546-8EEB-FC2E940E5909}"/>
+                <a16:creationId xmlns:a16="http://schemas.microsoft.com/office/drawing/2014/main" xmlns="" id="{C4719B6A-8A66-F04D-852F-5122A974420A}"/>
               </a:ext>
             </a:extLst>
           </p:cNvPr>
@@ -9570,7 +10019,7 @@
           <p:nvPr/>
         </p:nvPicPr>
         <p:blipFill>
-          <a:blip r:embed="rId2">
+          <a:blip r:embed="rId3">
             <a:extLst>
               <a:ext uri="{28A0092B-C50C-407E-A947-70E740481C1C}">
                 <a14:useLocalDpi xmlns:a14="http://schemas.microsoft.com/office/drawing/2010/main" val="0"/>
@@ -9584,8 +10033,8 @@
         </p:blipFill>
         <p:spPr bwMode="auto">
           <a:xfrm>
-            <a:off x="1142480" y="576444"/>
-            <a:ext cx="2763811" cy="701749"/>
+            <a:off x="619057" y="4582543"/>
+            <a:ext cx="2356467" cy="894721"/>
           </a:xfrm>
           <a:prstGeom prst="rect">
             <a:avLst/>
@@ -9602,10 +10051,258 @@
           </a:extLst>
         </p:spPr>
       </p:pic>
+      <p:sp>
+        <p:nvSpPr>
+          <p:cNvPr id="5" name="ZoneTexte 4">
+            <a:extLst>
+              <a:ext uri="{FF2B5EF4-FFF2-40B4-BE49-F238E27FC236}">
+                <a16:creationId xmlns:a16="http://schemas.microsoft.com/office/drawing/2014/main" xmlns="" id="{D0507F7A-AAAF-9C4E-AA6B-B7FED37F7655}"/>
+              </a:ext>
+            </a:extLst>
+          </p:cNvPr>
+          <p:cNvSpPr txBox="1"/>
+          <p:nvPr/>
+        </p:nvSpPr>
+        <p:spPr>
+          <a:xfrm>
+            <a:off x="553309" y="5737991"/>
+            <a:ext cx="5072542" cy="584775"/>
+          </a:xfrm>
+          <a:prstGeom prst="rect">
+            <a:avLst/>
+          </a:prstGeom>
+          <a:noFill/>
+        </p:spPr>
+        <p:txBody>
+          <a:bodyPr wrap="none" rtlCol="0">
+            <a:spAutoFit/>
+          </a:bodyPr>
+          <a:lstStyle/>
+          <a:p>
+            <a:r>
+              <a:rPr lang="en-CA" sz="1600" dirty="0">
+                <a:solidFill>
+                  <a:schemeClr val="bg2">
+                    <a:lumMod val="50000"/>
+                  </a:schemeClr>
+                </a:solidFill>
+              </a:rPr>
+              <a:t>Maintainer of JKI’s </a:t>
+            </a:r>
+            <a:r>
+              <a:rPr lang="en-CA" sz="1600" dirty="0" err="1">
+                <a:solidFill>
+                  <a:schemeClr val="bg2">
+                    <a:lumMod val="50000"/>
+                  </a:schemeClr>
+                </a:solidFill>
+              </a:rPr>
+              <a:t>Caraya</a:t>
+            </a:r>
+            <a:r>
+              <a:rPr lang="en-CA" sz="1600" dirty="0">
+                <a:solidFill>
+                  <a:schemeClr val="bg2">
+                    <a:lumMod val="50000"/>
+                  </a:schemeClr>
+                </a:solidFill>
+              </a:rPr>
+              <a:t> Unit Test framework </a:t>
+            </a:r>
+          </a:p>
+          <a:p>
+            <a:r>
+              <a:rPr lang="en-CA" sz="1600" dirty="0">
+                <a:solidFill>
+                  <a:schemeClr val="bg2">
+                    <a:lumMod val="50000"/>
+                  </a:schemeClr>
+                </a:solidFill>
+              </a:rPr>
+              <a:t>Maintainer of JKI’s State Machine Objects framework</a:t>
+            </a:r>
+          </a:p>
+        </p:txBody>
+      </p:sp>
+      <p:pic>
+        <p:nvPicPr>
+          <p:cNvPr id="6148" name="Picture 4">
+            <a:extLst>
+              <a:ext uri="{FF2B5EF4-FFF2-40B4-BE49-F238E27FC236}">
+                <a16:creationId xmlns:a16="http://schemas.microsoft.com/office/drawing/2014/main" xmlns="" id="{A327771A-C547-CA43-A969-D2499410AE2B}"/>
+              </a:ext>
+            </a:extLst>
+          </p:cNvPr>
+          <p:cNvPicPr>
+            <a:picLocks noChangeAspect="1" noChangeArrowheads="1"/>
+          </p:cNvPicPr>
+          <p:nvPr/>
+        </p:nvPicPr>
+        <p:blipFill>
+          <a:blip r:embed="rId4">
+            <a:extLst>
+              <a:ext uri="{28A0092B-C50C-407E-A947-70E740481C1C}">
+                <a14:useLocalDpi xmlns:a14="http://schemas.microsoft.com/office/drawing/2010/main" val="0"/>
+              </a:ext>
+            </a:extLst>
+          </a:blip>
+          <a:srcRect/>
+          <a:stretch>
+            <a:fillRect/>
+          </a:stretch>
+        </p:blipFill>
+        <p:spPr bwMode="auto">
+          <a:xfrm>
+            <a:off x="3422764" y="4661154"/>
+            <a:ext cx="942703" cy="946474"/>
+          </a:xfrm>
+          <a:prstGeom prst="rect">
+            <a:avLst/>
+          </a:prstGeom>
+          <a:noFill/>
+          <a:extLst>
+            <a:ext uri="{909E8E84-426E-40DD-AFC4-6F175D3DCCD1}">
+              <a14:hiddenFill xmlns:a14="http://schemas.microsoft.com/office/drawing/2010/main">
+                <a:solidFill>
+                  <a:srgbClr val="FFFFFF"/>
+                </a:solidFill>
+              </a14:hiddenFill>
+            </a:ext>
+          </a:extLst>
+        </p:spPr>
+      </p:pic>
+      <p:pic>
+        <p:nvPicPr>
+          <p:cNvPr id="6152" name="Picture 8">
+            <a:extLst>
+              <a:ext uri="{FF2B5EF4-FFF2-40B4-BE49-F238E27FC236}">
+                <a16:creationId xmlns:a16="http://schemas.microsoft.com/office/drawing/2014/main" xmlns="" id="{49E0FDE4-5BA7-5944-ABBA-F1AC23681F79}"/>
+              </a:ext>
+            </a:extLst>
+          </p:cNvPr>
+          <p:cNvPicPr>
+            <a:picLocks noChangeAspect="1" noChangeArrowheads="1"/>
+          </p:cNvPicPr>
+          <p:nvPr/>
+        </p:nvPicPr>
+        <p:blipFill>
+          <a:blip r:embed="rId5">
+            <a:extLst>
+              <a:ext uri="{28A0092B-C50C-407E-A947-70E740481C1C}">
+                <a14:useLocalDpi xmlns:a14="http://schemas.microsoft.com/office/drawing/2010/main" val="0"/>
+              </a:ext>
+            </a:extLst>
+          </a:blip>
+          <a:srcRect/>
+          <a:stretch>
+            <a:fillRect/>
+          </a:stretch>
+        </p:blipFill>
+        <p:spPr bwMode="auto">
+          <a:xfrm>
+            <a:off x="10021372" y="3708574"/>
+            <a:ext cx="1395948" cy="1395948"/>
+          </a:xfrm>
+          <a:prstGeom prst="rect">
+            <a:avLst/>
+          </a:prstGeom>
+          <a:solidFill>
+            <a:schemeClr val="bg1"/>
+          </a:solidFill>
+        </p:spPr>
+      </p:pic>
+      <p:sp>
+        <p:nvSpPr>
+          <p:cNvPr id="6" name="Rectangle 5">
+            <a:extLst>
+              <a:ext uri="{FF2B5EF4-FFF2-40B4-BE49-F238E27FC236}">
+                <a16:creationId xmlns:a16="http://schemas.microsoft.com/office/drawing/2014/main" xmlns="" id="{98ABA5F3-F714-2C4C-ADB3-95A4E1397932}"/>
+              </a:ext>
+            </a:extLst>
+          </p:cNvPr>
+          <p:cNvSpPr/>
+          <p:nvPr/>
+        </p:nvSpPr>
+        <p:spPr>
+          <a:xfrm>
+            <a:off x="5453232" y="3703967"/>
+            <a:ext cx="4568140" cy="1400556"/>
+          </a:xfrm>
+          <a:prstGeom prst="rect">
+            <a:avLst/>
+          </a:prstGeom>
+          <a:solidFill>
+            <a:schemeClr val="bg1"/>
+          </a:solidFill>
+        </p:spPr>
+        <p:txBody>
+          <a:bodyPr wrap="square">
+            <a:spAutoFit/>
+          </a:bodyPr>
+          <a:lstStyle/>
+          <a:p>
+            <a:r>
+              <a:rPr lang="en-CA" dirty="0">
+                <a:solidFill>
+                  <a:schemeClr val="bg2">
+                    <a:lumMod val="50000"/>
+                  </a:schemeClr>
+                </a:solidFill>
+              </a:rPr>
+              <a:t>Board member at </a:t>
+            </a:r>
+            <a:r>
+              <a:rPr lang="en-CA" dirty="0" err="1">
+                <a:solidFill>
+                  <a:schemeClr val="bg2">
+                    <a:lumMod val="50000"/>
+                  </a:schemeClr>
+                </a:solidFill>
+              </a:rPr>
+              <a:t>GCentral</a:t>
+            </a:r>
+            <a:endParaRPr lang="en-CA" dirty="0">
+              <a:solidFill>
+                <a:schemeClr val="bg2">
+                  <a:lumMod val="50000"/>
+                </a:schemeClr>
+              </a:solidFill>
+            </a:endParaRPr>
+          </a:p>
+          <a:p>
+            <a:pPr marL="285750" indent="-285750">
+              <a:buFont typeface="Arial" panose="020B0604020202020204" pitchFamily="34" charset="0"/>
+              <a:buChar char="•"/>
+            </a:pPr>
+            <a:r>
+              <a:rPr lang="en-CA" sz="1600" dirty="0">
+                <a:solidFill>
+                  <a:schemeClr val="accent1"/>
+                </a:solidFill>
+              </a:rPr>
+              <a:t>Enabling the LabVIEW community to make the best version of itself.</a:t>
+            </a:r>
+          </a:p>
+          <a:p>
+            <a:pPr marL="285750" indent="-285750">
+              <a:buFont typeface="Arial" panose="020B0604020202020204" pitchFamily="34" charset="0"/>
+              <a:buChar char="•"/>
+            </a:pPr>
+            <a:r>
+              <a:rPr lang="en-CA" sz="1600" dirty="0">
+                <a:solidFill>
+                  <a:schemeClr val="accent1"/>
+                </a:solidFill>
+              </a:rPr>
+              <a:t>Improving our community's capability by removing barriers to collaboration.</a:t>
+            </a:r>
+          </a:p>
+        </p:txBody>
+      </p:sp>
     </p:spTree>
     <p:extLst>
       <p:ext uri="{BB962C8B-B14F-4D97-AF65-F5344CB8AC3E}">
-        <p14:creationId xmlns:p14="http://schemas.microsoft.com/office/powerpoint/2010/main" val="1486198817"/>
+        <p14:creationId xmlns:p14="http://schemas.microsoft.com/office/powerpoint/2010/main" val="3931541783"/>
       </p:ext>
     </p:extLst>
   </p:cSld>
@@ -9642,57 +10339,10 @@
       </p:grpSpPr>
       <p:sp>
         <p:nvSpPr>
-          <p:cNvPr id="2" name="Titre 1">
-            <a:extLst>
-              <a:ext uri="{FF2B5EF4-FFF2-40B4-BE49-F238E27FC236}">
-                <a16:creationId xmlns:a16="http://schemas.microsoft.com/office/drawing/2014/main" id="{F0F5FB5B-F05B-1F47-B07D-D6A34D391503}"/>
-              </a:ext>
-            </a:extLst>
-          </p:cNvPr>
-          <p:cNvSpPr>
-            <a:spLocks noGrp="1"/>
-          </p:cNvSpPr>
-          <p:nvPr>
-            <p:ph type="ctrTitle"/>
-          </p:nvPr>
-        </p:nvSpPr>
-        <p:spPr>
-          <a:xfrm>
-            <a:off x="1142480" y="255100"/>
-            <a:ext cx="7452174" cy="959225"/>
-          </a:xfrm>
-        </p:spPr>
-        <p:txBody>
-          <a:bodyPr>
-            <a:noAutofit/>
-          </a:bodyPr>
-          <a:lstStyle/>
-          <a:p>
-            <a:pPr algn="l">
-              <a:lnSpc>
-                <a:spcPct val="90000"/>
-              </a:lnSpc>
-            </a:pPr>
-            <a:r>
-              <a:rPr lang="en-CA" sz="4800" dirty="0"/>
-              <a:t>MQTT Implementation</a:t>
-            </a:r>
-            <a:endParaRPr lang="en-CA" sz="4800" dirty="0">
-              <a:solidFill>
-                <a:schemeClr val="tx1"/>
-              </a:solidFill>
-              <a:latin typeface="Arial" panose="020B0604020202020204" pitchFamily="34" charset="0"/>
-              <a:cs typeface="Arial" panose="020B0604020202020204" pitchFamily="34" charset="0"/>
-            </a:endParaRPr>
-          </a:p>
-        </p:txBody>
-      </p:sp>
-      <p:sp>
-        <p:nvSpPr>
           <p:cNvPr id="17" name="Rectangle 16">
             <a:extLst>
               <a:ext uri="{FF2B5EF4-FFF2-40B4-BE49-F238E27FC236}">
-                <a16:creationId xmlns:a16="http://schemas.microsoft.com/office/drawing/2014/main" id="{F58A4A3F-AA7F-D84F-AA08-7967BA455751}"/>
+                <a16:creationId xmlns:a16="http://schemas.microsoft.com/office/drawing/2014/main" xmlns="" id="{F58A4A3F-AA7F-D84F-AA08-7967BA455751}"/>
               </a:ext>
             </a:extLst>
           </p:cNvPr>
@@ -9702,7 +10352,7 @@
         <p:spPr>
           <a:xfrm>
             <a:off x="1142480" y="1544486"/>
-            <a:ext cx="4168129" cy="1703480"/>
+            <a:ext cx="7356501" cy="4750468"/>
           </a:xfrm>
           <a:prstGeom prst="rect">
             <a:avLst/>
@@ -9713,6 +10363,47 @@
             <a:spAutoFit/>
           </a:bodyPr>
           <a:lstStyle/>
+          <a:p>
+            <a:r>
+              <a:rPr lang="en-CA" dirty="0">
+                <a:solidFill>
+                  <a:schemeClr val="tx1">
+                    <a:lumMod val="50000"/>
+                    <a:lumOff val="50000"/>
+                  </a:schemeClr>
+                </a:solidFill>
+              </a:rPr>
+              <a:t>MQTT is a lightweight publish-subscribe protocol.</a:t>
+            </a:r>
+          </a:p>
+          <a:p>
+            <a:endParaRPr lang="en-CA" dirty="0">
+              <a:solidFill>
+                <a:schemeClr val="tx1">
+                  <a:lumMod val="50000"/>
+                  <a:lumOff val="50000"/>
+                </a:schemeClr>
+              </a:solidFill>
+            </a:endParaRPr>
+          </a:p>
+          <a:p>
+            <a:pPr>
+              <a:lnSpc>
+                <a:spcPct val="150000"/>
+              </a:lnSpc>
+            </a:pPr>
+            <a:r>
+              <a:rPr lang="en-CA" dirty="0">
+                <a:solidFill>
+                  <a:schemeClr val="tx1">
+                    <a:lumMod val="50000"/>
+                    <a:lumOff val="50000"/>
+                  </a:schemeClr>
+                </a:solidFill>
+              </a:rPr>
+              <a:t>Important features: </a:t>
+            </a:r>
+          </a:p>
           <a:p>
             <a:pPr marL="285750" indent="-285750">
               <a:lnSpc>
@@ -9730,7 +10421,7 @@
                   </a:schemeClr>
                 </a:solidFill>
               </a:rPr>
-              <a:t>Specifications (OASIS 3.1.1 and 5.0)</a:t>
+              <a:t>Open standard</a:t>
             </a:r>
           </a:p>
           <a:p>
@@ -9750,7 +10441,107 @@
                   </a:schemeClr>
                 </a:solidFill>
               </a:rPr>
-              <a:t>Control Packets</a:t>
+              <a:t>Suited to work on any ordered, lossless, bidirectional connections </a:t>
+            </a:r>
+          </a:p>
+          <a:p>
+            <a:pPr marL="742950" lvl="1" indent="-285750">
+              <a:lnSpc>
+                <a:spcPct val="150000"/>
+              </a:lnSpc>
+              <a:buFont typeface="Arial" panose="020B0604020202020204" pitchFamily="34" charset="0"/>
+              <a:buChar char="•"/>
+            </a:pPr>
+            <a:r>
+              <a:rPr lang="en-CA" dirty="0">
+                <a:solidFill>
+                  <a:schemeClr val="tx1">
+                    <a:lumMod val="50000"/>
+                    <a:lumOff val="50000"/>
+                  </a:schemeClr>
+                </a:solidFill>
+              </a:rPr>
+              <a:t>TCP, WebSocket, Network Stream, Serial, …</a:t>
+            </a:r>
+          </a:p>
+          <a:p>
+            <a:pPr marL="285750" indent="-285750">
+              <a:lnSpc>
+                <a:spcPct val="150000"/>
+              </a:lnSpc>
+              <a:buFont typeface="Arial" panose="020B0604020202020204" pitchFamily="34" charset="0"/>
+              <a:buChar char="•"/>
+            </a:pPr>
+            <a:r>
+              <a:rPr lang="en-CA" dirty="0">
+                <a:solidFill>
+                  <a:schemeClr val="tx1">
+                    <a:lumMod val="50000"/>
+                    <a:lumOff val="50000"/>
+                  </a:schemeClr>
+                </a:solidFill>
+              </a:rPr>
+              <a:t>Client code is small and uncomplicated</a:t>
+            </a:r>
+          </a:p>
+          <a:p>
+            <a:pPr marL="742950" lvl="1" indent="-285750">
+              <a:lnSpc>
+                <a:spcPct val="150000"/>
+              </a:lnSpc>
+              <a:buFont typeface="Arial" panose="020B0604020202020204" pitchFamily="34" charset="0"/>
+              <a:buChar char="•"/>
+            </a:pPr>
+            <a:r>
+              <a:rPr lang="en-CA" dirty="0">
+                <a:solidFill>
+                  <a:schemeClr val="tx1">
+                    <a:lumMod val="50000"/>
+                    <a:lumOff val="50000"/>
+                  </a:schemeClr>
+                </a:solidFill>
+              </a:rPr>
+              <a:t>Ideal for low-bandwidth, low-energy devices</a:t>
+            </a:r>
+          </a:p>
+          <a:p>
+            <a:pPr marL="285750" indent="-285750">
+              <a:lnSpc>
+                <a:spcPct val="150000"/>
+              </a:lnSpc>
+              <a:buFont typeface="Arial" panose="020B0604020202020204" pitchFamily="34" charset="0"/>
+              <a:buChar char="•"/>
+            </a:pPr>
+            <a:r>
+              <a:rPr lang="en-CA" dirty="0">
+                <a:solidFill>
+                  <a:schemeClr val="tx1">
+                    <a:lumMod val="50000"/>
+                    <a:lumOff val="50000"/>
+                  </a:schemeClr>
+                </a:solidFill>
+              </a:rPr>
+              <a:t>Tolerant to high-latency connections</a:t>
+            </a:r>
+          </a:p>
+          <a:p>
+            <a:pPr marL="285750" indent="-285750">
+              <a:lnSpc>
+                <a:spcPct val="150000"/>
+              </a:lnSpc>
+              <a:buFont typeface="Arial" panose="020B0604020202020204" pitchFamily="34" charset="0"/>
+              <a:buChar char="•"/>
+            </a:pPr>
+            <a:r>
+              <a:rPr lang="en-CA" dirty="0">
+                <a:solidFill>
+                  <a:schemeClr val="tx1">
+                    <a:lumMod val="50000"/>
+                    <a:lumOff val="50000"/>
+                  </a:schemeClr>
+                </a:solidFill>
+              </a:rPr>
+              <a:t>Quality-of-Service delivery</a:t>
             </a:r>
           </a:p>
           <a:p>
@@ -9771,10 +10562,12 @@
             </a:endParaRPr>
           </a:p>
           <a:p>
-            <a:pPr>
+            <a:pPr marL="285750" indent="-285750">
               <a:lnSpc>
                 <a:spcPct val="150000"/>
               </a:lnSpc>
+              <a:buFont typeface="Arial" panose="020B0604020202020204" pitchFamily="34" charset="0"/>
+              <a:buChar char="•"/>
             </a:pPr>
             <a:endParaRPr lang="en-CA" dirty="0">
               <a:solidFill>
@@ -9787,135 +10580,57 @@
           </a:p>
         </p:txBody>
       </p:sp>
-      <p:sp>
-        <p:nvSpPr>
-          <p:cNvPr id="3" name="ZoneTexte 2">
+      <p:pic>
+        <p:nvPicPr>
+          <p:cNvPr id="1026" name="Picture 2">
             <a:extLst>
               <a:ext uri="{FF2B5EF4-FFF2-40B4-BE49-F238E27FC236}">
-                <a16:creationId xmlns:a16="http://schemas.microsoft.com/office/drawing/2014/main" id="{B85983FC-029C-F046-A8FD-E9C2667353BE}"/>
+                <a16:creationId xmlns:a16="http://schemas.microsoft.com/office/drawing/2014/main" xmlns="" id="{0F8A3772-5F2F-E546-8EEB-FC2E940E5909}"/>
               </a:ext>
             </a:extLst>
           </p:cNvPr>
-          <p:cNvSpPr txBox="1"/>
+          <p:cNvPicPr>
+            <a:picLocks noChangeAspect="1" noChangeArrowheads="1"/>
+          </p:cNvPicPr>
           <p:nvPr/>
-        </p:nvSpPr>
-        <p:spPr>
+        </p:nvPicPr>
+        <p:blipFill>
+          <a:blip r:embed="rId2">
+            <a:extLst>
+              <a:ext uri="{28A0092B-C50C-407E-A947-70E740481C1C}">
+                <a14:useLocalDpi xmlns:a14="http://schemas.microsoft.com/office/drawing/2010/main" val="0"/>
+              </a:ext>
+            </a:extLst>
+          </a:blip>
+          <a:srcRect/>
+          <a:stretch>
+            <a:fillRect/>
+          </a:stretch>
+        </p:blipFill>
+        <p:spPr bwMode="auto">
           <a:xfrm>
-            <a:off x="2424628" y="2926080"/>
-            <a:ext cx="4887877" cy="2308324"/>
+            <a:off x="1142480" y="576444"/>
+            <a:ext cx="2763811" cy="701749"/>
           </a:xfrm>
           <a:prstGeom prst="rect">
             <a:avLst/>
           </a:prstGeom>
           <a:noFill/>
+          <a:extLst>
+            <a:ext uri="{909E8E84-426E-40DD-AFC4-6F175D3DCCD1}">
+              <a14:hiddenFill xmlns:a14="http://schemas.microsoft.com/office/drawing/2010/main">
+                <a:solidFill>
+                  <a:srgbClr val="FFFFFF"/>
+                </a:solidFill>
+              </a14:hiddenFill>
+            </a:ext>
+          </a:extLst>
         </p:spPr>
-        <p:txBody>
-          <a:bodyPr wrap="none" rtlCol="0">
-            <a:spAutoFit/>
-          </a:bodyPr>
-          <a:lstStyle/>
-          <a:p>
-            <a:r>
-              <a:rPr lang="fr-FR" dirty="0" err="1"/>
-              <a:t>Related</a:t>
-            </a:r>
-            <a:r>
-              <a:rPr lang="fr-FR" dirty="0"/>
-              <a:t> </a:t>
-            </a:r>
-            <a:r>
-              <a:rPr lang="fr-FR" dirty="0" err="1"/>
-              <a:t>packets</a:t>
-            </a:r>
-            <a:r>
-              <a:rPr lang="fr-FR" dirty="0"/>
-              <a:t>:</a:t>
-            </a:r>
-          </a:p>
-          <a:p>
-            <a:pPr marL="285750" indent="-285750">
-              <a:buFont typeface="Arial" panose="020B0604020202020204" pitchFamily="34" charset="0"/>
-              <a:buChar char="•"/>
-            </a:pPr>
-            <a:r>
-              <a:rPr lang="fr-FR" dirty="0"/>
-              <a:t>CONNECT, CONNACK</a:t>
-            </a:r>
-          </a:p>
-          <a:p>
-            <a:pPr marL="285750" indent="-285750">
-              <a:buFont typeface="Arial" panose="020B0604020202020204" pitchFamily="34" charset="0"/>
-              <a:buChar char="•"/>
-            </a:pPr>
-            <a:r>
-              <a:rPr lang="fr-FR" dirty="0"/>
-              <a:t>PUB, PUBACK, PUBREC, PUBREL, PUBCOMP</a:t>
-            </a:r>
-          </a:p>
-          <a:p>
-            <a:pPr marL="285750" indent="-285750">
-              <a:buFont typeface="Arial" panose="020B0604020202020204" pitchFamily="34" charset="0"/>
-              <a:buChar char="•"/>
-            </a:pPr>
-            <a:r>
-              <a:rPr lang="fr-FR" dirty="0"/>
-              <a:t>SUB, SUBACK</a:t>
-            </a:r>
-          </a:p>
-          <a:p>
-            <a:pPr marL="285750" indent="-285750">
-              <a:buFont typeface="Arial" panose="020B0604020202020204" pitchFamily="34" charset="0"/>
-              <a:buChar char="•"/>
-            </a:pPr>
-            <a:r>
-              <a:rPr lang="fr-FR" dirty="0"/>
-              <a:t>UNSUB, UNSUBACK</a:t>
-            </a:r>
-          </a:p>
-          <a:p>
-            <a:pPr marL="285750" indent="-285750">
-              <a:buFont typeface="Arial" panose="020B0604020202020204" pitchFamily="34" charset="0"/>
-              <a:buChar char="•"/>
-            </a:pPr>
-            <a:r>
-              <a:rPr lang="fr-FR" dirty="0"/>
-              <a:t>PINGREQ, PINGREC</a:t>
-            </a:r>
-          </a:p>
-          <a:p>
-            <a:pPr marL="285750" indent="-285750">
-              <a:buFont typeface="Arial" panose="020B0604020202020204" pitchFamily="34" charset="0"/>
-              <a:buChar char="•"/>
-            </a:pPr>
-            <a:r>
-              <a:rPr lang="fr-FR" dirty="0"/>
-              <a:t>DISCONNECT</a:t>
-            </a:r>
-          </a:p>
-          <a:p>
-            <a:pPr marL="285750" indent="-285750">
-              <a:buFont typeface="Arial" panose="020B0604020202020204" pitchFamily="34" charset="0"/>
-              <a:buChar char="•"/>
-            </a:pPr>
-            <a:r>
-              <a:rPr lang="fr-FR" dirty="0"/>
-              <a:t>AUTH (5.0 </a:t>
-            </a:r>
-            <a:r>
-              <a:rPr lang="fr-FR" dirty="0" err="1"/>
-              <a:t>only</a:t>
-            </a:r>
-            <a:r>
-              <a:rPr lang="fr-FR" dirty="0"/>
-              <a:t>)</a:t>
-            </a:r>
-          </a:p>
-        </p:txBody>
-      </p:sp>
+      </p:pic>
     </p:spTree>
     <p:extLst>
       <p:ext uri="{BB962C8B-B14F-4D97-AF65-F5344CB8AC3E}">
-        <p14:creationId xmlns:p14="http://schemas.microsoft.com/office/powerpoint/2010/main" val="3263316362"/>
+        <p14:creationId xmlns:p14="http://schemas.microsoft.com/office/powerpoint/2010/main" val="1486198817"/>
       </p:ext>
     </p:extLst>
   </p:cSld>
@@ -9955,7 +10670,7 @@
           <p:cNvPr id="2" name="Titre 1">
             <a:extLst>
               <a:ext uri="{FF2B5EF4-FFF2-40B4-BE49-F238E27FC236}">
-                <a16:creationId xmlns:a16="http://schemas.microsoft.com/office/drawing/2014/main" id="{F0F5FB5B-F05B-1F47-B07D-D6A34D391503}"/>
+                <a16:creationId xmlns:a16="http://schemas.microsoft.com/office/drawing/2014/main" xmlns="" id="{F0F5FB5B-F05B-1F47-B07D-D6A34D391503}"/>
               </a:ext>
             </a:extLst>
           </p:cNvPr>
@@ -9985,7 +10700,7 @@
             </a:pPr>
             <a:r>
               <a:rPr lang="en-CA" sz="4800" dirty="0"/>
-              <a:t>Quality of Service</a:t>
+              <a:t>MQTT Implementation</a:t>
             </a:r>
             <a:endParaRPr lang="en-CA" sz="4800" dirty="0">
               <a:solidFill>
@@ -10002,7 +10717,7 @@
           <p:cNvPr id="17" name="Rectangle 16">
             <a:extLst>
               <a:ext uri="{FF2B5EF4-FFF2-40B4-BE49-F238E27FC236}">
-                <a16:creationId xmlns:a16="http://schemas.microsoft.com/office/drawing/2014/main" id="{F58A4A3F-AA7F-D84F-AA08-7967BA455751}"/>
+                <a16:creationId xmlns:a16="http://schemas.microsoft.com/office/drawing/2014/main" xmlns="" id="{F58A4A3F-AA7F-D84F-AA08-7967BA455751}"/>
               </a:ext>
             </a:extLst>
           </p:cNvPr>
@@ -10011,23 +10726,25 @@
         </p:nvSpPr>
         <p:spPr>
           <a:xfrm>
-            <a:off x="847513" y="1465828"/>
-            <a:ext cx="8898916" cy="4196470"/>
+            <a:off x="1059107" y="1225015"/>
+            <a:ext cx="4168129" cy="1703480"/>
           </a:xfrm>
           <a:prstGeom prst="rect">
             <a:avLst/>
           </a:prstGeom>
         </p:spPr>
         <p:txBody>
-          <a:bodyPr wrap="square">
+          <a:bodyPr wrap="none">
             <a:spAutoFit/>
           </a:bodyPr>
           <a:lstStyle/>
           <a:p>
-            <a:pPr>
+            <a:pPr marL="285750" indent="-285750">
               <a:lnSpc>
                 <a:spcPct val="150000"/>
               </a:lnSpc>
+              <a:buFont typeface="Arial" panose="020B0604020202020204" pitchFamily="34" charset="0"/>
+              <a:buChar char="•"/>
             </a:pPr>
             <a:r>
               <a:rPr lang="en-CA" dirty="0">
@@ -10038,14 +10755,16 @@
                   </a:schemeClr>
                 </a:solidFill>
               </a:rPr>
-              <a:t>Quality of Service (QoS) defines the lifetime and ownership of exchanged messages.</a:t>
-            </a:r>
-          </a:p>
-          <a:p>
-            <a:pPr>
+              <a:t>Specifications (OASIS 3.1.1 and 5.0)</a:t>
+            </a:r>
+          </a:p>
+          <a:p>
+            <a:pPr marL="285750" indent="-285750">
               <a:lnSpc>
                 <a:spcPct val="150000"/>
               </a:lnSpc>
+              <a:buFont typeface="Arial" panose="020B0604020202020204" pitchFamily="34" charset="0"/>
+              <a:buChar char="•"/>
             </a:pPr>
             <a:r>
               <a:rPr lang="en-CA" dirty="0">
@@ -10056,7 +10775,7 @@
                   </a:schemeClr>
                 </a:solidFill>
               </a:rPr>
-              <a:t>QoS is based on the receiver’s preferences.</a:t>
+              <a:t>Control Packets</a:t>
             </a:r>
           </a:p>
           <a:p>
@@ -10077,131 +10796,98 @@
             </a:endParaRPr>
           </a:p>
           <a:p>
-            <a:pPr marL="285750" indent="-285750">
+            <a:pPr>
               <a:lnSpc>
                 <a:spcPct val="150000"/>
               </a:lnSpc>
-              <a:buFont typeface="Arial" panose="020B0604020202020204" pitchFamily="34" charset="0"/>
-              <a:buChar char="•"/>
             </a:pPr>
-            <a:r>
-              <a:rPr lang="en-CA" dirty="0">
-                <a:solidFill>
-                  <a:schemeClr val="tx1">
-                    <a:lumMod val="50000"/>
-                    <a:lumOff val="50000"/>
-                  </a:schemeClr>
-                </a:solidFill>
-              </a:rPr>
-              <a:t>QoS = 0 (At most once delivery)</a:t>
-            </a:r>
-          </a:p>
-          <a:p>
-            <a:pPr marL="742950" lvl="1" indent="-285750">
-              <a:lnSpc>
-                <a:spcPct val="150000"/>
-              </a:lnSpc>
-              <a:buFont typeface="Wingdings" pitchFamily="2" charset="2"/>
-              <a:buChar char="Ø"/>
-            </a:pPr>
-            <a:r>
-              <a:rPr lang="en-CA" dirty="0">
-                <a:solidFill>
-                  <a:schemeClr val="tx1">
-                    <a:lumMod val="50000"/>
-                    <a:lumOff val="50000"/>
-                  </a:schemeClr>
-                </a:solidFill>
-              </a:rPr>
-              <a:t>Fire and Forget</a:t>
-            </a:r>
-          </a:p>
-          <a:p>
-            <a:pPr marL="285750" indent="-285750">
-              <a:lnSpc>
-                <a:spcPct val="150000"/>
-              </a:lnSpc>
-              <a:buFont typeface="Arial" panose="020B0604020202020204" pitchFamily="34" charset="0"/>
-              <a:buChar char="•"/>
-            </a:pPr>
-            <a:r>
-              <a:rPr lang="en-CA" dirty="0">
-                <a:solidFill>
-                  <a:schemeClr val="tx1">
-                    <a:lumMod val="50000"/>
-                    <a:lumOff val="50000"/>
-                  </a:schemeClr>
-                </a:solidFill>
-              </a:rPr>
-              <a:t>QoS = 1 (At least once delivery)</a:t>
-            </a:r>
-          </a:p>
-          <a:p>
-            <a:pPr marL="742950" lvl="1" indent="-285750">
-              <a:lnSpc>
-                <a:spcPct val="150000"/>
-              </a:lnSpc>
-              <a:buFont typeface="Wingdings" pitchFamily="2" charset="2"/>
-              <a:buChar char="Ø"/>
-            </a:pPr>
-            <a:r>
-              <a:rPr lang="en-CA" dirty="0">
-                <a:solidFill>
-                  <a:schemeClr val="tx1">
-                    <a:lumMod val="50000"/>
-                    <a:lumOff val="50000"/>
-                  </a:schemeClr>
-                </a:solidFill>
-              </a:rPr>
-              <a:t>Acknowledges the message was received. Ack message could be lost</a:t>
-            </a:r>
-          </a:p>
-          <a:p>
-            <a:pPr marL="285750" indent="-285750">
-              <a:lnSpc>
-                <a:spcPct val="150000"/>
-              </a:lnSpc>
-              <a:buFont typeface="Arial" panose="020B0604020202020204" pitchFamily="34" charset="0"/>
-              <a:buChar char="•"/>
-            </a:pPr>
-            <a:r>
-              <a:rPr lang="en-CA" dirty="0">
-                <a:solidFill>
-                  <a:schemeClr val="tx1">
-                    <a:lumMod val="50000"/>
-                    <a:lumOff val="50000"/>
-                  </a:schemeClr>
-                </a:solidFill>
-              </a:rPr>
-              <a:t>QoS = 2 (Exactly once delivery)</a:t>
-            </a:r>
-          </a:p>
-          <a:p>
-            <a:pPr marL="742950" lvl="1" indent="-285750">
-              <a:lnSpc>
-                <a:spcPct val="150000"/>
-              </a:lnSpc>
-              <a:buFont typeface="Wingdings" pitchFamily="2" charset="2"/>
-              <a:buChar char="Ø"/>
-            </a:pPr>
-            <a:r>
-              <a:rPr lang="en-CA" dirty="0">
-                <a:solidFill>
-                  <a:schemeClr val="tx1">
-                    <a:lumMod val="50000"/>
-                    <a:lumOff val="50000"/>
-                  </a:schemeClr>
-                </a:solidFill>
-              </a:rPr>
-              <a:t>Acknowledges message was received and hold on to original message until sender acknowledges the acknowledgement.</a:t>
-            </a:r>
-          </a:p>
-        </p:txBody>
-      </p:sp>
+            <a:endParaRPr lang="en-CA" dirty="0">
+              <a:solidFill>
+                <a:schemeClr val="tx1">
+                  <a:lumMod val="50000"/>
+                  <a:lumOff val="50000"/>
+                </a:schemeClr>
+              </a:solidFill>
+            </a:endParaRPr>
+          </a:p>
+        </p:txBody>
+      </p:sp>
+      <p:pic>
+        <p:nvPicPr>
+          <p:cNvPr id="4" name="Picture 3"/>
+          <p:cNvPicPr>
+            <a:picLocks noChangeAspect="1"/>
+          </p:cNvPicPr>
+          <p:nvPr/>
+        </p:nvPicPr>
+        <p:blipFill>
+          <a:blip r:embed="rId2"/>
+          <a:stretch>
+            <a:fillRect/>
+          </a:stretch>
+        </p:blipFill>
+        <p:spPr>
+          <a:xfrm>
+            <a:off x="7044461" y="1656535"/>
+            <a:ext cx="4837110" cy="2721589"/>
+          </a:xfrm>
+          <a:prstGeom prst="rect">
+            <a:avLst/>
+          </a:prstGeom>
+        </p:spPr>
+      </p:pic>
+      <p:pic>
+        <p:nvPicPr>
+          <p:cNvPr id="5" name="Picture 4"/>
+          <p:cNvPicPr>
+            <a:picLocks noChangeAspect="1"/>
+          </p:cNvPicPr>
+          <p:nvPr/>
+        </p:nvPicPr>
+        <p:blipFill>
+          <a:blip r:embed="rId3"/>
+          <a:stretch>
+            <a:fillRect/>
+          </a:stretch>
+        </p:blipFill>
+        <p:spPr>
+          <a:xfrm>
+            <a:off x="961274" y="2482886"/>
+            <a:ext cx="5076190" cy="3790476"/>
+          </a:xfrm>
+          <a:prstGeom prst="rect">
+            <a:avLst/>
+          </a:prstGeom>
+        </p:spPr>
+      </p:pic>
+      <p:pic>
+        <p:nvPicPr>
+          <p:cNvPr id="6" name="Picture 5"/>
+          <p:cNvPicPr>
+            <a:picLocks noChangeAspect="1"/>
+          </p:cNvPicPr>
+          <p:nvPr/>
+        </p:nvPicPr>
+        <p:blipFill>
+          <a:blip r:embed="rId4"/>
+          <a:stretch>
+            <a:fillRect/>
+          </a:stretch>
+        </p:blipFill>
+        <p:spPr>
+          <a:xfrm>
+            <a:off x="7165797" y="4585489"/>
+            <a:ext cx="4559357" cy="2020071"/>
+          </a:xfrm>
+          <a:prstGeom prst="rect">
+            <a:avLst/>
+          </a:prstGeom>
+        </p:spPr>
+      </p:pic>
     </p:spTree>
     <p:extLst>
       <p:ext uri="{BB962C8B-B14F-4D97-AF65-F5344CB8AC3E}">
-        <p14:creationId xmlns:p14="http://schemas.microsoft.com/office/powerpoint/2010/main" val="1126678018"/>
+        <p14:creationId xmlns:p14="http://schemas.microsoft.com/office/powerpoint/2010/main" val="3263316362"/>
       </p:ext>
     </p:extLst>
   </p:cSld>
@@ -10241,7 +10927,7 @@
           <p:cNvPr id="2" name="Titre 1">
             <a:extLst>
               <a:ext uri="{FF2B5EF4-FFF2-40B4-BE49-F238E27FC236}">
-                <a16:creationId xmlns:a16="http://schemas.microsoft.com/office/drawing/2014/main" id="{F0F5FB5B-F05B-1F47-B07D-D6A34D391503}"/>
+                <a16:creationId xmlns:a16="http://schemas.microsoft.com/office/drawing/2014/main" xmlns="" id="{F0F5FB5B-F05B-1F47-B07D-D6A34D391503}"/>
               </a:ext>
             </a:extLst>
           </p:cNvPr>
@@ -10271,7 +10957,7 @@
             </a:pPr>
             <a:r>
               <a:rPr lang="en-CA" sz="4800" dirty="0"/>
-              <a:t>QoS Example</a:t>
+              <a:t>Quality of Service</a:t>
             </a:r>
             <a:endParaRPr lang="en-CA" sz="4800" dirty="0">
               <a:solidFill>
@@ -10288,7 +10974,7 @@
           <p:cNvPr id="17" name="Rectangle 16">
             <a:extLst>
               <a:ext uri="{FF2B5EF4-FFF2-40B4-BE49-F238E27FC236}">
-                <a16:creationId xmlns:a16="http://schemas.microsoft.com/office/drawing/2014/main" id="{F58A4A3F-AA7F-D84F-AA08-7967BA455751}"/>
+                <a16:creationId xmlns:a16="http://schemas.microsoft.com/office/drawing/2014/main" xmlns="" id="{F58A4A3F-AA7F-D84F-AA08-7967BA455751}"/>
               </a:ext>
             </a:extLst>
           </p:cNvPr>
@@ -10298,7 +10984,7 @@
         <p:spPr>
           <a:xfrm>
             <a:off x="847513" y="1465828"/>
-            <a:ext cx="8898916" cy="1287981"/>
+            <a:ext cx="8898916" cy="4196470"/>
           </a:xfrm>
           <a:prstGeom prst="rect">
             <a:avLst/>
@@ -10324,7 +11010,7 @@
                   </a:schemeClr>
                 </a:solidFill>
               </a:rPr>
-              <a:t>Setup: Broker + Two Clients</a:t>
+              <a:t>Quality of Service (QoS) defines the lifetime and ownership of exchanged messages.</a:t>
             </a:r>
           </a:p>
           <a:p>
@@ -10342,15 +11028,34 @@
                   </a:schemeClr>
                 </a:solidFill>
               </a:rPr>
-              <a:t>Show screenshot of Client 1 publishing with QoS = 1</a:t>
-            </a:r>
-          </a:p>
-          <a:p>
-            <a:pPr>
+              <a:t>QoS is based on the receiver’s preferences.</a:t>
+            </a:r>
+          </a:p>
+          <a:p>
+            <a:pPr marL="285750" indent="-285750">
               <a:lnSpc>
                 <a:spcPct val="150000"/>
               </a:lnSpc>
+              <a:buFont typeface="Arial" panose="020B0604020202020204" pitchFamily="34" charset="0"/>
+              <a:buChar char="•"/>
             </a:pPr>
+            <a:endParaRPr lang="en-CA" dirty="0">
+              <a:solidFill>
+                <a:schemeClr val="tx1">
+                  <a:lumMod val="50000"/>
+                  <a:lumOff val="50000"/>
+                </a:schemeClr>
+              </a:solidFill>
+            </a:endParaRPr>
+          </a:p>
+          <a:p>
+            <a:pPr marL="285750" indent="-285750">
+              <a:lnSpc>
+                <a:spcPct val="150000"/>
+              </a:lnSpc>
+              <a:buFont typeface="Arial" panose="020B0604020202020204" pitchFamily="34" charset="0"/>
+              <a:buChar char="•"/>
+            </a:pPr>
             <a:r>
               <a:rPr lang="en-CA" dirty="0">
                 <a:solidFill>
@@ -10360,7 +11065,107 @@
                   </a:schemeClr>
                 </a:solidFill>
               </a:rPr>
-              <a:t>And Client 2 subscribing with QoS = 2</a:t>
+              <a:t>QoS = 0 (At most once delivery)</a:t>
+            </a:r>
+          </a:p>
+          <a:p>
+            <a:pPr marL="742950" lvl="1" indent="-285750">
+              <a:lnSpc>
+                <a:spcPct val="150000"/>
+              </a:lnSpc>
+              <a:buFont typeface="Wingdings" pitchFamily="2" charset="2"/>
+              <a:buChar char="Ø"/>
+            </a:pPr>
+            <a:r>
+              <a:rPr lang="en-CA" dirty="0">
+                <a:solidFill>
+                  <a:schemeClr val="tx1">
+                    <a:lumMod val="50000"/>
+                    <a:lumOff val="50000"/>
+                  </a:schemeClr>
+                </a:solidFill>
+              </a:rPr>
+              <a:t>Fire and Forget</a:t>
+            </a:r>
+          </a:p>
+          <a:p>
+            <a:pPr marL="285750" indent="-285750">
+              <a:lnSpc>
+                <a:spcPct val="150000"/>
+              </a:lnSpc>
+              <a:buFont typeface="Arial" panose="020B0604020202020204" pitchFamily="34" charset="0"/>
+              <a:buChar char="•"/>
+            </a:pPr>
+            <a:r>
+              <a:rPr lang="en-CA" dirty="0">
+                <a:solidFill>
+                  <a:schemeClr val="tx1">
+                    <a:lumMod val="50000"/>
+                    <a:lumOff val="50000"/>
+                  </a:schemeClr>
+                </a:solidFill>
+              </a:rPr>
+              <a:t>QoS = 1 (At least once delivery)</a:t>
+            </a:r>
+          </a:p>
+          <a:p>
+            <a:pPr marL="742950" lvl="1" indent="-285750">
+              <a:lnSpc>
+                <a:spcPct val="150000"/>
+              </a:lnSpc>
+              <a:buFont typeface="Wingdings" pitchFamily="2" charset="2"/>
+              <a:buChar char="Ø"/>
+            </a:pPr>
+            <a:r>
+              <a:rPr lang="en-CA" dirty="0">
+                <a:solidFill>
+                  <a:schemeClr val="tx1">
+                    <a:lumMod val="50000"/>
+                    <a:lumOff val="50000"/>
+                  </a:schemeClr>
+                </a:solidFill>
+              </a:rPr>
+              <a:t>Acknowledges the message was received. Ack message could be lost</a:t>
+            </a:r>
+          </a:p>
+          <a:p>
+            <a:pPr marL="285750" indent="-285750">
+              <a:lnSpc>
+                <a:spcPct val="150000"/>
+              </a:lnSpc>
+              <a:buFont typeface="Arial" panose="020B0604020202020204" pitchFamily="34" charset="0"/>
+              <a:buChar char="•"/>
+            </a:pPr>
+            <a:r>
+              <a:rPr lang="en-CA" dirty="0">
+                <a:solidFill>
+                  <a:schemeClr val="tx1">
+                    <a:lumMod val="50000"/>
+                    <a:lumOff val="50000"/>
+                  </a:schemeClr>
+                </a:solidFill>
+              </a:rPr>
+              <a:t>QoS = 2 (Exactly once delivery)</a:t>
+            </a:r>
+          </a:p>
+          <a:p>
+            <a:pPr marL="742950" lvl="1" indent="-285750">
+              <a:lnSpc>
+                <a:spcPct val="150000"/>
+              </a:lnSpc>
+              <a:buFont typeface="Wingdings" pitchFamily="2" charset="2"/>
+              <a:buChar char="Ø"/>
+            </a:pPr>
+            <a:r>
+              <a:rPr lang="en-CA" dirty="0">
+                <a:solidFill>
+                  <a:schemeClr val="tx1">
+                    <a:lumMod val="50000"/>
+                    <a:lumOff val="50000"/>
+                  </a:schemeClr>
+                </a:solidFill>
+              </a:rPr>
+              <a:t>Acknowledges message was received and hold on to original message until sender acknowledges the acknowledgement.</a:t>
             </a:r>
           </a:p>
         </p:txBody>
@@ -10368,7 +11173,7 @@
     </p:spTree>
     <p:extLst>
       <p:ext uri="{BB962C8B-B14F-4D97-AF65-F5344CB8AC3E}">
-        <p14:creationId xmlns:p14="http://schemas.microsoft.com/office/powerpoint/2010/main" val="1185482167"/>
+        <p14:creationId xmlns:p14="http://schemas.microsoft.com/office/powerpoint/2010/main" val="1126678018"/>
       </p:ext>
     </p:extLst>
   </p:cSld>
@@ -10408,7 +11213,7 @@
           <p:cNvPr id="2" name="Titre 1">
             <a:extLst>
               <a:ext uri="{FF2B5EF4-FFF2-40B4-BE49-F238E27FC236}">
-                <a16:creationId xmlns:a16="http://schemas.microsoft.com/office/drawing/2014/main" id="{F0F5FB5B-F05B-1F47-B07D-D6A34D391503}"/>
+                <a16:creationId xmlns:a16="http://schemas.microsoft.com/office/drawing/2014/main" xmlns="" id="{F0F5FB5B-F05B-1F47-B07D-D6A34D391503}"/>
               </a:ext>
             </a:extLst>
           </p:cNvPr>
@@ -10438,7 +11243,7 @@
             </a:pPr>
             <a:r>
               <a:rPr lang="en-CA" sz="4800" dirty="0"/>
-              <a:t>LV-MQTT Broker and Client</a:t>
+              <a:t>QoS Example</a:t>
             </a:r>
             <a:endParaRPr lang="en-CA" sz="4800" dirty="0">
               <a:solidFill>
@@ -10455,7 +11260,7 @@
           <p:cNvPr id="17" name="Rectangle 16">
             <a:extLst>
               <a:ext uri="{FF2B5EF4-FFF2-40B4-BE49-F238E27FC236}">
-                <a16:creationId xmlns:a16="http://schemas.microsoft.com/office/drawing/2014/main" id="{F58A4A3F-AA7F-D84F-AA08-7967BA455751}"/>
+                <a16:creationId xmlns:a16="http://schemas.microsoft.com/office/drawing/2014/main" xmlns="" id="{F58A4A3F-AA7F-D84F-AA08-7967BA455751}"/>
               </a:ext>
             </a:extLst>
           </p:cNvPr>
@@ -10464,144 +11269,68 @@
         </p:nvSpPr>
         <p:spPr>
           <a:xfrm>
-            <a:off x="1142480" y="1544486"/>
-            <a:ext cx="2525050" cy="2949910"/>
+            <a:off x="847513" y="1156450"/>
+            <a:ext cx="8898916" cy="507831"/>
           </a:xfrm>
           <a:prstGeom prst="rect">
             <a:avLst/>
           </a:prstGeom>
         </p:spPr>
         <p:txBody>
-          <a:bodyPr wrap="none">
+          <a:bodyPr wrap="square">
             <a:spAutoFit/>
           </a:bodyPr>
           <a:lstStyle/>
-          <a:p>
-            <a:pPr marL="285750" indent="-285750">
-              <a:lnSpc>
-                <a:spcPct val="150000"/>
-              </a:lnSpc>
-              <a:buFont typeface="Arial" panose="020B0604020202020204" pitchFamily="34" charset="0"/>
-              <a:buChar char="•"/>
-            </a:pPr>
-            <a:r>
-              <a:rPr lang="en-CA" dirty="0">
-                <a:solidFill>
-                  <a:schemeClr val="tx1">
-                    <a:lumMod val="50000"/>
-                    <a:lumOff val="50000"/>
-                  </a:schemeClr>
-                </a:solidFill>
-              </a:rPr>
-              <a:t>Control Packets</a:t>
-            </a:r>
-          </a:p>
-          <a:p>
-            <a:pPr marL="285750" indent="-285750">
-              <a:lnSpc>
-                <a:spcPct val="150000"/>
-              </a:lnSpc>
-              <a:buFont typeface="Arial" panose="020B0604020202020204" pitchFamily="34" charset="0"/>
-              <a:buChar char="•"/>
-            </a:pPr>
-            <a:r>
-              <a:rPr lang="en-CA" dirty="0">
-                <a:solidFill>
-                  <a:schemeClr val="tx1">
-                    <a:lumMod val="50000"/>
-                    <a:lumOff val="50000"/>
-                  </a:schemeClr>
-                </a:solidFill>
-              </a:rPr>
-              <a:t>Base, Client, Server</a:t>
-            </a:r>
-          </a:p>
-          <a:p>
-            <a:pPr marL="285750" indent="-285750">
-              <a:lnSpc>
-                <a:spcPct val="150000"/>
-              </a:lnSpc>
-              <a:buFont typeface="Arial" panose="020B0604020202020204" pitchFamily="34" charset="0"/>
-              <a:buChar char="•"/>
-            </a:pPr>
-            <a:r>
-              <a:rPr lang="en-CA" dirty="0">
-                <a:solidFill>
-                  <a:schemeClr val="tx1">
-                    <a:lumMod val="50000"/>
-                    <a:lumOff val="50000"/>
-                  </a:schemeClr>
-                </a:solidFill>
-              </a:rPr>
-              <a:t>Connection Handler</a:t>
-            </a:r>
-          </a:p>
-          <a:p>
-            <a:pPr marL="285750" indent="-285750">
-              <a:lnSpc>
-                <a:spcPct val="150000"/>
-              </a:lnSpc>
-              <a:buFont typeface="Arial" panose="020B0604020202020204" pitchFamily="34" charset="0"/>
-              <a:buChar char="•"/>
-            </a:pPr>
-            <a:r>
-              <a:rPr lang="en-CA" dirty="0">
-                <a:solidFill>
-                  <a:schemeClr val="tx1">
-                    <a:lumMod val="50000"/>
-                    <a:lumOff val="50000"/>
-                  </a:schemeClr>
-                </a:solidFill>
-              </a:rPr>
-              <a:t>Session</a:t>
-            </a:r>
-          </a:p>
-          <a:p>
-            <a:pPr marL="285750" indent="-285750">
-              <a:lnSpc>
-                <a:spcPct val="150000"/>
-              </a:lnSpc>
-              <a:buFont typeface="Arial" panose="020B0604020202020204" pitchFamily="34" charset="0"/>
-              <a:buChar char="•"/>
-            </a:pPr>
-            <a:r>
-              <a:rPr lang="en-CA" dirty="0">
-                <a:solidFill>
-                  <a:schemeClr val="tx1">
-                    <a:lumMod val="50000"/>
-                    <a:lumOff val="50000"/>
-                  </a:schemeClr>
-                </a:solidFill>
-              </a:rPr>
-              <a:t>Connection</a:t>
-            </a:r>
-          </a:p>
-          <a:p>
-            <a:pPr marL="285750" indent="-285750">
-              <a:lnSpc>
-                <a:spcPct val="150000"/>
-              </a:lnSpc>
-              <a:buFont typeface="Arial" panose="020B0604020202020204" pitchFamily="34" charset="0"/>
-              <a:buChar char="•"/>
-            </a:pPr>
-            <a:r>
-              <a:rPr lang="en-CA" dirty="0">
-                <a:solidFill>
-                  <a:schemeClr val="tx1">
-                    <a:lumMod val="50000"/>
-                    <a:lumOff val="50000"/>
-                  </a:schemeClr>
-                </a:solidFill>
-              </a:rPr>
-              <a:t>Subscription</a:t>
-            </a:r>
-          </a:p>
           <a:p>
             <a:pPr>
               <a:lnSpc>
                 <a:spcPct val="150000"/>
               </a:lnSpc>
             </a:pPr>
+            <a:r>
+              <a:rPr lang="en-CA" dirty="0">
+                <a:solidFill>
+                  <a:schemeClr val="tx1">
+                    <a:lumMod val="50000"/>
+                    <a:lumOff val="50000"/>
+                  </a:schemeClr>
+                </a:solidFill>
+              </a:rPr>
+              <a:t>Setup: Broker + Two </a:t>
+            </a:r>
+            <a:r>
+              <a:rPr lang="en-CA" dirty="0" smtClean="0">
+                <a:solidFill>
+                  <a:schemeClr val="tx1">
+                    <a:lumMod val="50000"/>
+                    <a:lumOff val="50000"/>
+                  </a:schemeClr>
+                </a:solidFill>
+              </a:rPr>
+              <a:t>Clients (Publisher’s perspective with </a:t>
+            </a:r>
+            <a:r>
+              <a:rPr lang="en-CA" dirty="0" err="1" smtClean="0">
+                <a:solidFill>
+                  <a:schemeClr val="tx1">
+                    <a:lumMod val="50000"/>
+                    <a:lumOff val="50000"/>
+                  </a:schemeClr>
+                </a:solidFill>
+              </a:rPr>
+              <a:t>QoS</a:t>
+            </a:r>
+            <a:r>
+              <a:rPr lang="en-CA" dirty="0" smtClean="0">
+                <a:solidFill>
+                  <a:schemeClr val="tx1">
+                    <a:lumMod val="50000"/>
+                    <a:lumOff val="50000"/>
+                  </a:schemeClr>
+                </a:solidFill>
+              </a:rPr>
+              <a:t> = 0 Subscriber)</a:t>
+            </a:r>
             <a:endParaRPr lang="en-CA" dirty="0">
               <a:solidFill>
                 <a:schemeClr val="tx1">
@@ -10613,54 +11342,95 @@
           </a:p>
         </p:txBody>
       </p:sp>
-      <p:sp>
-        <p:nvSpPr>
-          <p:cNvPr id="3" name="ZoneTexte 2">
+      <p:pic>
+        <p:nvPicPr>
+          <p:cNvPr id="1026" name="Picture 2" descr="Message delivery at different QoS levels. Source: Patierno 2014, slide 8."/>
+          <p:cNvPicPr>
+            <a:picLocks noChangeAspect="1" noChangeArrowheads="1"/>
+          </p:cNvPicPr>
+          <p:nvPr/>
+        </p:nvPicPr>
+        <p:blipFill>
+          <a:blip r:embed="rId2">
             <a:extLst>
-              <a:ext uri="{FF2B5EF4-FFF2-40B4-BE49-F238E27FC236}">
-                <a16:creationId xmlns:a16="http://schemas.microsoft.com/office/drawing/2014/main" id="{5741EDE0-330E-EF43-B51C-FD3C5970B4C7}"/>
+              <a:ext uri="{28A0092B-C50C-407E-A947-70E740481C1C}">
+                <a14:useLocalDpi xmlns:a14="http://schemas.microsoft.com/office/drawing/2010/main" val="0"/>
               </a:ext>
             </a:extLst>
-          </p:cNvPr>
-          <p:cNvSpPr txBox="1"/>
-          <p:nvPr/>
-        </p:nvSpPr>
-        <p:spPr>
+          </a:blip>
+          <a:srcRect/>
+          <a:stretch>
+            <a:fillRect/>
+          </a:stretch>
+        </p:blipFill>
+        <p:spPr bwMode="auto">
           <a:xfrm>
-            <a:off x="5692878" y="2635045"/>
-            <a:ext cx="3239990" cy="369332"/>
+            <a:off x="1343642" y="1729185"/>
+            <a:ext cx="7906658" cy="4741719"/>
           </a:xfrm>
           <a:prstGeom prst="rect">
             <a:avLst/>
           </a:prstGeom>
           <a:noFill/>
+          <a:extLst>
+            <a:ext uri="{909E8E84-426E-40DD-AFC4-6F175D3DCCD1}">
+              <a14:hiddenFill xmlns:a14="http://schemas.microsoft.com/office/drawing/2010/main">
+                <a:solidFill>
+                  <a:srgbClr val="FFFFFF"/>
+                </a:solidFill>
+              </a14:hiddenFill>
+            </a:ext>
+          </a:extLst>
         </p:spPr>
-        <p:txBody>
-          <a:bodyPr wrap="none" rtlCol="0">
+      </p:pic>
+      <p:sp>
+        <p:nvSpPr>
+          <p:cNvPr id="5" name="Rectangle 4">
+            <a:extLst>
+              <a:ext uri="{FF2B5EF4-FFF2-40B4-BE49-F238E27FC236}">
+                <a16:creationId xmlns:a16="http://schemas.microsoft.com/office/drawing/2014/main" xmlns="" id="{F58A4A3F-AA7F-D84F-AA08-7967BA455751}"/>
+              </a:ext>
+            </a:extLst>
+          </p:cNvPr>
+          <p:cNvSpPr/>
+          <p:nvPr/>
+        </p:nvSpPr>
+        <p:spPr>
+          <a:xfrm>
+            <a:off x="1267987" y="6373052"/>
+            <a:ext cx="3631890" cy="415498"/>
+          </a:xfrm>
+          <a:prstGeom prst="rect">
+            <a:avLst/>
+          </a:prstGeom>
+        </p:spPr>
+        <p:txBody>
+          <a:bodyPr wrap="square">
             <a:spAutoFit/>
           </a:bodyPr>
           <a:lstStyle/>
           <a:p>
-            <a:r>
-              <a:rPr lang="fr-FR" dirty="0" err="1"/>
-              <a:t>Screenshot</a:t>
-            </a:r>
-            <a:r>
-              <a:rPr lang="fr-FR" dirty="0"/>
-              <a:t> of Class </a:t>
-            </a:r>
-            <a:r>
-              <a:rPr lang="fr-FR" dirty="0" err="1"/>
-              <a:t>Hierarchy</a:t>
-            </a:r>
-            <a:endParaRPr lang="fr-FR" dirty="0"/>
+            <a:pPr>
+              <a:lnSpc>
+                <a:spcPct val="150000"/>
+              </a:lnSpc>
+            </a:pPr>
+            <a:r>
+              <a:rPr lang="en-CA" sz="1400" dirty="0" smtClean="0"/>
+              <a:t>Credit: https</a:t>
+            </a:r>
+            <a:r>
+              <a:rPr lang="en-CA" sz="1400" dirty="0"/>
+              <a:t>://devopedia.org/mqtt</a:t>
+            </a:r>
+            <a:endParaRPr lang="en-CA" sz="1400" dirty="0"/>
           </a:p>
         </p:txBody>
       </p:sp>
     </p:spTree>
     <p:extLst>
       <p:ext uri="{BB962C8B-B14F-4D97-AF65-F5344CB8AC3E}">
-        <p14:creationId xmlns:p14="http://schemas.microsoft.com/office/powerpoint/2010/main" val="860038176"/>
+        <p14:creationId xmlns:p14="http://schemas.microsoft.com/office/powerpoint/2010/main" val="1185482167"/>
       </p:ext>
     </p:extLst>
   </p:cSld>
@@ -10700,7 +11470,7 @@
           <p:cNvPr id="2" name="Titre 1">
             <a:extLst>
               <a:ext uri="{FF2B5EF4-FFF2-40B4-BE49-F238E27FC236}">
-                <a16:creationId xmlns:a16="http://schemas.microsoft.com/office/drawing/2014/main" id="{F0F5FB5B-F05B-1F47-B07D-D6A34D391503}"/>
+                <a16:creationId xmlns:a16="http://schemas.microsoft.com/office/drawing/2014/main" xmlns="" id="{F0F5FB5B-F05B-1F47-B07D-D6A34D391503}"/>
               </a:ext>
             </a:extLst>
           </p:cNvPr>
@@ -10714,7 +11484,7 @@
         <p:spPr>
           <a:xfrm>
             <a:off x="1142480" y="255100"/>
-            <a:ext cx="7452174" cy="959225"/>
+            <a:ext cx="9124264" cy="959225"/>
           </a:xfrm>
         </p:spPr>
         <p:txBody>
@@ -10730,7 +11500,7 @@
             </a:pPr>
             <a:r>
               <a:rPr lang="en-CA" sz="4800" dirty="0"/>
-              <a:t>Test-Driven approach</a:t>
+              <a:t>LV-MQTT Broker and Client</a:t>
             </a:r>
             <a:endParaRPr lang="en-CA" sz="4800" dirty="0">
               <a:solidFill>
@@ -10747,7 +11517,7 @@
           <p:cNvPr id="17" name="Rectangle 16">
             <a:extLst>
               <a:ext uri="{FF2B5EF4-FFF2-40B4-BE49-F238E27FC236}">
-                <a16:creationId xmlns:a16="http://schemas.microsoft.com/office/drawing/2014/main" id="{F58A4A3F-AA7F-D84F-AA08-7967BA455751}"/>
+                <a16:creationId xmlns:a16="http://schemas.microsoft.com/office/drawing/2014/main" xmlns="" id="{F58A4A3F-AA7F-D84F-AA08-7967BA455751}"/>
               </a:ext>
             </a:extLst>
           </p:cNvPr>
@@ -10756,23 +11526,25 @@
         </p:nvSpPr>
         <p:spPr>
           <a:xfrm>
-            <a:off x="938084" y="1587516"/>
-            <a:ext cx="5157916" cy="3365473"/>
+            <a:off x="598470" y="2167988"/>
+            <a:ext cx="2525050" cy="2949910"/>
           </a:xfrm>
           <a:prstGeom prst="rect">
             <a:avLst/>
           </a:prstGeom>
         </p:spPr>
         <p:txBody>
-          <a:bodyPr wrap="square">
+          <a:bodyPr wrap="none">
             <a:spAutoFit/>
           </a:bodyPr>
           <a:lstStyle/>
           <a:p>
-            <a:pPr>
+            <a:pPr marL="285750" indent="-285750">
               <a:lnSpc>
                 <a:spcPct val="150000"/>
               </a:lnSpc>
+              <a:buFont typeface="Arial" panose="020B0604020202020204" pitchFamily="34" charset="0"/>
+              <a:buChar char="•"/>
             </a:pPr>
             <a:r>
               <a:rPr lang="en-CA" dirty="0">
@@ -10783,7 +11555,107 @@
                   </a:schemeClr>
                 </a:solidFill>
               </a:rPr>
-              <a:t>The OASIS MQTT 3.1.1 Specification has 141 normative requirements</a:t>
+              <a:t>Control Packets</a:t>
+            </a:r>
+          </a:p>
+          <a:p>
+            <a:pPr marL="285750" indent="-285750">
+              <a:lnSpc>
+                <a:spcPct val="150000"/>
+              </a:lnSpc>
+              <a:buFont typeface="Arial" panose="020B0604020202020204" pitchFamily="34" charset="0"/>
+              <a:buChar char="•"/>
+            </a:pPr>
+            <a:r>
+              <a:rPr lang="en-CA" dirty="0">
+                <a:solidFill>
+                  <a:schemeClr val="tx1">
+                    <a:lumMod val="50000"/>
+                    <a:lumOff val="50000"/>
+                  </a:schemeClr>
+                </a:solidFill>
+              </a:rPr>
+              <a:t>Base, Client, Server</a:t>
+            </a:r>
+          </a:p>
+          <a:p>
+            <a:pPr marL="285750" indent="-285750">
+              <a:lnSpc>
+                <a:spcPct val="150000"/>
+              </a:lnSpc>
+              <a:buFont typeface="Arial" panose="020B0604020202020204" pitchFamily="34" charset="0"/>
+              <a:buChar char="•"/>
+            </a:pPr>
+            <a:r>
+              <a:rPr lang="en-CA" dirty="0">
+                <a:solidFill>
+                  <a:schemeClr val="tx1">
+                    <a:lumMod val="50000"/>
+                    <a:lumOff val="50000"/>
+                  </a:schemeClr>
+                </a:solidFill>
+              </a:rPr>
+              <a:t>Connection Handler</a:t>
+            </a:r>
+          </a:p>
+          <a:p>
+            <a:pPr marL="285750" indent="-285750">
+              <a:lnSpc>
+                <a:spcPct val="150000"/>
+              </a:lnSpc>
+              <a:buFont typeface="Arial" panose="020B0604020202020204" pitchFamily="34" charset="0"/>
+              <a:buChar char="•"/>
+            </a:pPr>
+            <a:r>
+              <a:rPr lang="en-CA" dirty="0">
+                <a:solidFill>
+                  <a:schemeClr val="tx1">
+                    <a:lumMod val="50000"/>
+                    <a:lumOff val="50000"/>
+                  </a:schemeClr>
+                </a:solidFill>
+              </a:rPr>
+              <a:t>Session</a:t>
+            </a:r>
+          </a:p>
+          <a:p>
+            <a:pPr marL="285750" indent="-285750">
+              <a:lnSpc>
+                <a:spcPct val="150000"/>
+              </a:lnSpc>
+              <a:buFont typeface="Arial" panose="020B0604020202020204" pitchFamily="34" charset="0"/>
+              <a:buChar char="•"/>
+            </a:pPr>
+            <a:r>
+              <a:rPr lang="en-CA" dirty="0">
+                <a:solidFill>
+                  <a:schemeClr val="tx1">
+                    <a:lumMod val="50000"/>
+                    <a:lumOff val="50000"/>
+                  </a:schemeClr>
+                </a:solidFill>
+              </a:rPr>
+              <a:t>Connection</a:t>
+            </a:r>
+          </a:p>
+          <a:p>
+            <a:pPr marL="285750" indent="-285750">
+              <a:lnSpc>
+                <a:spcPct val="150000"/>
+              </a:lnSpc>
+              <a:buFont typeface="Arial" panose="020B0604020202020204" pitchFamily="34" charset="0"/>
+              <a:buChar char="•"/>
+            </a:pPr>
+            <a:r>
+              <a:rPr lang="en-CA" dirty="0">
+                <a:solidFill>
+                  <a:schemeClr val="tx1">
+                    <a:lumMod val="50000"/>
+                    <a:lumOff val="50000"/>
+                  </a:schemeClr>
+                </a:solidFill>
+              </a:rPr>
+              <a:t>Subscription</a:t>
             </a:r>
           </a:p>
           <a:p>
@@ -10801,75 +11673,11 @@
               </a:solidFill>
             </a:endParaRPr>
           </a:p>
-          <a:p>
-            <a:pPr>
-              <a:lnSpc>
-                <a:spcPct val="150000"/>
-              </a:lnSpc>
-            </a:pPr>
-            <a:r>
-              <a:rPr lang="en-CA" dirty="0">
-                <a:solidFill>
-                  <a:schemeClr val="tx1">
-                    <a:lumMod val="50000"/>
-                    <a:lumOff val="50000"/>
-                  </a:schemeClr>
-                </a:solidFill>
-              </a:rPr>
-              <a:t>LV-MQTT’s Unit Tests are covering 68 of these requirements, but implementation currently really covers: </a:t>
-            </a:r>
-          </a:p>
-          <a:p>
-            <a:pPr marL="285750" indent="-285750">
-              <a:lnSpc>
-                <a:spcPct val="150000"/>
-              </a:lnSpc>
-              <a:buFont typeface="Arial" panose="020B0604020202020204" pitchFamily="34" charset="0"/>
-              <a:buChar char="•"/>
-            </a:pPr>
-            <a:r>
-              <a:rPr lang="en-CA" dirty="0">
-                <a:solidFill>
-                  <a:schemeClr val="tx1">
-                    <a:lumMod val="50000"/>
-                    <a:lumOff val="50000"/>
-                  </a:schemeClr>
-                </a:solidFill>
-              </a:rPr>
-              <a:t>100% of Client requirements </a:t>
-            </a:r>
-          </a:p>
-          <a:p>
-            <a:pPr marL="285750" indent="-285750">
-              <a:lnSpc>
-                <a:spcPct val="150000"/>
-              </a:lnSpc>
-              <a:buFont typeface="Arial" panose="020B0604020202020204" pitchFamily="34" charset="0"/>
-              <a:buChar char="•"/>
-            </a:pPr>
-            <a:r>
-              <a:rPr lang="en-CA" dirty="0">
-                <a:solidFill>
-                  <a:schemeClr val="tx1">
-                    <a:lumMod val="50000"/>
-                    <a:lumOff val="50000"/>
-                  </a:schemeClr>
-                </a:solidFill>
-              </a:rPr>
-              <a:t>~90% of Server requirements</a:t>
-            </a:r>
-          </a:p>
         </p:txBody>
       </p:sp>
       <p:pic>
         <p:nvPicPr>
-          <p:cNvPr id="4" name="Image 3">
-            <a:extLst>
-              <a:ext uri="{FF2B5EF4-FFF2-40B4-BE49-F238E27FC236}">
-                <a16:creationId xmlns:a16="http://schemas.microsoft.com/office/drawing/2014/main" id="{F81F3AE4-60F1-C04E-94BC-7142C50F96D1}"/>
-              </a:ext>
-            </a:extLst>
-          </p:cNvPr>
+          <p:cNvPr id="8" name="Picture 7"/>
           <p:cNvPicPr>
             <a:picLocks noChangeAspect="1"/>
           </p:cNvPicPr>
@@ -10883,8 +11691,8 @@
         </p:blipFill>
         <p:spPr>
           <a:xfrm>
-            <a:off x="6371771" y="1230889"/>
-            <a:ext cx="5499339" cy="5372011"/>
+            <a:off x="3447975" y="1982654"/>
+            <a:ext cx="8309445" cy="3642641"/>
           </a:xfrm>
           <a:prstGeom prst="rect">
             <a:avLst/>
@@ -10894,7 +11702,7 @@
     </p:spTree>
     <p:extLst>
       <p:ext uri="{BB962C8B-B14F-4D97-AF65-F5344CB8AC3E}">
-        <p14:creationId xmlns:p14="http://schemas.microsoft.com/office/powerpoint/2010/main" val="2028010127"/>
+        <p14:creationId xmlns:p14="http://schemas.microsoft.com/office/powerpoint/2010/main" val="860038176"/>
       </p:ext>
     </p:extLst>
   </p:cSld>

--- a/UKTAG 20210528 MQTT.pptx
+++ b/UKTAG 20210528 MQTT.pptx
@@ -9126,8 +9126,8 @@
         </p:nvSpPr>
         <p:spPr>
           <a:xfrm>
-            <a:off x="1110207" y="1874627"/>
-            <a:ext cx="5741846" cy="3416320"/>
+            <a:off x="1110206" y="1603524"/>
+            <a:ext cx="6707913" cy="3416320"/>
           </a:xfrm>
           <a:prstGeom prst="rect">
             <a:avLst/>
@@ -9446,6 +9446,50 @@
               <a:buChar char="•"/>
             </a:pPr>
             <a:r>
+              <a:rPr lang="fr-CA" dirty="0" err="1">
+                <a:solidFill>
+                  <a:schemeClr val="tx1">
+                    <a:lumMod val="50000"/>
+                    <a:lumOff val="50000"/>
+                  </a:schemeClr>
+                </a:solidFill>
+              </a:rPr>
+              <a:t>Corresponded</a:t>
+            </a:r>
+            <a:r>
+              <a:rPr lang="fr-CA" dirty="0">
+                <a:solidFill>
+                  <a:schemeClr val="tx1">
+                    <a:lumMod val="50000"/>
+                    <a:lumOff val="50000"/>
+                  </a:schemeClr>
+                </a:solidFill>
+              </a:rPr>
+              <a:t> </a:t>
+            </a:r>
+            <a:r>
+              <a:rPr lang="fr-CA" dirty="0" err="1">
+                <a:solidFill>
+                  <a:schemeClr val="tx1">
+                    <a:lumMod val="50000"/>
+                    <a:lumOff val="50000"/>
+                  </a:schemeClr>
+                </a:solidFill>
+              </a:rPr>
+              <a:t>profusely</a:t>
+            </a:r>
+            <a:r>
+              <a:rPr lang="fr-CA" dirty="0">
+                <a:solidFill>
+                  <a:schemeClr val="tx1">
+                    <a:lumMod val="50000"/>
+                    <a:lumOff val="50000"/>
+                  </a:schemeClr>
+                </a:solidFill>
+              </a:rPr>
+              <a:t> </a:t>
+            </a:r>
+            <a:r>
               <a:rPr lang="fr-CA" dirty="0" err="1" smtClean="0">
                 <a:solidFill>
                   <a:schemeClr val="tx1">
@@ -9454,7 +9498,7 @@
                   </a:schemeClr>
                 </a:solidFill>
               </a:rPr>
-              <a:t>Add</a:t>
+              <a:t>with</a:t>
             </a:r>
             <a:r>
               <a:rPr lang="fr-CA" dirty="0" smtClean="0">
@@ -9465,7 +9509,7 @@
                   </a:schemeClr>
                 </a:solidFill>
               </a:rPr>
-              <a:t> to use a </a:t>
+              <a:t> Carl Friedrich Gauss and </a:t>
             </a:r>
             <a:r>
               <a:rPr lang="fr-CA" dirty="0" err="1" smtClean="0">
@@ -9476,6 +9520,50 @@
                   </a:schemeClr>
                 </a:solidFill>
               </a:rPr>
+              <a:t>others</a:t>
+            </a:r>
+            <a:r>
+              <a:rPr lang="fr-CA" dirty="0" smtClean="0">
+                <a:solidFill>
+                  <a:schemeClr val="tx1">
+                    <a:lumMod val="50000"/>
+                    <a:lumOff val="50000"/>
+                  </a:schemeClr>
+                </a:solidFill>
+              </a:rPr>
+              <a:t>, </a:t>
+            </a:r>
+            <a:r>
+              <a:rPr lang="fr-CA" dirty="0" err="1" smtClean="0">
+                <a:solidFill>
+                  <a:schemeClr val="tx1">
+                    <a:lumMod val="50000"/>
+                    <a:lumOff val="50000"/>
+                  </a:schemeClr>
+                </a:solidFill>
+              </a:rPr>
+              <a:t>using</a:t>
+            </a:r>
+            <a:r>
+              <a:rPr lang="fr-CA" dirty="0" smtClean="0">
+                <a:solidFill>
+                  <a:schemeClr val="tx1">
+                    <a:lumMod val="50000"/>
+                    <a:lumOff val="50000"/>
+                  </a:schemeClr>
+                </a:solidFill>
+              </a:rPr>
+              <a:t> the </a:t>
+            </a:r>
+            <a:r>
+              <a:rPr lang="en-CA" dirty="0" smtClean="0">
+                <a:solidFill>
+                  <a:schemeClr val="tx1">
+                    <a:lumMod val="50000"/>
+                    <a:lumOff val="50000"/>
+                  </a:schemeClr>
+                </a:solidFill>
+              </a:rPr>
               <a:t>pseudonym</a:t>
             </a:r>
             <a:r>
@@ -9487,95 +9575,31 @@
                   </a:schemeClr>
                 </a:solidFill>
               </a:rPr>
-              <a:t> to </a:t>
-            </a:r>
-            <a:r>
-              <a:rPr lang="fr-CA" dirty="0" err="1" smtClean="0">
-                <a:solidFill>
-                  <a:schemeClr val="tx1">
-                    <a:lumMod val="50000"/>
-                    <a:lumOff val="50000"/>
-                  </a:schemeClr>
-                </a:solidFill>
-              </a:rPr>
-              <a:t>get</a:t>
-            </a:r>
-            <a:r>
-              <a:rPr lang="fr-CA" dirty="0" smtClean="0">
-                <a:solidFill>
-                  <a:schemeClr val="tx1">
-                    <a:lumMod val="50000"/>
-                    <a:lumOff val="50000"/>
-                  </a:schemeClr>
-                </a:solidFill>
-              </a:rPr>
-              <a:t> in the math </a:t>
-            </a:r>
-            <a:r>
-              <a:rPr lang="fr-CA" dirty="0" err="1" smtClean="0">
-                <a:solidFill>
-                  <a:schemeClr val="tx1">
-                    <a:lumMod val="50000"/>
-                    <a:lumOff val="50000"/>
-                  </a:schemeClr>
-                </a:solidFill>
-              </a:rPr>
-              <a:t>academic</a:t>
-            </a:r>
-            <a:r>
-              <a:rPr lang="fr-CA" dirty="0" smtClean="0">
-                <a:solidFill>
-                  <a:schemeClr val="tx1">
-                    <a:lumMod val="50000"/>
-                    <a:lumOff val="50000"/>
-                  </a:schemeClr>
-                </a:solidFill>
-              </a:rPr>
               <a:t> </a:t>
             </a:r>
             <a:r>
-              <a:rPr lang="fr-CA" dirty="0" err="1" smtClean="0">
-                <a:solidFill>
-                  <a:schemeClr val="tx1">
-                    <a:lumMod val="50000"/>
-                    <a:lumOff val="50000"/>
-                  </a:schemeClr>
-                </a:solidFill>
-              </a:rPr>
-              <a:t>circles</a:t>
-            </a:r>
-            <a:r>
-              <a:rPr lang="fr-CA" dirty="0" smtClean="0">
-                <a:solidFill>
-                  <a:schemeClr val="tx1">
-                    <a:lumMod val="50000"/>
-                    <a:lumOff val="50000"/>
-                  </a:schemeClr>
-                </a:solidFill>
-              </a:rPr>
-              <a:t> (Antoine </a:t>
-            </a:r>
-            <a:r>
-              <a:rPr lang="fr-CA" dirty="0">
-                <a:solidFill>
-                  <a:schemeClr val="tx1">
-                    <a:lumMod val="50000"/>
-                    <a:lumOff val="50000"/>
-                  </a:schemeClr>
+              <a:rPr lang="fr-CA" i="1" dirty="0" smtClean="0">
+                <a:solidFill>
+                  <a:srgbClr val="0070C0"/>
+                </a:solidFill>
+              </a:rPr>
+              <a:t>Antoine </a:t>
+            </a:r>
+            <a:r>
+              <a:rPr lang="fr-CA" i="1" dirty="0">
+                <a:solidFill>
+                  <a:srgbClr val="0070C0"/>
                 </a:solidFill>
               </a:rPr>
               <a:t>Auguste Le </a:t>
             </a:r>
             <a:r>
-              <a:rPr lang="fr-CA" dirty="0" smtClean="0">
-                <a:solidFill>
-                  <a:schemeClr val="tx1">
-                    <a:lumMod val="50000"/>
-                    <a:lumOff val="50000"/>
-                  </a:schemeClr>
-                </a:solidFill>
-              </a:rPr>
-              <a:t>Blanc)</a:t>
+              <a:rPr lang="fr-CA" i="1" dirty="0" smtClean="0">
+                <a:solidFill>
+                  <a:srgbClr val="0070C0"/>
+                </a:solidFill>
+              </a:rPr>
+              <a:t>Blanc</a:t>
             </a:r>
           </a:p>
           <a:p>
@@ -9628,7 +9652,7 @@
                   </a:schemeClr>
                 </a:solidFill>
               </a:rPr>
-              <a:t> Carl Friedrich Gauss </a:t>
+              <a:t> Pr. Gauss </a:t>
             </a:r>
             <a:r>
               <a:rPr lang="fr-CA" dirty="0" err="1" smtClean="0">
@@ -9694,7 +9718,161 @@
                   </a:schemeClr>
                 </a:solidFill>
               </a:rPr>
-              <a:t>…</a:t>
+              <a:t>… and </a:t>
+            </a:r>
+            <a:r>
+              <a:rPr lang="fr-CA" dirty="0" err="1" smtClean="0">
+                <a:solidFill>
+                  <a:schemeClr val="tx1">
+                    <a:lumMod val="50000"/>
+                    <a:lumOff val="50000"/>
+                  </a:schemeClr>
+                </a:solidFill>
+              </a:rPr>
+              <a:t>when</a:t>
+            </a:r>
+            <a:r>
+              <a:rPr lang="fr-CA" dirty="0" smtClean="0">
+                <a:solidFill>
+                  <a:schemeClr val="tx1">
+                    <a:lumMod val="50000"/>
+                    <a:lumOff val="50000"/>
+                  </a:schemeClr>
+                </a:solidFill>
+              </a:rPr>
+              <a:t> </a:t>
+            </a:r>
+            <a:r>
+              <a:rPr lang="fr-CA" dirty="0" err="1" smtClean="0">
+                <a:solidFill>
+                  <a:schemeClr val="tx1">
+                    <a:lumMod val="50000"/>
+                    <a:lumOff val="50000"/>
+                  </a:schemeClr>
+                </a:solidFill>
+              </a:rPr>
+              <a:t>he</a:t>
+            </a:r>
+            <a:r>
+              <a:rPr lang="fr-CA" dirty="0" smtClean="0">
+                <a:solidFill>
+                  <a:schemeClr val="tx1">
+                    <a:lumMod val="50000"/>
+                    <a:lumOff val="50000"/>
+                  </a:schemeClr>
+                </a:solidFill>
+              </a:rPr>
+              <a:t> </a:t>
+            </a:r>
+            <a:r>
+              <a:rPr lang="fr-CA" dirty="0" err="1" smtClean="0">
+                <a:solidFill>
+                  <a:schemeClr val="tx1">
+                    <a:lumMod val="50000"/>
+                    <a:lumOff val="50000"/>
+                  </a:schemeClr>
+                </a:solidFill>
+              </a:rPr>
+              <a:t>learned</a:t>
+            </a:r>
+            <a:r>
+              <a:rPr lang="fr-CA" dirty="0" smtClean="0">
+                <a:solidFill>
+                  <a:schemeClr val="tx1">
+                    <a:lumMod val="50000"/>
+                    <a:lumOff val="50000"/>
+                  </a:schemeClr>
+                </a:solidFill>
+              </a:rPr>
+              <a:t> </a:t>
+            </a:r>
+            <a:r>
+              <a:rPr lang="fr-CA" dirty="0" err="1" smtClean="0">
+                <a:solidFill>
+                  <a:schemeClr val="tx1">
+                    <a:lumMod val="50000"/>
+                    <a:lumOff val="50000"/>
+                  </a:schemeClr>
+                </a:solidFill>
+              </a:rPr>
+              <a:t>who</a:t>
+            </a:r>
+            <a:r>
+              <a:rPr lang="fr-CA" dirty="0" smtClean="0">
+                <a:solidFill>
+                  <a:schemeClr val="tx1">
+                    <a:lumMod val="50000"/>
+                    <a:lumOff val="50000"/>
+                  </a:schemeClr>
+                </a:solidFill>
+              </a:rPr>
+              <a:t> </a:t>
+            </a:r>
+            <a:r>
+              <a:rPr lang="fr-CA" dirty="0" err="1" smtClean="0">
+                <a:solidFill>
+                  <a:schemeClr val="tx1">
+                    <a:lumMod val="50000"/>
+                    <a:lumOff val="50000"/>
+                  </a:schemeClr>
+                </a:solidFill>
+              </a:rPr>
+              <a:t>she</a:t>
+            </a:r>
+            <a:r>
+              <a:rPr lang="fr-CA" dirty="0" smtClean="0">
+                <a:solidFill>
+                  <a:schemeClr val="tx1">
+                    <a:lumMod val="50000"/>
+                    <a:lumOff val="50000"/>
+                  </a:schemeClr>
+                </a:solidFill>
+              </a:rPr>
+              <a:t> </a:t>
+            </a:r>
+            <a:r>
+              <a:rPr lang="fr-CA" dirty="0" err="1" smtClean="0">
+                <a:solidFill>
+                  <a:schemeClr val="tx1">
+                    <a:lumMod val="50000"/>
+                    <a:lumOff val="50000"/>
+                  </a:schemeClr>
+                </a:solidFill>
+              </a:rPr>
+              <a:t>actually</a:t>
+            </a:r>
+            <a:r>
+              <a:rPr lang="fr-CA" dirty="0" smtClean="0">
+                <a:solidFill>
+                  <a:schemeClr val="tx1">
+                    <a:lumMod val="50000"/>
+                    <a:lumOff val="50000"/>
+                  </a:schemeClr>
+                </a:solidFill>
+              </a:rPr>
+              <a:t> </a:t>
+            </a:r>
+            <a:r>
+              <a:rPr lang="fr-CA" dirty="0" err="1" smtClean="0">
+                <a:solidFill>
+                  <a:schemeClr val="tx1">
+                    <a:lumMod val="50000"/>
+                    <a:lumOff val="50000"/>
+                  </a:schemeClr>
+                </a:solidFill>
+              </a:rPr>
+              <a:t>was</a:t>
+            </a:r>
+            <a:r>
+              <a:rPr lang="fr-CA" dirty="0" smtClean="0">
+                <a:solidFill>
+                  <a:schemeClr val="tx1">
+                    <a:lumMod val="50000"/>
+                    <a:lumOff val="50000"/>
+                  </a:schemeClr>
+                </a:solidFill>
+              </a:rPr>
+              <a:t>.</a:t>
             </a:r>
           </a:p>
           <a:p>

--- a/UKTAG 20210528 MQTT.pptx
+++ b/UKTAG 20210528 MQTT.pptx
@@ -7626,8 +7626,8 @@
         </p:nvSpPr>
         <p:spPr>
           <a:xfrm>
-            <a:off x="1142480" y="1418363"/>
-            <a:ext cx="7754094" cy="4611968"/>
+            <a:off x="1142480" y="1214325"/>
+            <a:ext cx="7754094" cy="5493812"/>
           </a:xfrm>
           <a:prstGeom prst="rect">
             <a:avLst/>
@@ -7638,6 +7638,34 @@
             <a:spAutoFit/>
           </a:bodyPr>
           <a:lstStyle/>
+          <a:p>
+            <a:pPr>
+              <a:lnSpc>
+                <a:spcPct val="150000"/>
+              </a:lnSpc>
+            </a:pPr>
+            <a:r>
+              <a:rPr lang="en-CA" dirty="0" smtClean="0">
+                <a:solidFill>
+                  <a:schemeClr val="accent6"/>
+                </a:solidFill>
+              </a:rPr>
+              <a:t>Strategy</a:t>
+            </a:r>
+            <a:r>
+              <a:rPr lang="fr-CA" dirty="0" smtClean="0">
+                <a:solidFill>
+                  <a:schemeClr val="accent6"/>
+                </a:solidFill>
+              </a:rPr>
+              <a:t> Pattern</a:t>
+            </a:r>
+            <a:endParaRPr lang="en-CA" dirty="0" smtClean="0">
+              <a:solidFill>
+                <a:schemeClr val="accent6"/>
+              </a:solidFill>
+            </a:endParaRPr>
+          </a:p>
           <a:p>
             <a:pPr marL="285750" indent="-285750">
               <a:lnSpc>
@@ -7647,6 +7675,17 @@
               <a:buChar char="•"/>
             </a:pPr>
             <a:r>
+              <a:rPr lang="en-CA" dirty="0" smtClean="0">
+                <a:solidFill>
+                  <a:schemeClr val="tx1">
+                    <a:lumMod val="50000"/>
+                    <a:lumOff val="50000"/>
+                  </a:schemeClr>
+                </a:solidFill>
+              </a:rPr>
+              <a:t>Connection </a:t>
+            </a:r>
+            <a:r>
               <a:rPr lang="en-CA" dirty="0">
                 <a:solidFill>
                   <a:schemeClr val="tx1">
@@ -7655,7 +7694,7 @@
                   </a:schemeClr>
                 </a:solidFill>
               </a:rPr>
-              <a:t>Connection (show example TCP, Local Queue, WS, …)</a:t>
+              <a:t>(show example TCP, Local Queue, WS, …)</a:t>
             </a:r>
           </a:p>
           <a:p>
@@ -7675,8 +7714,36 @@
                   </a:schemeClr>
                 </a:solidFill>
               </a:rPr>
-              <a:t>Serializer (show example LabVIEW Flatten String, Base64, JSON, …)</a:t>
-            </a:r>
+              <a:t>Tracing / Logging</a:t>
+            </a:r>
+          </a:p>
+          <a:p>
+            <a:pPr>
+              <a:lnSpc>
+                <a:spcPct val="150000"/>
+              </a:lnSpc>
+            </a:pPr>
+            <a:r>
+              <a:rPr lang="en-CA" dirty="0" smtClean="0">
+                <a:solidFill>
+                  <a:schemeClr val="accent6"/>
+                </a:solidFill>
+              </a:rPr>
+              <a:t>Visitor</a:t>
+            </a:r>
+            <a:r>
+              <a:rPr lang="fr-CA" dirty="0" smtClean="0">
+                <a:solidFill>
+                  <a:schemeClr val="accent6"/>
+                </a:solidFill>
+              </a:rPr>
+              <a:t> Pattern</a:t>
+            </a:r>
+            <a:endParaRPr lang="en-CA" dirty="0" smtClean="0">
+              <a:solidFill>
+                <a:schemeClr val="accent6"/>
+              </a:solidFill>
+            </a:endParaRPr>
           </a:p>
           <a:p>
             <a:pPr marL="285750" indent="-285750">
@@ -7687,6 +7754,28 @@
               <a:buChar char="•"/>
             </a:pPr>
             <a:r>
+              <a:rPr lang="en-US" dirty="0" err="1" smtClean="0">
+                <a:solidFill>
+                  <a:schemeClr val="tx1">
+                    <a:lumMod val="50000"/>
+                    <a:lumOff val="50000"/>
+                  </a:schemeClr>
+                </a:solidFill>
+              </a:rPr>
+              <a:t>Serializer</a:t>
+            </a:r>
+            <a:r>
+              <a:rPr lang="en-CA" dirty="0" smtClean="0">
+                <a:solidFill>
+                  <a:schemeClr val="tx1">
+                    <a:lumMod val="50000"/>
+                    <a:lumOff val="50000"/>
+                  </a:schemeClr>
+                </a:solidFill>
+              </a:rPr>
+              <a:t> (LabVIEW </a:t>
+            </a:r>
+            <a:r>
               <a:rPr lang="en-CA" dirty="0">
                 <a:solidFill>
                   <a:schemeClr val="tx1">
@@ -7695,8 +7784,28 @@
                   </a:schemeClr>
                 </a:solidFill>
               </a:rPr>
-              <a:t>Tracing / Logging</a:t>
-            </a:r>
+              <a:t>Flatten String, Base64, JSON, …)</a:t>
+            </a:r>
+          </a:p>
+          <a:p>
+            <a:pPr>
+              <a:lnSpc>
+                <a:spcPct val="150000"/>
+              </a:lnSpc>
+            </a:pPr>
+            <a:r>
+              <a:rPr lang="fr-CA" dirty="0" smtClean="0">
+                <a:solidFill>
+                  <a:schemeClr val="accent6"/>
+                </a:solidFill>
+              </a:rPr>
+              <a:t>Command Pattern</a:t>
+            </a:r>
+            <a:endParaRPr lang="en-CA" dirty="0" smtClean="0">
+              <a:solidFill>
+                <a:schemeClr val="accent6"/>
+              </a:solidFill>
+            </a:endParaRPr>
           </a:p>
           <a:p>
             <a:pPr marL="285750" indent="-285750">
@@ -7707,6 +7816,17 @@
               <a:buChar char="•"/>
             </a:pPr>
             <a:r>
+              <a:rPr lang="en-CA" dirty="0" smtClean="0">
+                <a:solidFill>
+                  <a:schemeClr val="tx1">
+                    <a:lumMod val="50000"/>
+                    <a:lumOff val="50000"/>
+                  </a:schemeClr>
+                </a:solidFill>
+              </a:rPr>
+              <a:t>Control </a:t>
+            </a:r>
+            <a:r>
               <a:rPr lang="en-CA" dirty="0">
                 <a:solidFill>
                   <a:schemeClr val="tx1">
@@ -7715,23 +7835,8 @@
                   </a:schemeClr>
                 </a:solidFill>
               </a:rPr>
-              <a:t>Control Packet (for extending the communication protocol)</a:t>
-            </a:r>
-          </a:p>
-          <a:p>
-            <a:pPr>
-              <a:lnSpc>
-                <a:spcPct val="150000"/>
-              </a:lnSpc>
-            </a:pPr>
-            <a:endParaRPr lang="en-CA" dirty="0">
-              <a:solidFill>
-                <a:schemeClr val="tx1">
-                  <a:lumMod val="50000"/>
-                  <a:lumOff val="50000"/>
-                </a:schemeClr>
-              </a:solidFill>
-            </a:endParaRPr>
+              <a:t>Packet (for extending the communication protocol)</a:t>
+            </a:r>
           </a:p>
           <a:p>
             <a:pPr>
@@ -11704,7 +11809,7 @@
         </p:nvSpPr>
         <p:spPr>
           <a:xfrm>
-            <a:off x="598470" y="2167988"/>
+            <a:off x="598470" y="1825088"/>
             <a:ext cx="2525050" cy="2949910"/>
           </a:xfrm>
           <a:prstGeom prst="rect">
@@ -11869,7 +11974,7 @@
         </p:blipFill>
         <p:spPr>
           <a:xfrm>
-            <a:off x="3447975" y="1982654"/>
+            <a:off x="3447975" y="1639754"/>
             <a:ext cx="8309445" cy="3642641"/>
           </a:xfrm>
           <a:prstGeom prst="rect">
@@ -11877,6 +11982,42 @@
           </a:prstGeom>
         </p:spPr>
       </p:pic>
+      <p:sp>
+        <p:nvSpPr>
+          <p:cNvPr id="10" name="Rectangle 9"/>
+          <p:cNvSpPr/>
+          <p:nvPr/>
+        </p:nvSpPr>
+        <p:spPr>
+          <a:xfrm>
+            <a:off x="834374" y="5816084"/>
+            <a:ext cx="7748275" cy="369332"/>
+          </a:xfrm>
+          <a:prstGeom prst="rect">
+            <a:avLst/>
+          </a:prstGeom>
+        </p:spPr>
+        <p:txBody>
+          <a:bodyPr wrap="none">
+            <a:spAutoFit/>
+          </a:bodyPr>
+          <a:lstStyle/>
+          <a:p>
+            <a:r>
+              <a:rPr lang="en-CA" dirty="0" smtClean="0">
+                <a:solidFill>
+                  <a:schemeClr val="tx1">
+                    <a:lumMod val="50000"/>
+                    <a:lumOff val="50000"/>
+                  </a:schemeClr>
+                </a:solidFill>
+              </a:rPr>
+              <a:t>* New version 3.2.0 of MQTT Broker has been published earlier this week.</a:t>
+            </a:r>
+            <a:endParaRPr lang="en-CA" dirty="0"/>
+          </a:p>
+        </p:txBody>
+      </p:sp>
     </p:spTree>
     <p:extLst>
       <p:ext uri="{BB962C8B-B14F-4D97-AF65-F5344CB8AC3E}">

--- a/UKTAG 20210528 MQTT.pptx
+++ b/UKTAG 20210528 MQTT.pptx
@@ -8084,45 +8084,30 @@
           </a:p>
         </p:txBody>
       </p:sp>
-      <p:sp>
-        <p:nvSpPr>
-          <p:cNvPr id="3" name="ZoneTexte 2">
-            <a:extLst>
-              <a:ext uri="{FF2B5EF4-FFF2-40B4-BE49-F238E27FC236}">
-                <a16:creationId xmlns:a16="http://schemas.microsoft.com/office/drawing/2014/main" xmlns="" id="{B3DD869D-3CE7-6543-A637-82C1152CC38C}"/>
-              </a:ext>
-            </a:extLst>
-          </p:cNvPr>
-          <p:cNvSpPr txBox="1"/>
+      <p:pic>
+        <p:nvPicPr>
+          <p:cNvPr id="6" name="Picture 5"/>
+          <p:cNvPicPr>
+            <a:picLocks noChangeAspect="1"/>
+          </p:cNvPicPr>
           <p:nvPr/>
-        </p:nvSpPr>
+        </p:nvPicPr>
+        <p:blipFill>
+          <a:blip r:embed="rId2"/>
+          <a:stretch>
+            <a:fillRect/>
+          </a:stretch>
+        </p:blipFill>
         <p:spPr>
           <a:xfrm>
-            <a:off x="2086984" y="2409713"/>
-            <a:ext cx="1790875" cy="369332"/>
+            <a:off x="3524514" y="1671310"/>
+            <a:ext cx="4228571" cy="4219048"/>
           </a:xfrm>
           <a:prstGeom prst="rect">
             <a:avLst/>
           </a:prstGeom>
-          <a:noFill/>
         </p:spPr>
-        <p:txBody>
-          <a:bodyPr wrap="none" rtlCol="0">
-            <a:spAutoFit/>
-          </a:bodyPr>
-          <a:lstStyle/>
-          <a:p>
-            <a:r>
-              <a:rPr lang="fr-FR" dirty="0" err="1"/>
-              <a:t>Example</a:t>
-            </a:r>
-            <a:r>
-              <a:rPr lang="fr-FR" dirty="0"/>
-              <a:t> code…</a:t>
-            </a:r>
-          </a:p>
-        </p:txBody>
-      </p:sp>
+      </p:pic>
     </p:spTree>
     <p:extLst>
       <p:ext uri="{BB962C8B-B14F-4D97-AF65-F5344CB8AC3E}">
@@ -8254,45 +8239,30 @@
           </a:p>
         </p:txBody>
       </p:sp>
-      <p:sp>
-        <p:nvSpPr>
-          <p:cNvPr id="3" name="ZoneTexte 2">
-            <a:extLst>
-              <a:ext uri="{FF2B5EF4-FFF2-40B4-BE49-F238E27FC236}">
-                <a16:creationId xmlns:a16="http://schemas.microsoft.com/office/drawing/2014/main" xmlns="" id="{B3DD869D-3CE7-6543-A637-82C1152CC38C}"/>
-              </a:ext>
-            </a:extLst>
-          </p:cNvPr>
-          <p:cNvSpPr txBox="1"/>
+      <p:pic>
+        <p:nvPicPr>
+          <p:cNvPr id="4" name="Picture 3"/>
+          <p:cNvPicPr>
+            <a:picLocks noChangeAspect="1"/>
+          </p:cNvPicPr>
           <p:nvPr/>
-        </p:nvSpPr>
+        </p:nvPicPr>
+        <p:blipFill>
+          <a:blip r:embed="rId2"/>
+          <a:stretch>
+            <a:fillRect/>
+          </a:stretch>
+        </p:blipFill>
         <p:spPr>
           <a:xfrm>
-            <a:off x="2086984" y="2409713"/>
-            <a:ext cx="1790875" cy="369332"/>
+            <a:off x="3522443" y="1671310"/>
+            <a:ext cx="4228571" cy="4219048"/>
           </a:xfrm>
           <a:prstGeom prst="rect">
             <a:avLst/>
           </a:prstGeom>
-          <a:noFill/>
         </p:spPr>
-        <p:txBody>
-          <a:bodyPr wrap="none" rtlCol="0">
-            <a:spAutoFit/>
-          </a:bodyPr>
-          <a:lstStyle/>
-          <a:p>
-            <a:r>
-              <a:rPr lang="fr-FR" dirty="0" err="1"/>
-              <a:t>Example</a:t>
-            </a:r>
-            <a:r>
-              <a:rPr lang="fr-FR" dirty="0"/>
-              <a:t> code…</a:t>
-            </a:r>
-          </a:p>
-        </p:txBody>
-      </p:sp>
+      </p:pic>
     </p:spTree>
     <p:extLst>
       <p:ext uri="{BB962C8B-B14F-4D97-AF65-F5344CB8AC3E}">
@@ -8781,8 +8751,8 @@
         </p:nvSpPr>
         <p:spPr>
           <a:xfrm>
-            <a:off x="2005496" y="2016434"/>
-            <a:ext cx="6342762" cy="1292662"/>
+            <a:off x="2217922" y="679124"/>
+            <a:ext cx="6441187" cy="3477875"/>
           </a:xfrm>
           <a:prstGeom prst="rect">
             <a:avLst/>
@@ -8795,7 +8765,7 @@
           <a:lstStyle/>
           <a:p>
             <a:r>
-              <a:rPr lang="fr-FR" sz="2400" dirty="0">
+              <a:rPr lang="fr-FR" sz="2800" dirty="0">
                 <a:solidFill>
                   <a:schemeClr val="tx1">
                     <a:lumMod val="50000"/>
@@ -8860,9 +8830,342 @@
                     <a:lumOff val="50000"/>
                   </a:schemeClr>
                 </a:solidFill>
-              </a:rPr>
-              <a:t>https://github.com/LabVIEW-Open-Source/LV-MQTT-Broker</a:t>
-            </a:r>
+                <a:hlinkClick r:id="rId7"/>
+              </a:rPr>
+              <a:t>https://</a:t>
+            </a:r>
+            <a:r>
+              <a:rPr lang="fr-FR" dirty="0" smtClean="0">
+                <a:solidFill>
+                  <a:schemeClr val="tx1">
+                    <a:lumMod val="50000"/>
+                    <a:lumOff val="50000"/>
+                  </a:schemeClr>
+                </a:solidFill>
+                <a:hlinkClick r:id="rId7"/>
+              </a:rPr>
+              <a:t>github.com/LabVIEW-Open-Source/LV-MQTT-Broker</a:t>
+            </a:r>
+            <a:endParaRPr lang="fr-FR" dirty="0" smtClean="0">
+              <a:solidFill>
+                <a:schemeClr val="tx1">
+                  <a:lumMod val="50000"/>
+                  <a:lumOff val="50000"/>
+                </a:schemeClr>
+              </a:solidFill>
+            </a:endParaRPr>
+          </a:p>
+          <a:p>
+            <a:endParaRPr lang="fr-FR" dirty="0">
+              <a:solidFill>
+                <a:schemeClr val="tx1">
+                  <a:lumMod val="50000"/>
+                  <a:lumOff val="50000"/>
+                </a:schemeClr>
+              </a:solidFill>
+            </a:endParaRPr>
+          </a:p>
+          <a:p>
+            <a:endParaRPr lang="fr-FR" dirty="0" smtClean="0">
+              <a:solidFill>
+                <a:schemeClr val="tx1">
+                  <a:lumMod val="50000"/>
+                  <a:lumOff val="50000"/>
+                </a:schemeClr>
+              </a:solidFill>
+            </a:endParaRPr>
+          </a:p>
+          <a:p>
+            <a:r>
+              <a:rPr lang="fr-FR" dirty="0" smtClean="0">
+                <a:solidFill>
+                  <a:schemeClr val="tx1">
+                    <a:lumMod val="50000"/>
+                    <a:lumOff val="50000"/>
+                  </a:schemeClr>
+                </a:solidFill>
+              </a:rPr>
+              <a:t>Or look for </a:t>
+            </a:r>
+            <a:r>
+              <a:rPr lang="fr-FR" dirty="0" err="1" smtClean="0">
+                <a:solidFill>
+                  <a:schemeClr val="tx1">
+                    <a:lumMod val="50000"/>
+                    <a:lumOff val="50000"/>
+                  </a:schemeClr>
+                </a:solidFill>
+              </a:rPr>
+              <a:t>these</a:t>
+            </a:r>
+            <a:r>
+              <a:rPr lang="fr-FR" dirty="0" smtClean="0">
+                <a:solidFill>
+                  <a:schemeClr val="tx1">
+                    <a:lumMod val="50000"/>
+                    <a:lumOff val="50000"/>
+                  </a:schemeClr>
+                </a:solidFill>
+              </a:rPr>
+              <a:t> short </a:t>
+            </a:r>
+            <a:r>
+              <a:rPr lang="fr-FR" dirty="0" err="1" smtClean="0">
+                <a:solidFill>
+                  <a:schemeClr val="tx1">
+                    <a:lumMod val="50000"/>
+                    <a:lumOff val="50000"/>
+                  </a:schemeClr>
+                </a:solidFill>
+              </a:rPr>
+              <a:t>videos</a:t>
+            </a:r>
+            <a:r>
+              <a:rPr lang="fr-FR" dirty="0" smtClean="0">
+                <a:solidFill>
+                  <a:schemeClr val="tx1">
+                    <a:lumMod val="50000"/>
+                    <a:lumOff val="50000"/>
+                  </a:schemeClr>
+                </a:solidFill>
+              </a:rPr>
+              <a:t> on </a:t>
+            </a:r>
+            <a:r>
+              <a:rPr lang="fr-FR" dirty="0" err="1" smtClean="0">
+                <a:solidFill>
+                  <a:schemeClr val="tx1">
+                    <a:lumMod val="50000"/>
+                    <a:lumOff val="50000"/>
+                  </a:schemeClr>
+                </a:solidFill>
+              </a:rPr>
+              <a:t>Youtube</a:t>
+            </a:r>
+            <a:r>
+              <a:rPr lang="fr-FR" dirty="0" smtClean="0">
+                <a:solidFill>
+                  <a:schemeClr val="tx1">
+                    <a:lumMod val="50000"/>
+                    <a:lumOff val="50000"/>
+                  </a:schemeClr>
+                </a:solidFill>
+              </a:rPr>
+              <a:t>!</a:t>
+            </a:r>
+          </a:p>
+          <a:p>
+            <a:endParaRPr lang="en-CA" sz="1400" dirty="0" smtClean="0"/>
+          </a:p>
+          <a:p>
+            <a:pPr lvl="2"/>
+            <a:r>
+              <a:rPr lang="en-CA" sz="1400" dirty="0" smtClean="0">
+                <a:solidFill>
+                  <a:schemeClr val="accent1">
+                    <a:lumMod val="75000"/>
+                  </a:schemeClr>
+                </a:solidFill>
+              </a:rPr>
+              <a:t>MQTT </a:t>
+            </a:r>
+            <a:r>
+              <a:rPr lang="en-CA" sz="1400" dirty="0">
+                <a:solidFill>
+                  <a:schemeClr val="accent1">
+                    <a:lumMod val="75000"/>
+                  </a:schemeClr>
+                </a:solidFill>
+              </a:rPr>
+              <a:t>Broker in </a:t>
+            </a:r>
+            <a:r>
+              <a:rPr lang="en-CA" sz="1400" dirty="0" smtClean="0">
+                <a:solidFill>
+                  <a:schemeClr val="accent1">
+                    <a:lumMod val="75000"/>
+                  </a:schemeClr>
+                </a:solidFill>
+              </a:rPr>
+              <a:t>LabVIEW: 		</a:t>
+            </a:r>
+            <a:r>
+              <a:rPr lang="en-CA" sz="1400" u="sng" dirty="0" smtClean="0">
+                <a:solidFill>
+                  <a:schemeClr val="accent1">
+                    <a:lumMod val="75000"/>
+                  </a:schemeClr>
+                </a:solidFill>
+                <a:hlinkClick r:id="rId8"/>
+              </a:rPr>
+              <a:t>https</a:t>
+            </a:r>
+            <a:r>
+              <a:rPr lang="en-CA" sz="1400" u="sng" dirty="0">
+                <a:solidFill>
+                  <a:schemeClr val="accent1">
+                    <a:lumMod val="75000"/>
+                  </a:schemeClr>
+                </a:solidFill>
+                <a:hlinkClick r:id="rId8"/>
+              </a:rPr>
+              <a:t>://youtu.be/Y-jrwyfD9DU</a:t>
+            </a:r>
+            <a:endParaRPr lang="en-CA" sz="1400" dirty="0">
+              <a:solidFill>
+                <a:schemeClr val="accent1">
+                  <a:lumMod val="75000"/>
+                </a:schemeClr>
+              </a:solidFill>
+            </a:endParaRPr>
+          </a:p>
+          <a:p>
+            <a:pPr lvl="2"/>
+            <a:endParaRPr lang="en-CA" sz="1400" dirty="0" smtClean="0">
+              <a:solidFill>
+                <a:schemeClr val="accent1">
+                  <a:lumMod val="75000"/>
+                </a:schemeClr>
+              </a:solidFill>
+            </a:endParaRPr>
+          </a:p>
+          <a:p>
+            <a:pPr lvl="2"/>
+            <a:r>
+              <a:rPr lang="en-CA" sz="1400" dirty="0">
+                <a:solidFill>
+                  <a:schemeClr val="accent1">
+                    <a:lumMod val="75000"/>
+                  </a:schemeClr>
+                </a:solidFill>
+              </a:rPr>
+              <a:t>TLS Secured </a:t>
+            </a:r>
+            <a:r>
+              <a:rPr lang="en-CA" sz="1400" dirty="0" smtClean="0">
+                <a:solidFill>
+                  <a:schemeClr val="accent1">
+                    <a:lumMod val="75000"/>
+                  </a:schemeClr>
+                </a:solidFill>
+              </a:rPr>
+              <a:t>MQTT: 			</a:t>
+            </a:r>
+            <a:r>
+              <a:rPr lang="en-CA" sz="1400" u="sng" dirty="0" smtClean="0">
+                <a:solidFill>
+                  <a:schemeClr val="accent1">
+                    <a:lumMod val="75000"/>
+                  </a:schemeClr>
+                </a:solidFill>
+                <a:hlinkClick r:id="rId9"/>
+              </a:rPr>
+              <a:t>https</a:t>
+            </a:r>
+            <a:r>
+              <a:rPr lang="en-CA" sz="1400" u="sng" dirty="0">
+                <a:solidFill>
+                  <a:schemeClr val="accent1">
+                    <a:lumMod val="75000"/>
+                  </a:schemeClr>
+                </a:solidFill>
+                <a:hlinkClick r:id="rId9"/>
+              </a:rPr>
+              <a:t>://youtu.be/2-OJ-U6eTmE</a:t>
+            </a:r>
+            <a:endParaRPr lang="en-CA" sz="1400" dirty="0">
+              <a:solidFill>
+                <a:schemeClr val="accent1">
+                  <a:lumMod val="75000"/>
+                </a:schemeClr>
+              </a:solidFill>
+            </a:endParaRPr>
+          </a:p>
+          <a:p>
+            <a:pPr lvl="2"/>
+            <a:r>
+              <a:rPr lang="en-CA" sz="1400" dirty="0">
+                <a:solidFill>
+                  <a:schemeClr val="accent1">
+                    <a:lumMod val="75000"/>
+                  </a:schemeClr>
+                </a:solidFill>
+              </a:rPr>
+              <a:t> </a:t>
+            </a:r>
+          </a:p>
+          <a:p>
+            <a:pPr lvl="2"/>
+            <a:r>
+              <a:rPr lang="en-CA" sz="1400" dirty="0">
+                <a:solidFill>
+                  <a:schemeClr val="accent1">
+                    <a:lumMod val="75000"/>
+                  </a:schemeClr>
+                </a:solidFill>
+              </a:rPr>
+              <a:t>Open </a:t>
+            </a:r>
+            <a:r>
+              <a:rPr lang="en-CA" sz="1400" dirty="0" err="1" smtClean="0">
+                <a:solidFill>
+                  <a:schemeClr val="accent1">
+                    <a:lumMod val="75000"/>
+                  </a:schemeClr>
+                </a:solidFill>
+              </a:rPr>
+              <a:t>Serializer</a:t>
+            </a:r>
+            <a:r>
+              <a:rPr lang="en-CA" sz="1400" dirty="0" smtClean="0">
+                <a:solidFill>
+                  <a:schemeClr val="accent1">
+                    <a:lumMod val="75000"/>
+                  </a:schemeClr>
+                </a:solidFill>
+              </a:rPr>
+              <a:t>: 				</a:t>
+            </a:r>
+            <a:r>
+              <a:rPr lang="en-CA" sz="1400" u="sng" dirty="0" smtClean="0">
+                <a:solidFill>
+                  <a:schemeClr val="accent1">
+                    <a:lumMod val="75000"/>
+                  </a:schemeClr>
+                </a:solidFill>
+                <a:hlinkClick r:id="rId10"/>
+              </a:rPr>
+              <a:t>https</a:t>
+            </a:r>
+            <a:r>
+              <a:rPr lang="en-CA" sz="1400" u="sng" dirty="0">
+                <a:solidFill>
+                  <a:schemeClr val="accent1">
+                    <a:lumMod val="75000"/>
+                  </a:schemeClr>
+                </a:solidFill>
+                <a:hlinkClick r:id="rId10"/>
+              </a:rPr>
+              <a:t>://</a:t>
+            </a:r>
+            <a:r>
+              <a:rPr lang="en-CA" sz="1400" u="sng" dirty="0" smtClean="0">
+                <a:solidFill>
+                  <a:schemeClr val="accent1">
+                    <a:lumMod val="75000"/>
+                  </a:schemeClr>
+                </a:solidFill>
+                <a:hlinkClick r:id="rId10"/>
+              </a:rPr>
+              <a:t>youtu.be/Y_GyZVHIORI</a:t>
+            </a:r>
+            <a:endParaRPr lang="en-CA" sz="1400" dirty="0">
+              <a:solidFill>
+                <a:schemeClr val="accent1">
+                  <a:lumMod val="75000"/>
+                </a:schemeClr>
+              </a:solidFill>
+            </a:endParaRPr>
           </a:p>
         </p:txBody>
       </p:sp>

--- a/UKTAG 20210528 MQTT.pptx
+++ b/UKTAG 20210528 MQTT.pptx
@@ -915,7 +915,7 @@
             <a:fld id="{B61BEF0D-F0BB-DE4B-95CE-6DB70DBA9567}" type="datetimeFigureOut">
               <a:rPr lang="en-US" smtClean="0"/>
               <a:pPr/>
-              <a:t>5/27/2021</a:t>
+              <a:t>5/28/2021</a:t>
             </a:fld>
             <a:endParaRPr lang="en-US" dirty="0"/>
           </a:p>
@@ -1173,7 +1173,7 @@
             <a:fld id="{B61BEF0D-F0BB-DE4B-95CE-6DB70DBA9567}" type="datetimeFigureOut">
               <a:rPr lang="en-US" smtClean="0"/>
               <a:pPr/>
-              <a:t>5/27/2021</a:t>
+              <a:t>5/28/2021</a:t>
             </a:fld>
             <a:endParaRPr lang="en-US" dirty="0"/>
           </a:p>
@@ -1499,7 +1499,7 @@
             <a:fld id="{B61BEF0D-F0BB-DE4B-95CE-6DB70DBA9567}" type="datetimeFigureOut">
               <a:rPr lang="en-US" smtClean="0"/>
               <a:pPr/>
-              <a:t>5/27/2021</a:t>
+              <a:t>5/28/2021</a:t>
             </a:fld>
             <a:endParaRPr lang="en-US" dirty="0"/>
           </a:p>
@@ -1839,7 +1839,7 @@
             <a:fld id="{B61BEF0D-F0BB-DE4B-95CE-6DB70DBA9567}" type="datetimeFigureOut">
               <a:rPr lang="en-US" smtClean="0"/>
               <a:pPr/>
-              <a:t>5/27/2021</a:t>
+              <a:t>5/28/2021</a:t>
             </a:fld>
             <a:endParaRPr lang="en-US" dirty="0"/>
           </a:p>
@@ -2165,7 +2165,7 @@
             <a:fld id="{B61BEF0D-F0BB-DE4B-95CE-6DB70DBA9567}" type="datetimeFigureOut">
               <a:rPr lang="en-US" smtClean="0"/>
               <a:pPr/>
-              <a:t>5/27/2021</a:t>
+              <a:t>5/28/2021</a:t>
             </a:fld>
             <a:endParaRPr lang="en-US" dirty="0"/>
           </a:p>
@@ -2570,7 +2570,7 @@
             <a:fld id="{B61BEF0D-F0BB-DE4B-95CE-6DB70DBA9567}" type="datetimeFigureOut">
               <a:rPr lang="en-US" smtClean="0"/>
               <a:pPr/>
-              <a:t>5/27/2021</a:t>
+              <a:t>5/28/2021</a:t>
             </a:fld>
             <a:endParaRPr lang="en-US" dirty="0"/>
           </a:p>
@@ -2717,7 +2717,7 @@
           <a:p>
             <a:fld id="{55C6B4A9-1611-4792-9094-5F34BCA07E0B}" type="datetimeFigureOut">
               <a:rPr lang="en-US" smtClean="0"/>
-              <a:t>5/27/2021</a:t>
+              <a:t>5/28/2021</a:t>
             </a:fld>
             <a:endParaRPr lang="en-US" dirty="0"/>
           </a:p>
@@ -2874,7 +2874,7 @@
             <a:fld id="{B61BEF0D-F0BB-DE4B-95CE-6DB70DBA9567}" type="datetimeFigureOut">
               <a:rPr lang="en-US" smtClean="0"/>
               <a:pPr/>
-              <a:t>5/27/2021</a:t>
+              <a:t>5/28/2021</a:t>
             </a:fld>
             <a:endParaRPr lang="en-US" dirty="0"/>
           </a:p>
@@ -3022,7 +3022,7 @@
             <a:fld id="{B61BEF0D-F0BB-DE4B-95CE-6DB70DBA9567}" type="datetimeFigureOut">
               <a:rPr lang="en-US" smtClean="0"/>
               <a:pPr/>
-              <a:t>5/27/2021</a:t>
+              <a:t>5/28/2021</a:t>
             </a:fld>
             <a:endParaRPr lang="en-US" dirty="0"/>
           </a:p>
@@ -3276,7 +3276,7 @@
             <a:fld id="{B61BEF0D-F0BB-DE4B-95CE-6DB70DBA9567}" type="datetimeFigureOut">
               <a:rPr lang="en-US" smtClean="0"/>
               <a:pPr/>
-              <a:t>5/27/2021</a:t>
+              <a:t>5/28/2021</a:t>
             </a:fld>
             <a:endParaRPr lang="en-US" dirty="0"/>
           </a:p>
@@ -3461,7 +3461,7 @@
           <a:p>
             <a:fld id="{EB712588-04B1-427B-82EE-E8DB90309F08}" type="datetimeFigureOut">
               <a:rPr lang="en-US" smtClean="0"/>
-              <a:t>5/27/2021</a:t>
+              <a:t>5/28/2021</a:t>
             </a:fld>
             <a:endParaRPr lang="en-US" dirty="0"/>
           </a:p>
@@ -3798,7 +3798,7 @@
             <a:fld id="{B61BEF0D-F0BB-DE4B-95CE-6DB70DBA9567}" type="datetimeFigureOut">
               <a:rPr lang="en-US" smtClean="0"/>
               <a:pPr/>
-              <a:t>5/27/2021</a:t>
+              <a:t>5/28/2021</a:t>
             </a:fld>
             <a:endParaRPr lang="en-US" dirty="0"/>
           </a:p>
@@ -3923,7 +3923,7 @@
             <a:fld id="{B61BEF0D-F0BB-DE4B-95CE-6DB70DBA9567}" type="datetimeFigureOut">
               <a:rPr lang="en-US" smtClean="0"/>
               <a:pPr/>
-              <a:t>5/27/2021</a:t>
+              <a:t>5/28/2021</a:t>
             </a:fld>
             <a:endParaRPr lang="en-US" dirty="0"/>
           </a:p>
@@ -4020,7 +4020,7 @@
             <a:fld id="{B61BEF0D-F0BB-DE4B-95CE-6DB70DBA9567}" type="datetimeFigureOut">
               <a:rPr lang="en-US" smtClean="0"/>
               <a:pPr/>
-              <a:t>5/27/2021</a:t>
+              <a:t>5/28/2021</a:t>
             </a:fld>
             <a:endParaRPr lang="en-US" dirty="0"/>
           </a:p>
@@ -4257,7 +4257,7 @@
           <a:p>
             <a:fld id="{42A54C80-263E-416B-A8E0-580EDEADCBDC}" type="datetimeFigureOut">
               <a:rPr lang="en-US" smtClean="0"/>
-              <a:t>5/27/2021</a:t>
+              <a:t>5/28/2021</a:t>
             </a:fld>
             <a:endParaRPr lang="en-US" dirty="0"/>
           </a:p>
@@ -4569,7 +4569,7 @@
             <a:fld id="{B61BEF0D-F0BB-DE4B-95CE-6DB70DBA9567}" type="datetimeFigureOut">
               <a:rPr lang="en-US" smtClean="0"/>
               <a:pPr/>
-              <a:t>5/27/2021</a:t>
+              <a:t>5/28/2021</a:t>
             </a:fld>
             <a:endParaRPr lang="en-US" dirty="0"/>
           </a:p>
@@ -5248,7 +5248,7 @@
             <a:fld id="{B61BEF0D-F0BB-DE4B-95CE-6DB70DBA9567}" type="datetimeFigureOut">
               <a:rPr lang="en-US" smtClean="0"/>
               <a:pPr/>
-              <a:t>5/27/2021</a:t>
+              <a:t>5/28/2021</a:t>
             </a:fld>
             <a:endParaRPr lang="en-US" dirty="0"/>
           </a:p>
@@ -5786,7 +5786,7 @@
           <p:cNvPr id="2" name="Titre 1">
             <a:extLst>
               <a:ext uri="{FF2B5EF4-FFF2-40B4-BE49-F238E27FC236}">
-                <a16:creationId xmlns:a16="http://schemas.microsoft.com/office/drawing/2014/main" xmlns="" id="{F0F5FB5B-F05B-1F47-B07D-D6A34D391503}"/>
+                <a16:creationId xmlns="" xmlns:a16="http://schemas.microsoft.com/office/drawing/2014/main" id="{F0F5FB5B-F05B-1F47-B07D-D6A34D391503}"/>
               </a:ext>
             </a:extLst>
           </p:cNvPr>
@@ -5833,7 +5833,7 @@
           <p:cNvPr id="9" name="Rectangle 8">
             <a:extLst>
               <a:ext uri="{FF2B5EF4-FFF2-40B4-BE49-F238E27FC236}">
-                <a16:creationId xmlns:a16="http://schemas.microsoft.com/office/drawing/2014/main" xmlns="" id="{3E7B2FBD-9ABE-A549-AE2B-4EAB090825B9}"/>
+                <a16:creationId xmlns="" xmlns:a16="http://schemas.microsoft.com/office/drawing/2014/main" id="{3E7B2FBD-9ABE-A549-AE2B-4EAB090825B9}"/>
               </a:ext>
             </a:extLst>
           </p:cNvPr>
@@ -5887,7 +5887,7 @@
           <p:cNvPr id="10" name="Image 9">
             <a:extLst>
               <a:ext uri="{FF2B5EF4-FFF2-40B4-BE49-F238E27FC236}">
-                <a16:creationId xmlns:a16="http://schemas.microsoft.com/office/drawing/2014/main" xmlns="" id="{F688BCC2-7A8F-5145-B37C-317ED206BEEE}"/>
+                <a16:creationId xmlns="" xmlns:a16="http://schemas.microsoft.com/office/drawing/2014/main" id="{F688BCC2-7A8F-5145-B37C-317ED206BEEE}"/>
               </a:ext>
             </a:extLst>
           </p:cNvPr>
@@ -5917,7 +5917,7 @@
           <p:cNvPr id="11" name="Rectangle 10">
             <a:extLst>
               <a:ext uri="{FF2B5EF4-FFF2-40B4-BE49-F238E27FC236}">
-                <a16:creationId xmlns:a16="http://schemas.microsoft.com/office/drawing/2014/main" xmlns="" id="{94284844-C40D-324D-A972-44021BB613F7}"/>
+                <a16:creationId xmlns="" xmlns:a16="http://schemas.microsoft.com/office/drawing/2014/main" id="{94284844-C40D-324D-A972-44021BB613F7}"/>
               </a:ext>
             </a:extLst>
           </p:cNvPr>
@@ -5986,7 +5986,7 @@
           <p:cNvPr id="4" name="Image 3">
             <a:extLst>
               <a:ext uri="{FF2B5EF4-FFF2-40B4-BE49-F238E27FC236}">
-                <a16:creationId xmlns:a16="http://schemas.microsoft.com/office/drawing/2014/main" xmlns="" id="{84BAFDC8-8B2F-A646-AA37-37111420B4BB}"/>
+                <a16:creationId xmlns="" xmlns:a16="http://schemas.microsoft.com/office/drawing/2014/main" id="{84BAFDC8-8B2F-A646-AA37-37111420B4BB}"/>
               </a:ext>
             </a:extLst>
           </p:cNvPr>
@@ -6016,7 +6016,7 @@
           <p:cNvPr id="7" name="Image 6">
             <a:extLst>
               <a:ext uri="{FF2B5EF4-FFF2-40B4-BE49-F238E27FC236}">
-                <a16:creationId xmlns:a16="http://schemas.microsoft.com/office/drawing/2014/main" xmlns="" id="{D9E8373E-6C6D-0A4F-BCD2-B3CF54D77577}"/>
+                <a16:creationId xmlns="" xmlns:a16="http://schemas.microsoft.com/office/drawing/2014/main" id="{D9E8373E-6C6D-0A4F-BCD2-B3CF54D77577}"/>
               </a:ext>
             </a:extLst>
           </p:cNvPr>
@@ -6046,7 +6046,7 @@
           <p:cNvPr id="8" name="Image 7">
             <a:extLst>
               <a:ext uri="{FF2B5EF4-FFF2-40B4-BE49-F238E27FC236}">
-                <a16:creationId xmlns:a16="http://schemas.microsoft.com/office/drawing/2014/main" xmlns="" id="{05AF6B16-3A7F-494E-9721-9A47689EA023}"/>
+                <a16:creationId xmlns="" xmlns:a16="http://schemas.microsoft.com/office/drawing/2014/main" id="{05AF6B16-3A7F-494E-9721-9A47689EA023}"/>
               </a:ext>
             </a:extLst>
           </p:cNvPr>
@@ -6076,7 +6076,7 @@
           <p:cNvPr id="13" name="Image 12">
             <a:extLst>
               <a:ext uri="{FF2B5EF4-FFF2-40B4-BE49-F238E27FC236}">
-                <a16:creationId xmlns:a16="http://schemas.microsoft.com/office/drawing/2014/main" xmlns="" id="{0C717371-42BF-B64C-8F2A-997126CDEC3A}"/>
+                <a16:creationId xmlns="" xmlns:a16="http://schemas.microsoft.com/office/drawing/2014/main" id="{0C717371-42BF-B64C-8F2A-997126CDEC3A}"/>
               </a:ext>
             </a:extLst>
           </p:cNvPr>
@@ -6106,7 +6106,7 @@
           <p:cNvPr id="17" name="Rectangle 16">
             <a:extLst>
               <a:ext uri="{FF2B5EF4-FFF2-40B4-BE49-F238E27FC236}">
-                <a16:creationId xmlns:a16="http://schemas.microsoft.com/office/drawing/2014/main" xmlns="" id="{F58A4A3F-AA7F-D84F-AA08-7967BA455751}"/>
+                <a16:creationId xmlns="" xmlns:a16="http://schemas.microsoft.com/office/drawing/2014/main" id="{F58A4A3F-AA7F-D84F-AA08-7967BA455751}"/>
               </a:ext>
             </a:extLst>
           </p:cNvPr>
@@ -6179,7 +6179,7 @@
           <p:cNvPr id="2" name="Titre 1">
             <a:extLst>
               <a:ext uri="{FF2B5EF4-FFF2-40B4-BE49-F238E27FC236}">
-                <a16:creationId xmlns:a16="http://schemas.microsoft.com/office/drawing/2014/main" xmlns="" id="{F0F5FB5B-F05B-1F47-B07D-D6A34D391503}"/>
+                <a16:creationId xmlns="" xmlns:a16="http://schemas.microsoft.com/office/drawing/2014/main" id="{F0F5FB5B-F05B-1F47-B07D-D6A34D391503}"/>
               </a:ext>
             </a:extLst>
           </p:cNvPr>
@@ -6226,7 +6226,7 @@
           <p:cNvPr id="17" name="Rectangle 16">
             <a:extLst>
               <a:ext uri="{FF2B5EF4-FFF2-40B4-BE49-F238E27FC236}">
-                <a16:creationId xmlns:a16="http://schemas.microsoft.com/office/drawing/2014/main" xmlns="" id="{F58A4A3F-AA7F-D84F-AA08-7967BA455751}"/>
+                <a16:creationId xmlns="" xmlns:a16="http://schemas.microsoft.com/office/drawing/2014/main" id="{F58A4A3F-AA7F-D84F-AA08-7967BA455751}"/>
               </a:ext>
             </a:extLst>
           </p:cNvPr>
@@ -6345,7 +6345,7 @@
           <p:cNvPr id="4" name="Image 3">
             <a:extLst>
               <a:ext uri="{FF2B5EF4-FFF2-40B4-BE49-F238E27FC236}">
-                <a16:creationId xmlns:a16="http://schemas.microsoft.com/office/drawing/2014/main" xmlns="" id="{F81F3AE4-60F1-C04E-94BC-7142C50F96D1}"/>
+                <a16:creationId xmlns="" xmlns:a16="http://schemas.microsoft.com/office/drawing/2014/main" id="{F81F3AE4-60F1-C04E-94BC-7142C50F96D1}"/>
               </a:ext>
             </a:extLst>
           </p:cNvPr>
@@ -6413,7 +6413,7 @@
           <p:cNvPr id="2" name="Titre 1">
             <a:extLst>
               <a:ext uri="{FF2B5EF4-FFF2-40B4-BE49-F238E27FC236}">
-                <a16:creationId xmlns:a16="http://schemas.microsoft.com/office/drawing/2014/main" xmlns="" id="{F0F5FB5B-F05B-1F47-B07D-D6A34D391503}"/>
+                <a16:creationId xmlns="" xmlns:a16="http://schemas.microsoft.com/office/drawing/2014/main" id="{F0F5FB5B-F05B-1F47-B07D-D6A34D391503}"/>
               </a:ext>
             </a:extLst>
           </p:cNvPr>
@@ -6460,7 +6460,7 @@
           <p:cNvPr id="17" name="Rectangle 16">
             <a:extLst>
               <a:ext uri="{FF2B5EF4-FFF2-40B4-BE49-F238E27FC236}">
-                <a16:creationId xmlns:a16="http://schemas.microsoft.com/office/drawing/2014/main" xmlns="" id="{F58A4A3F-AA7F-D84F-AA08-7967BA455751}"/>
+                <a16:creationId xmlns="" xmlns:a16="http://schemas.microsoft.com/office/drawing/2014/main" id="{F58A4A3F-AA7F-D84F-AA08-7967BA455751}"/>
               </a:ext>
             </a:extLst>
           </p:cNvPr>
@@ -6566,7 +6566,7 @@
           <p:cNvPr id="5" name="Image 4">
             <a:extLst>
               <a:ext uri="{FF2B5EF4-FFF2-40B4-BE49-F238E27FC236}">
-                <a16:creationId xmlns:a16="http://schemas.microsoft.com/office/drawing/2014/main" xmlns="" id="{480109B1-922D-DF43-A783-916743921178}"/>
+                <a16:creationId xmlns="" xmlns:a16="http://schemas.microsoft.com/office/drawing/2014/main" id="{480109B1-922D-DF43-A783-916743921178}"/>
               </a:ext>
             </a:extLst>
           </p:cNvPr>
@@ -6648,7 +6648,7 @@
           <p:cNvPr id="2" name="Titre 1">
             <a:extLst>
               <a:ext uri="{FF2B5EF4-FFF2-40B4-BE49-F238E27FC236}">
-                <a16:creationId xmlns:a16="http://schemas.microsoft.com/office/drawing/2014/main" xmlns="" id="{F0F5FB5B-F05B-1F47-B07D-D6A34D391503}"/>
+                <a16:creationId xmlns="" xmlns:a16="http://schemas.microsoft.com/office/drawing/2014/main" id="{F0F5FB5B-F05B-1F47-B07D-D6A34D391503}"/>
               </a:ext>
             </a:extLst>
           </p:cNvPr>
@@ -6695,7 +6695,7 @@
           <p:cNvPr id="17" name="Rectangle 16">
             <a:extLst>
               <a:ext uri="{FF2B5EF4-FFF2-40B4-BE49-F238E27FC236}">
-                <a16:creationId xmlns:a16="http://schemas.microsoft.com/office/drawing/2014/main" xmlns="" id="{F58A4A3F-AA7F-D84F-AA08-7967BA455751}"/>
+                <a16:creationId xmlns="" xmlns:a16="http://schemas.microsoft.com/office/drawing/2014/main" id="{F58A4A3F-AA7F-D84F-AA08-7967BA455751}"/>
               </a:ext>
             </a:extLst>
           </p:cNvPr>
@@ -6942,7 +6942,7 @@
           <p:cNvPr id="2" name="Titre 1">
             <a:extLst>
               <a:ext uri="{FF2B5EF4-FFF2-40B4-BE49-F238E27FC236}">
-                <a16:creationId xmlns:a16="http://schemas.microsoft.com/office/drawing/2014/main" xmlns="" id="{F0F5FB5B-F05B-1F47-B07D-D6A34D391503}"/>
+                <a16:creationId xmlns="" xmlns:a16="http://schemas.microsoft.com/office/drawing/2014/main" id="{F0F5FB5B-F05B-1F47-B07D-D6A34D391503}"/>
               </a:ext>
             </a:extLst>
           </p:cNvPr>
@@ -6989,7 +6989,7 @@
           <p:cNvPr id="17" name="Rectangle 16">
             <a:extLst>
               <a:ext uri="{FF2B5EF4-FFF2-40B4-BE49-F238E27FC236}">
-                <a16:creationId xmlns:a16="http://schemas.microsoft.com/office/drawing/2014/main" xmlns="" id="{F58A4A3F-AA7F-D84F-AA08-7967BA455751}"/>
+                <a16:creationId xmlns="" xmlns:a16="http://schemas.microsoft.com/office/drawing/2014/main" id="{F58A4A3F-AA7F-D84F-AA08-7967BA455751}"/>
               </a:ext>
             </a:extLst>
           </p:cNvPr>
@@ -7053,7 +7053,7 @@
           <p:cNvPr id="2050" name="Picture 2">
             <a:extLst>
               <a:ext uri="{FF2B5EF4-FFF2-40B4-BE49-F238E27FC236}">
-                <a16:creationId xmlns:a16="http://schemas.microsoft.com/office/drawing/2014/main" xmlns="" id="{ACF84427-8A49-6F48-A72A-4B19E29FE414}"/>
+                <a16:creationId xmlns="" xmlns:a16="http://schemas.microsoft.com/office/drawing/2014/main" id="{ACF84427-8A49-6F48-A72A-4B19E29FE414}"/>
               </a:ext>
             </a:extLst>
           </p:cNvPr>
@@ -7091,7 +7091,7 @@
           <p:cNvPr id="6" name="Rectangle 5">
             <a:extLst>
               <a:ext uri="{FF2B5EF4-FFF2-40B4-BE49-F238E27FC236}">
-                <a16:creationId xmlns:a16="http://schemas.microsoft.com/office/drawing/2014/main" xmlns="" id="{10550D08-9ACA-AA4A-B66D-E2DA469B83A5}"/>
+                <a16:creationId xmlns="" xmlns:a16="http://schemas.microsoft.com/office/drawing/2014/main" id="{10550D08-9ACA-AA4A-B66D-E2DA469B83A5}"/>
               </a:ext>
             </a:extLst>
           </p:cNvPr>
@@ -7155,7 +7155,7 @@
           <p:cNvPr id="4" name="ZoneTexte 3">
             <a:extLst>
               <a:ext uri="{FF2B5EF4-FFF2-40B4-BE49-F238E27FC236}">
-                <a16:creationId xmlns:a16="http://schemas.microsoft.com/office/drawing/2014/main" xmlns="" id="{7E3B55BE-0B16-4145-8E9C-6712E818DB1A}"/>
+                <a16:creationId xmlns="" xmlns:a16="http://schemas.microsoft.com/office/drawing/2014/main" id="{7E3B55BE-0B16-4145-8E9C-6712E818DB1A}"/>
               </a:ext>
             </a:extLst>
           </p:cNvPr>
@@ -7262,7 +7262,7 @@
           <p:cNvPr id="2" name="Titre 1">
             <a:extLst>
               <a:ext uri="{FF2B5EF4-FFF2-40B4-BE49-F238E27FC236}">
-                <a16:creationId xmlns:a16="http://schemas.microsoft.com/office/drawing/2014/main" xmlns="" id="{F0F5FB5B-F05B-1F47-B07D-D6A34D391503}"/>
+                <a16:creationId xmlns="" xmlns:a16="http://schemas.microsoft.com/office/drawing/2014/main" id="{F0F5FB5B-F05B-1F47-B07D-D6A34D391503}"/>
               </a:ext>
             </a:extLst>
           </p:cNvPr>
@@ -7309,7 +7309,7 @@
           <p:cNvPr id="17" name="Rectangle 16">
             <a:extLst>
               <a:ext uri="{FF2B5EF4-FFF2-40B4-BE49-F238E27FC236}">
-                <a16:creationId xmlns:a16="http://schemas.microsoft.com/office/drawing/2014/main" xmlns="" id="{F58A4A3F-AA7F-D84F-AA08-7967BA455751}"/>
+                <a16:creationId xmlns="" xmlns:a16="http://schemas.microsoft.com/office/drawing/2014/main" id="{F58A4A3F-AA7F-D84F-AA08-7967BA455751}"/>
               </a:ext>
             </a:extLst>
           </p:cNvPr>
@@ -7430,7 +7430,7 @@
           <p:cNvPr id="2050" name="Picture 2">
             <a:extLst>
               <a:ext uri="{FF2B5EF4-FFF2-40B4-BE49-F238E27FC236}">
-                <a16:creationId xmlns:a16="http://schemas.microsoft.com/office/drawing/2014/main" xmlns="" id="{ACF84427-8A49-6F48-A72A-4B19E29FE414}"/>
+                <a16:creationId xmlns="" xmlns:a16="http://schemas.microsoft.com/office/drawing/2014/main" id="{ACF84427-8A49-6F48-A72A-4B19E29FE414}"/>
               </a:ext>
             </a:extLst>
           </p:cNvPr>
@@ -7468,7 +7468,7 @@
           <p:cNvPr id="6" name="Rectangle 5">
             <a:extLst>
               <a:ext uri="{FF2B5EF4-FFF2-40B4-BE49-F238E27FC236}">
-                <a16:creationId xmlns:a16="http://schemas.microsoft.com/office/drawing/2014/main" xmlns="" id="{10550D08-9ACA-AA4A-B66D-E2DA469B83A5}"/>
+                <a16:creationId xmlns="" xmlns:a16="http://schemas.microsoft.com/office/drawing/2014/main" id="{10550D08-9ACA-AA4A-B66D-E2DA469B83A5}"/>
               </a:ext>
             </a:extLst>
           </p:cNvPr>
@@ -7570,7 +7570,7 @@
           <p:cNvPr id="2" name="Titre 1">
             <a:extLst>
               <a:ext uri="{FF2B5EF4-FFF2-40B4-BE49-F238E27FC236}">
-                <a16:creationId xmlns:a16="http://schemas.microsoft.com/office/drawing/2014/main" xmlns="" id="{F0F5FB5B-F05B-1F47-B07D-D6A34D391503}"/>
+                <a16:creationId xmlns="" xmlns:a16="http://schemas.microsoft.com/office/drawing/2014/main" id="{F0F5FB5B-F05B-1F47-B07D-D6A34D391503}"/>
               </a:ext>
             </a:extLst>
           </p:cNvPr>
@@ -7617,7 +7617,7 @@
           <p:cNvPr id="17" name="Rectangle 16">
             <a:extLst>
               <a:ext uri="{FF2B5EF4-FFF2-40B4-BE49-F238E27FC236}">
-                <a16:creationId xmlns:a16="http://schemas.microsoft.com/office/drawing/2014/main" xmlns="" id="{F58A4A3F-AA7F-D84F-AA08-7967BA455751}"/>
+                <a16:creationId xmlns="" xmlns:a16="http://schemas.microsoft.com/office/drawing/2014/main" id="{F58A4A3F-AA7F-D84F-AA08-7967BA455751}"/>
               </a:ext>
             </a:extLst>
           </p:cNvPr>
@@ -7996,7 +7996,7 @@
           <p:cNvPr id="2" name="Titre 1">
             <a:extLst>
               <a:ext uri="{FF2B5EF4-FFF2-40B4-BE49-F238E27FC236}">
-                <a16:creationId xmlns:a16="http://schemas.microsoft.com/office/drawing/2014/main" xmlns="" id="{F0F5FB5B-F05B-1F47-B07D-D6A34D391503}"/>
+                <a16:creationId xmlns="" xmlns:a16="http://schemas.microsoft.com/office/drawing/2014/main" id="{F0F5FB5B-F05B-1F47-B07D-D6A34D391503}"/>
               </a:ext>
             </a:extLst>
           </p:cNvPr>
@@ -8043,7 +8043,7 @@
           <p:cNvPr id="17" name="Rectangle 16">
             <a:extLst>
               <a:ext uri="{FF2B5EF4-FFF2-40B4-BE49-F238E27FC236}">
-                <a16:creationId xmlns:a16="http://schemas.microsoft.com/office/drawing/2014/main" xmlns="" id="{F58A4A3F-AA7F-D84F-AA08-7967BA455751}"/>
+                <a16:creationId xmlns="" xmlns:a16="http://schemas.microsoft.com/office/drawing/2014/main" id="{F58A4A3F-AA7F-D84F-AA08-7967BA455751}"/>
               </a:ext>
             </a:extLst>
           </p:cNvPr>
@@ -8151,7 +8151,7 @@
           <p:cNvPr id="2" name="Titre 1">
             <a:extLst>
               <a:ext uri="{FF2B5EF4-FFF2-40B4-BE49-F238E27FC236}">
-                <a16:creationId xmlns:a16="http://schemas.microsoft.com/office/drawing/2014/main" xmlns="" id="{F0F5FB5B-F05B-1F47-B07D-D6A34D391503}"/>
+                <a16:creationId xmlns="" xmlns:a16="http://schemas.microsoft.com/office/drawing/2014/main" id="{F0F5FB5B-F05B-1F47-B07D-D6A34D391503}"/>
               </a:ext>
             </a:extLst>
           </p:cNvPr>
@@ -8198,7 +8198,7 @@
           <p:cNvPr id="17" name="Rectangle 16">
             <a:extLst>
               <a:ext uri="{FF2B5EF4-FFF2-40B4-BE49-F238E27FC236}">
-                <a16:creationId xmlns:a16="http://schemas.microsoft.com/office/drawing/2014/main" xmlns="" id="{F58A4A3F-AA7F-D84F-AA08-7967BA455751}"/>
+                <a16:creationId xmlns="" xmlns:a16="http://schemas.microsoft.com/office/drawing/2014/main" id="{F58A4A3F-AA7F-D84F-AA08-7967BA455751}"/>
               </a:ext>
             </a:extLst>
           </p:cNvPr>
@@ -8306,7 +8306,7 @@
           <p:cNvPr id="2" name="Titre 1">
             <a:extLst>
               <a:ext uri="{FF2B5EF4-FFF2-40B4-BE49-F238E27FC236}">
-                <a16:creationId xmlns:a16="http://schemas.microsoft.com/office/drawing/2014/main" xmlns="" id="{F0F5FB5B-F05B-1F47-B07D-D6A34D391503}"/>
+                <a16:creationId xmlns="" xmlns:a16="http://schemas.microsoft.com/office/drawing/2014/main" id="{F0F5FB5B-F05B-1F47-B07D-D6A34D391503}"/>
               </a:ext>
             </a:extLst>
           </p:cNvPr>
@@ -8353,7 +8353,7 @@
           <p:cNvPr id="6" name="Rectangle 5">
             <a:extLst>
               <a:ext uri="{FF2B5EF4-FFF2-40B4-BE49-F238E27FC236}">
-                <a16:creationId xmlns:a16="http://schemas.microsoft.com/office/drawing/2014/main" xmlns="" id="{10550D08-9ACA-AA4A-B66D-E2DA469B83A5}"/>
+                <a16:creationId xmlns="" xmlns:a16="http://schemas.microsoft.com/office/drawing/2014/main" id="{10550D08-9ACA-AA4A-B66D-E2DA469B83A5}"/>
               </a:ext>
             </a:extLst>
           </p:cNvPr>
@@ -8469,7 +8469,7 @@
           <p:cNvPr id="9" name="Rectangle 8">
             <a:extLst>
               <a:ext uri="{FF2B5EF4-FFF2-40B4-BE49-F238E27FC236}">
-                <a16:creationId xmlns:a16="http://schemas.microsoft.com/office/drawing/2014/main" xmlns="" id="{3E7B2FBD-9ABE-A549-AE2B-4EAB090825B9}"/>
+                <a16:creationId xmlns="" xmlns:a16="http://schemas.microsoft.com/office/drawing/2014/main" id="{3E7B2FBD-9ABE-A549-AE2B-4EAB090825B9}"/>
               </a:ext>
             </a:extLst>
           </p:cNvPr>
@@ -8523,7 +8523,7 @@
           <p:cNvPr id="10" name="Image 9">
             <a:extLst>
               <a:ext uri="{FF2B5EF4-FFF2-40B4-BE49-F238E27FC236}">
-                <a16:creationId xmlns:a16="http://schemas.microsoft.com/office/drawing/2014/main" xmlns="" id="{F688BCC2-7A8F-5145-B37C-317ED206BEEE}"/>
+                <a16:creationId xmlns="" xmlns:a16="http://schemas.microsoft.com/office/drawing/2014/main" id="{F688BCC2-7A8F-5145-B37C-317ED206BEEE}"/>
               </a:ext>
             </a:extLst>
           </p:cNvPr>
@@ -8553,7 +8553,7 @@
           <p:cNvPr id="11" name="Rectangle 10">
             <a:extLst>
               <a:ext uri="{FF2B5EF4-FFF2-40B4-BE49-F238E27FC236}">
-                <a16:creationId xmlns:a16="http://schemas.microsoft.com/office/drawing/2014/main" xmlns="" id="{94284844-C40D-324D-A972-44021BB613F7}"/>
+                <a16:creationId xmlns="" xmlns:a16="http://schemas.microsoft.com/office/drawing/2014/main" id="{94284844-C40D-324D-A972-44021BB613F7}"/>
               </a:ext>
             </a:extLst>
           </p:cNvPr>
@@ -8622,7 +8622,7 @@
           <p:cNvPr id="4" name="Image 3">
             <a:extLst>
               <a:ext uri="{FF2B5EF4-FFF2-40B4-BE49-F238E27FC236}">
-                <a16:creationId xmlns:a16="http://schemas.microsoft.com/office/drawing/2014/main" xmlns="" id="{84BAFDC8-8B2F-A646-AA37-37111420B4BB}"/>
+                <a16:creationId xmlns="" xmlns:a16="http://schemas.microsoft.com/office/drawing/2014/main" id="{84BAFDC8-8B2F-A646-AA37-37111420B4BB}"/>
               </a:ext>
             </a:extLst>
           </p:cNvPr>
@@ -8652,7 +8652,7 @@
           <p:cNvPr id="7" name="Image 6">
             <a:extLst>
               <a:ext uri="{FF2B5EF4-FFF2-40B4-BE49-F238E27FC236}">
-                <a16:creationId xmlns:a16="http://schemas.microsoft.com/office/drawing/2014/main" xmlns="" id="{D9E8373E-6C6D-0A4F-BCD2-B3CF54D77577}"/>
+                <a16:creationId xmlns="" xmlns:a16="http://schemas.microsoft.com/office/drawing/2014/main" id="{D9E8373E-6C6D-0A4F-BCD2-B3CF54D77577}"/>
               </a:ext>
             </a:extLst>
           </p:cNvPr>
@@ -8682,7 +8682,7 @@
           <p:cNvPr id="8" name="Image 7">
             <a:extLst>
               <a:ext uri="{FF2B5EF4-FFF2-40B4-BE49-F238E27FC236}">
-                <a16:creationId xmlns:a16="http://schemas.microsoft.com/office/drawing/2014/main" xmlns="" id="{05AF6B16-3A7F-494E-9721-9A47689EA023}"/>
+                <a16:creationId xmlns="" xmlns:a16="http://schemas.microsoft.com/office/drawing/2014/main" id="{05AF6B16-3A7F-494E-9721-9A47689EA023}"/>
               </a:ext>
             </a:extLst>
           </p:cNvPr>
@@ -8712,7 +8712,7 @@
           <p:cNvPr id="13" name="Image 12">
             <a:extLst>
               <a:ext uri="{FF2B5EF4-FFF2-40B4-BE49-F238E27FC236}">
-                <a16:creationId xmlns:a16="http://schemas.microsoft.com/office/drawing/2014/main" xmlns="" id="{0C717371-42BF-B64C-8F2A-997126CDEC3A}"/>
+                <a16:creationId xmlns="" xmlns:a16="http://schemas.microsoft.com/office/drawing/2014/main" id="{0C717371-42BF-B64C-8F2A-997126CDEC3A}"/>
               </a:ext>
             </a:extLst>
           </p:cNvPr>
@@ -8742,7 +8742,7 @@
           <p:cNvPr id="17" name="Rectangle 16">
             <a:extLst>
               <a:ext uri="{FF2B5EF4-FFF2-40B4-BE49-F238E27FC236}">
-                <a16:creationId xmlns:a16="http://schemas.microsoft.com/office/drawing/2014/main" xmlns="" id="{F58A4A3F-AA7F-D84F-AA08-7967BA455751}"/>
+                <a16:creationId xmlns="" xmlns:a16="http://schemas.microsoft.com/office/drawing/2014/main" id="{F58A4A3F-AA7F-D84F-AA08-7967BA455751}"/>
               </a:ext>
             </a:extLst>
           </p:cNvPr>
@@ -9212,7 +9212,7 @@
           <p:cNvPr id="2" name="Titre 1">
             <a:extLst>
               <a:ext uri="{FF2B5EF4-FFF2-40B4-BE49-F238E27FC236}">
-                <a16:creationId xmlns:a16="http://schemas.microsoft.com/office/drawing/2014/main" xmlns="" id="{F0F5FB5B-F05B-1F47-B07D-D6A34D391503}"/>
+                <a16:creationId xmlns="" xmlns:a16="http://schemas.microsoft.com/office/drawing/2014/main" id="{F0F5FB5B-F05B-1F47-B07D-D6A34D391503}"/>
               </a:ext>
             </a:extLst>
           </p:cNvPr>
@@ -9259,7 +9259,7 @@
           <p:cNvPr id="17" name="Rectangle 16">
             <a:extLst>
               <a:ext uri="{FF2B5EF4-FFF2-40B4-BE49-F238E27FC236}">
-                <a16:creationId xmlns:a16="http://schemas.microsoft.com/office/drawing/2014/main" xmlns="" id="{F58A4A3F-AA7F-D84F-AA08-7967BA455751}"/>
+                <a16:creationId xmlns="" xmlns:a16="http://schemas.microsoft.com/office/drawing/2014/main" id="{F58A4A3F-AA7F-D84F-AA08-7967BA455751}"/>
               </a:ext>
             </a:extLst>
           </p:cNvPr>
@@ -9439,7 +9439,7 @@
           <p:cNvPr id="2" name="Titre 1">
             <a:extLst>
               <a:ext uri="{FF2B5EF4-FFF2-40B4-BE49-F238E27FC236}">
-                <a16:creationId xmlns:a16="http://schemas.microsoft.com/office/drawing/2014/main" xmlns="" id="{F0F5FB5B-F05B-1F47-B07D-D6A34D391503}"/>
+                <a16:creationId xmlns="" xmlns:a16="http://schemas.microsoft.com/office/drawing/2014/main" id="{F0F5FB5B-F05B-1F47-B07D-D6A34D391503}"/>
               </a:ext>
             </a:extLst>
           </p:cNvPr>
@@ -9469,7 +9469,11 @@
             </a:pPr>
             <a:r>
               <a:rPr lang="en-CA" sz="4800" dirty="0" smtClean="0"/>
-              <a:t>Our Giants Are Female</a:t>
+              <a:t>#</a:t>
+            </a:r>
+            <a:r>
+              <a:rPr lang="en-CA" sz="4800" dirty="0" err="1" smtClean="0"/>
+              <a:t>OurGiantsAreFemale</a:t>
             </a:r>
             <a:endParaRPr lang="en-CA" sz="4800" dirty="0">
               <a:solidFill>
@@ -9525,7 +9529,7 @@
           <p:cNvPr id="12" name="Rectangle 11">
             <a:extLst>
               <a:ext uri="{FF2B5EF4-FFF2-40B4-BE49-F238E27FC236}">
-                <a16:creationId xmlns:a16="http://schemas.microsoft.com/office/drawing/2014/main" xmlns="" id="{F58A4A3F-AA7F-D84F-AA08-7967BA455751}"/>
+                <a16:creationId xmlns="" xmlns:a16="http://schemas.microsoft.com/office/drawing/2014/main" id="{F58A4A3F-AA7F-D84F-AA08-7967BA455751}"/>
               </a:ext>
             </a:extLst>
           </p:cNvPr>
@@ -9534,8 +9538,8 @@
         </p:nvSpPr>
         <p:spPr>
           <a:xfrm>
-            <a:off x="1110206" y="1603524"/>
-            <a:ext cx="6707913" cy="3416320"/>
+            <a:off x="1110206" y="1466364"/>
+            <a:ext cx="6707913" cy="3831818"/>
           </a:xfrm>
           <a:prstGeom prst="rect">
             <a:avLst/>
@@ -9553,6 +9557,21 @@
               </a:lnSpc>
             </a:pPr>
             <a:r>
+              <a:rPr lang="fr-CA" dirty="0" smtClean="0">
+                <a:solidFill>
+                  <a:srgbClr val="0070C0"/>
+                </a:solidFill>
+              </a:rPr>
+              <a:t>SOPHIE GERMAIN</a:t>
+            </a:r>
+          </a:p>
+          <a:p>
+            <a:pPr>
+              <a:lnSpc>
+                <a:spcPct val="150000"/>
+              </a:lnSpc>
+            </a:pPr>
+            <a:r>
               <a:rPr lang="fr-CA" dirty="0" err="1" smtClean="0">
                 <a:solidFill>
                   <a:schemeClr val="tx1">
@@ -9572,7 +9591,18 @@
                   </a:schemeClr>
                 </a:solidFill>
               </a:rPr>
-              <a:t> 18th, </a:t>
+              <a:t> </a:t>
+            </a:r>
+            <a:r>
+              <a:rPr lang="fr-CA" dirty="0" smtClean="0">
+                <a:solidFill>
+                  <a:schemeClr val="tx1">
+                    <a:lumMod val="50000"/>
+                    <a:lumOff val="50000"/>
+                  </a:schemeClr>
+                </a:solidFill>
+              </a:rPr>
+              <a:t>18th, </a:t>
             </a:r>
             <a:r>
               <a:rPr lang="fr-CA" dirty="0" err="1" smtClean="0">
@@ -10406,7 +10436,7 @@
           <p:cNvPr id="2" name="Titre 1">
             <a:extLst>
               <a:ext uri="{FF2B5EF4-FFF2-40B4-BE49-F238E27FC236}">
-                <a16:creationId xmlns:a16="http://schemas.microsoft.com/office/drawing/2014/main" xmlns="" id="{F0F5FB5B-F05B-1F47-B07D-D6A34D391503}"/>
+                <a16:creationId xmlns="" xmlns:a16="http://schemas.microsoft.com/office/drawing/2014/main" id="{F0F5FB5B-F05B-1F47-B07D-D6A34D391503}"/>
               </a:ext>
             </a:extLst>
           </p:cNvPr>
@@ -10453,7 +10483,7 @@
           <p:cNvPr id="3" name="Image 2">
             <a:extLst>
               <a:ext uri="{FF2B5EF4-FFF2-40B4-BE49-F238E27FC236}">
-                <a16:creationId xmlns:a16="http://schemas.microsoft.com/office/drawing/2014/main" xmlns="" id="{ADA0A60E-31D4-9540-B860-79C517BC1AC7}"/>
+                <a16:creationId xmlns="" xmlns:a16="http://schemas.microsoft.com/office/drawing/2014/main" id="{ADA0A60E-31D4-9540-B860-79C517BC1AC7}"/>
               </a:ext>
             </a:extLst>
           </p:cNvPr>
@@ -10483,7 +10513,7 @@
           <p:cNvPr id="4" name="ZoneTexte 3">
             <a:extLst>
               <a:ext uri="{FF2B5EF4-FFF2-40B4-BE49-F238E27FC236}">
-                <a16:creationId xmlns:a16="http://schemas.microsoft.com/office/drawing/2014/main" xmlns="" id="{884C4D7D-D8CD-A64F-B55A-D2DA73F14F65}"/>
+                <a16:creationId xmlns="" xmlns:a16="http://schemas.microsoft.com/office/drawing/2014/main" id="{884C4D7D-D8CD-A64F-B55A-D2DA73F14F65}"/>
               </a:ext>
             </a:extLst>
           </p:cNvPr>
@@ -10595,7 +10625,7 @@
           <p:cNvPr id="6146" name="Picture 2">
             <a:extLst>
               <a:ext uri="{FF2B5EF4-FFF2-40B4-BE49-F238E27FC236}">
-                <a16:creationId xmlns:a16="http://schemas.microsoft.com/office/drawing/2014/main" xmlns="" id="{C4719B6A-8A66-F04D-852F-5122A974420A}"/>
+                <a16:creationId xmlns="" xmlns:a16="http://schemas.microsoft.com/office/drawing/2014/main" id="{C4719B6A-8A66-F04D-852F-5122A974420A}"/>
               </a:ext>
             </a:extLst>
           </p:cNvPr>
@@ -10642,7 +10672,7 @@
           <p:cNvPr id="5" name="ZoneTexte 4">
             <a:extLst>
               <a:ext uri="{FF2B5EF4-FFF2-40B4-BE49-F238E27FC236}">
-                <a16:creationId xmlns:a16="http://schemas.microsoft.com/office/drawing/2014/main" xmlns="" id="{D0507F7A-AAAF-9C4E-AA6B-B7FED37F7655}"/>
+                <a16:creationId xmlns="" xmlns:a16="http://schemas.microsoft.com/office/drawing/2014/main" id="{D0507F7A-AAAF-9C4E-AA6B-B7FED37F7655}"/>
               </a:ext>
             </a:extLst>
           </p:cNvPr>
@@ -10715,7 +10745,7 @@
           <p:cNvPr id="6148" name="Picture 4">
             <a:extLst>
               <a:ext uri="{FF2B5EF4-FFF2-40B4-BE49-F238E27FC236}">
-                <a16:creationId xmlns:a16="http://schemas.microsoft.com/office/drawing/2014/main" xmlns="" id="{A327771A-C547-CA43-A969-D2499410AE2B}"/>
+                <a16:creationId xmlns="" xmlns:a16="http://schemas.microsoft.com/office/drawing/2014/main" id="{A327771A-C547-CA43-A969-D2499410AE2B}"/>
               </a:ext>
             </a:extLst>
           </p:cNvPr>
@@ -10762,7 +10792,7 @@
           <p:cNvPr id="6152" name="Picture 8">
             <a:extLst>
               <a:ext uri="{FF2B5EF4-FFF2-40B4-BE49-F238E27FC236}">
-                <a16:creationId xmlns:a16="http://schemas.microsoft.com/office/drawing/2014/main" xmlns="" id="{49E0FDE4-5BA7-5944-ABBA-F1AC23681F79}"/>
+                <a16:creationId xmlns="" xmlns:a16="http://schemas.microsoft.com/office/drawing/2014/main" id="{49E0FDE4-5BA7-5944-ABBA-F1AC23681F79}"/>
               </a:ext>
             </a:extLst>
           </p:cNvPr>
@@ -10802,7 +10832,7 @@
           <p:cNvPr id="6" name="Rectangle 5">
             <a:extLst>
               <a:ext uri="{FF2B5EF4-FFF2-40B4-BE49-F238E27FC236}">
-                <a16:creationId xmlns:a16="http://schemas.microsoft.com/office/drawing/2014/main" xmlns="" id="{98ABA5F3-F714-2C4C-ADB3-95A4E1397932}"/>
+                <a16:creationId xmlns="" xmlns:a16="http://schemas.microsoft.com/office/drawing/2014/main" id="{98ABA5F3-F714-2C4C-ADB3-95A4E1397932}"/>
               </a:ext>
             </a:extLst>
           </p:cNvPr>
@@ -10928,7 +10958,7 @@
           <p:cNvPr id="17" name="Rectangle 16">
             <a:extLst>
               <a:ext uri="{FF2B5EF4-FFF2-40B4-BE49-F238E27FC236}">
-                <a16:creationId xmlns:a16="http://schemas.microsoft.com/office/drawing/2014/main" xmlns="" id="{F58A4A3F-AA7F-D84F-AA08-7967BA455751}"/>
+                <a16:creationId xmlns="" xmlns:a16="http://schemas.microsoft.com/office/drawing/2014/main" id="{F58A4A3F-AA7F-D84F-AA08-7967BA455751}"/>
               </a:ext>
             </a:extLst>
           </p:cNvPr>
@@ -11171,7 +11201,7 @@
           <p:cNvPr id="1026" name="Picture 2">
             <a:extLst>
               <a:ext uri="{FF2B5EF4-FFF2-40B4-BE49-F238E27FC236}">
-                <a16:creationId xmlns:a16="http://schemas.microsoft.com/office/drawing/2014/main" xmlns="" id="{0F8A3772-5F2F-E546-8EEB-FC2E940E5909}"/>
+                <a16:creationId xmlns="" xmlns:a16="http://schemas.microsoft.com/office/drawing/2014/main" id="{0F8A3772-5F2F-E546-8EEB-FC2E940E5909}"/>
               </a:ext>
             </a:extLst>
           </p:cNvPr>
@@ -11256,7 +11286,7 @@
           <p:cNvPr id="2" name="Titre 1">
             <a:extLst>
               <a:ext uri="{FF2B5EF4-FFF2-40B4-BE49-F238E27FC236}">
-                <a16:creationId xmlns:a16="http://schemas.microsoft.com/office/drawing/2014/main" xmlns="" id="{F0F5FB5B-F05B-1F47-B07D-D6A34D391503}"/>
+                <a16:creationId xmlns="" xmlns:a16="http://schemas.microsoft.com/office/drawing/2014/main" id="{F0F5FB5B-F05B-1F47-B07D-D6A34D391503}"/>
               </a:ext>
             </a:extLst>
           </p:cNvPr>
@@ -11303,7 +11333,7 @@
           <p:cNvPr id="17" name="Rectangle 16">
             <a:extLst>
               <a:ext uri="{FF2B5EF4-FFF2-40B4-BE49-F238E27FC236}">
-                <a16:creationId xmlns:a16="http://schemas.microsoft.com/office/drawing/2014/main" xmlns="" id="{F58A4A3F-AA7F-D84F-AA08-7967BA455751}"/>
+                <a16:creationId xmlns="" xmlns:a16="http://schemas.microsoft.com/office/drawing/2014/main" id="{F58A4A3F-AA7F-D84F-AA08-7967BA455751}"/>
               </a:ext>
             </a:extLst>
           </p:cNvPr>
@@ -11513,7 +11543,7 @@
           <p:cNvPr id="2" name="Titre 1">
             <a:extLst>
               <a:ext uri="{FF2B5EF4-FFF2-40B4-BE49-F238E27FC236}">
-                <a16:creationId xmlns:a16="http://schemas.microsoft.com/office/drawing/2014/main" xmlns="" id="{F0F5FB5B-F05B-1F47-B07D-D6A34D391503}"/>
+                <a16:creationId xmlns="" xmlns:a16="http://schemas.microsoft.com/office/drawing/2014/main" id="{F0F5FB5B-F05B-1F47-B07D-D6A34D391503}"/>
               </a:ext>
             </a:extLst>
           </p:cNvPr>
@@ -11560,7 +11590,7 @@
           <p:cNvPr id="17" name="Rectangle 16">
             <a:extLst>
               <a:ext uri="{FF2B5EF4-FFF2-40B4-BE49-F238E27FC236}">
-                <a16:creationId xmlns:a16="http://schemas.microsoft.com/office/drawing/2014/main" xmlns="" id="{F58A4A3F-AA7F-D84F-AA08-7967BA455751}"/>
+                <a16:creationId xmlns="" xmlns:a16="http://schemas.microsoft.com/office/drawing/2014/main" id="{F58A4A3F-AA7F-D84F-AA08-7967BA455751}"/>
               </a:ext>
             </a:extLst>
           </p:cNvPr>
@@ -11799,7 +11829,7 @@
           <p:cNvPr id="2" name="Titre 1">
             <a:extLst>
               <a:ext uri="{FF2B5EF4-FFF2-40B4-BE49-F238E27FC236}">
-                <a16:creationId xmlns:a16="http://schemas.microsoft.com/office/drawing/2014/main" xmlns="" id="{F0F5FB5B-F05B-1F47-B07D-D6A34D391503}"/>
+                <a16:creationId xmlns="" xmlns:a16="http://schemas.microsoft.com/office/drawing/2014/main" id="{F0F5FB5B-F05B-1F47-B07D-D6A34D391503}"/>
               </a:ext>
             </a:extLst>
           </p:cNvPr>
@@ -11846,7 +11876,7 @@
           <p:cNvPr id="17" name="Rectangle 16">
             <a:extLst>
               <a:ext uri="{FF2B5EF4-FFF2-40B4-BE49-F238E27FC236}">
-                <a16:creationId xmlns:a16="http://schemas.microsoft.com/office/drawing/2014/main" xmlns="" id="{F58A4A3F-AA7F-D84F-AA08-7967BA455751}"/>
+                <a16:creationId xmlns="" xmlns:a16="http://schemas.microsoft.com/office/drawing/2014/main" id="{F58A4A3F-AA7F-D84F-AA08-7967BA455751}"/>
               </a:ext>
             </a:extLst>
           </p:cNvPr>
@@ -11974,7 +12004,7 @@
           <p:cNvPr id="5" name="Rectangle 4">
             <a:extLst>
               <a:ext uri="{FF2B5EF4-FFF2-40B4-BE49-F238E27FC236}">
-                <a16:creationId xmlns:a16="http://schemas.microsoft.com/office/drawing/2014/main" xmlns="" id="{F58A4A3F-AA7F-D84F-AA08-7967BA455751}"/>
+                <a16:creationId xmlns="" xmlns:a16="http://schemas.microsoft.com/office/drawing/2014/main" id="{F58A4A3F-AA7F-D84F-AA08-7967BA455751}"/>
               </a:ext>
             </a:extLst>
           </p:cNvPr>
@@ -12009,7 +12039,6 @@
               <a:rPr lang="en-CA" sz="1400" dirty="0"/>
               <a:t>://devopedia.org/mqtt</a:t>
             </a:r>
-            <a:endParaRPr lang="en-CA" sz="1400" dirty="0"/>
           </a:p>
         </p:txBody>
       </p:sp>
@@ -12056,7 +12085,7 @@
           <p:cNvPr id="2" name="Titre 1">
             <a:extLst>
               <a:ext uri="{FF2B5EF4-FFF2-40B4-BE49-F238E27FC236}">
-                <a16:creationId xmlns:a16="http://schemas.microsoft.com/office/drawing/2014/main" xmlns="" id="{F0F5FB5B-F05B-1F47-B07D-D6A34D391503}"/>
+                <a16:creationId xmlns="" xmlns:a16="http://schemas.microsoft.com/office/drawing/2014/main" id="{F0F5FB5B-F05B-1F47-B07D-D6A34D391503}"/>
               </a:ext>
             </a:extLst>
           </p:cNvPr>
@@ -12103,7 +12132,7 @@
           <p:cNvPr id="17" name="Rectangle 16">
             <a:extLst>
               <a:ext uri="{FF2B5EF4-FFF2-40B4-BE49-F238E27FC236}">
-                <a16:creationId xmlns:a16="http://schemas.microsoft.com/office/drawing/2014/main" xmlns="" id="{F58A4A3F-AA7F-D84F-AA08-7967BA455751}"/>
+                <a16:creationId xmlns="" xmlns:a16="http://schemas.microsoft.com/office/drawing/2014/main" id="{F58A4A3F-AA7F-D84F-AA08-7967BA455751}"/>
               </a:ext>
             </a:extLst>
           </p:cNvPr>
@@ -12293,8 +12322,8 @@
         </p:nvSpPr>
         <p:spPr>
           <a:xfrm>
-            <a:off x="834374" y="5816084"/>
-            <a:ext cx="7748275" cy="369332"/>
+            <a:off x="217154" y="5893158"/>
+            <a:ext cx="7951857" cy="646331"/>
           </a:xfrm>
           <a:prstGeom prst="rect">
             <a:avLst/>
@@ -12306,6 +12335,10 @@
           </a:bodyPr>
           <a:lstStyle/>
           <a:p>
+            <a:pPr marL="285750" indent="-285750">
+              <a:buFont typeface="Arial" panose="020B0604020202020204" pitchFamily="34" charset="0"/>
+              <a:buChar char="•"/>
+            </a:pPr>
             <a:r>
               <a:rPr lang="en-CA" dirty="0" smtClean="0">
                 <a:solidFill>
@@ -12315,7 +12348,68 @@
                   </a:schemeClr>
                 </a:solidFill>
               </a:rPr>
-              <a:t>* New version 3.2.0 of MQTT Broker has been published earlier this week.</a:t>
+              <a:t>New </a:t>
+            </a:r>
+            <a:r>
+              <a:rPr lang="en-CA" dirty="0" smtClean="0">
+                <a:solidFill>
+                  <a:schemeClr val="tx1">
+                    <a:lumMod val="50000"/>
+                    <a:lumOff val="50000"/>
+                  </a:schemeClr>
+                </a:solidFill>
+              </a:rPr>
+              <a:t>version 3.2.0 of MQTT Broker has been published earlier this week</a:t>
+            </a:r>
+            <a:r>
+              <a:rPr lang="en-CA" dirty="0" smtClean="0">
+                <a:solidFill>
+                  <a:schemeClr val="tx1">
+                    <a:lumMod val="50000"/>
+                    <a:lumOff val="50000"/>
+                  </a:schemeClr>
+                </a:solidFill>
+              </a:rPr>
+              <a:t>.</a:t>
+            </a:r>
+          </a:p>
+          <a:p>
+            <a:pPr marL="285750" indent="-285750">
+              <a:buFont typeface="Arial" panose="020B0604020202020204" pitchFamily="34" charset="0"/>
+              <a:buChar char="•"/>
+            </a:pPr>
+            <a:r>
+              <a:rPr lang="fr-CA" dirty="0" err="1" smtClean="0">
+                <a:solidFill>
+                  <a:schemeClr val="tx1">
+                    <a:lumMod val="50000"/>
+                    <a:lumOff val="50000"/>
+                  </a:schemeClr>
+                </a:solidFill>
+              </a:rPr>
+              <a:t>Available</a:t>
+            </a:r>
+            <a:r>
+              <a:rPr lang="fr-CA" dirty="0" smtClean="0">
+                <a:solidFill>
+                  <a:schemeClr val="tx1">
+                    <a:lumMod val="50000"/>
+                    <a:lumOff val="50000"/>
+                  </a:schemeClr>
+                </a:solidFill>
+              </a:rPr>
+              <a:t> on VIPM </a:t>
+            </a:r>
+            <a:r>
+              <a:rPr lang="fr-CA" dirty="0" err="1" smtClean="0">
+                <a:solidFill>
+                  <a:schemeClr val="tx1">
+                    <a:lumMod val="50000"/>
+                    <a:lumOff val="50000"/>
+                  </a:schemeClr>
+                </a:solidFill>
+              </a:rPr>
+              <a:t>Community</a:t>
             </a:r>
             <a:endParaRPr lang="en-CA" dirty="0"/>
           </a:p>
